--- a/design/ゲーム画面設計.pptx
+++ b/design/ゲーム画面設計.pptx
@@ -5,14 +5,15 @@
     <p:sldMasterId id="2147483648" r:id="rId1"/>
   </p:sldMasterIdLst>
   <p:notesMasterIdLst>
-    <p:notesMasterId r:id="rId7"/>
+    <p:notesMasterId r:id="rId8"/>
   </p:notesMasterIdLst>
   <p:sldIdLst>
     <p:sldId id="256" r:id="rId2"/>
     <p:sldId id="257" r:id="rId3"/>
     <p:sldId id="258" r:id="rId4"/>
     <p:sldId id="259" r:id="rId5"/>
-    <p:sldId id="260" r:id="rId6"/>
+    <p:sldId id="261" r:id="rId6"/>
+    <p:sldId id="260" r:id="rId7"/>
   </p:sldIdLst>
   <p:sldSz cx="12192000" cy="6858000"/>
   <p:notesSz cx="6858000" cy="9144000"/>
@@ -111,6 +112,11 @@
       </a:defRPr>
     </a:lvl9pPr>
   </p:defaultTextStyle>
+  <p:extLst>
+    <p:ext uri="{EFAFB233-063F-42B5-8137-9DF3F51BA10A}">
+      <p15:sldGuideLst xmlns:p15="http://schemas.microsoft.com/office/powerpoint/2012/main"/>
+    </p:ext>
+  </p:extLst>
 </p:presentation>
 </file>
 
@@ -196,7 +202,7 @@
           <a:p>
             <a:fld id="{C1D057B1-392F-4EA3-A98E-DCD6DB5AF2D7}" type="datetimeFigureOut">
               <a:rPr kumimoji="1" lang="ja-JP" altLang="en-US" smtClean="0"/>
-              <a:t>2013/12/26</a:t>
+              <a:t>2013/12/30</a:t>
             </a:fld>
             <a:endParaRPr kumimoji="1" lang="ja-JP" altLang="en-US"/>
           </a:p>
@@ -959,45 +965,14 @@
           <a:p>
             <a:r>
               <a:rPr kumimoji="1" lang="ja-JP" altLang="en-US" dirty="0" smtClean="0"/>
-              <a:t>これもメイプルタワーとほぼ同じだが、下に各ユニットのデータを表示するようにする。</a:t>
+              <a:t>いかにもダンジョンって感じのよくあるゲーム。</a:t>
             </a:r>
             <a:endParaRPr kumimoji="1" lang="en-US" altLang="ja-JP" dirty="0" smtClean="0"/>
           </a:p>
           <a:p>
             <a:r>
               <a:rPr kumimoji="1" lang="ja-JP" altLang="en-US" dirty="0" smtClean="0"/>
-              <a:t>基本的にこの戦闘スタイルはスピードメータはないが大体どこも同じ。</a:t>
-            </a:r>
-            <a:endParaRPr kumimoji="1" lang="en-US" altLang="ja-JP" dirty="0" smtClean="0"/>
-          </a:p>
-          <a:p>
-            <a:r>
-              <a:rPr kumimoji="1" lang="ja-JP" altLang="en-US" dirty="0" smtClean="0"/>
-              <a:t>敵は</a:t>
-            </a:r>
-            <a:r>
-              <a:rPr kumimoji="1" lang="en-US" altLang="ja-JP" dirty="0" smtClean="0"/>
-              <a:t>1</a:t>
-            </a:r>
-            <a:r>
-              <a:rPr kumimoji="1" lang="ja-JP" altLang="en-US" dirty="0" smtClean="0"/>
-              <a:t>体になっているが実際の戦闘では</a:t>
-            </a:r>
-            <a:r>
-              <a:rPr kumimoji="1" lang="en-US" altLang="ja-JP" dirty="0" smtClean="0"/>
-              <a:t>1</a:t>
-            </a:r>
-            <a:r>
-              <a:rPr kumimoji="1" lang="ja-JP" altLang="en-US" dirty="0" smtClean="0"/>
-              <a:t>～</a:t>
-            </a:r>
-            <a:r>
-              <a:rPr kumimoji="1" lang="en-US" altLang="ja-JP" dirty="0" smtClean="0"/>
-              <a:t>4</a:t>
-            </a:r>
-            <a:r>
-              <a:rPr kumimoji="1" lang="ja-JP" altLang="en-US" dirty="0" smtClean="0"/>
-              <a:t>体出てくる予定。</a:t>
+              <a:t>メニュー欄が今一確定していない。</a:t>
             </a:r>
             <a:endParaRPr kumimoji="1" lang="ja-JP" altLang="en-US" dirty="0"/>
           </a:p>
@@ -1021,6 +996,132 @@
             <a:fld id="{0384B56B-5CA1-4B73-9B92-65F8C9E4633A}" type="slidenum">
               <a:rPr kumimoji="1" lang="ja-JP" altLang="en-US" smtClean="0"/>
               <a:t>5</a:t>
+            </a:fld>
+            <a:endParaRPr kumimoji="1" lang="ja-JP" altLang="en-US"/>
+          </a:p>
+        </p:txBody>
+      </p:sp>
+    </p:spTree>
+    <p:extLst>
+      <p:ext uri="{BB962C8B-B14F-4D97-AF65-F5344CB8AC3E}">
+        <p14:creationId xmlns:p14="http://schemas.microsoft.com/office/powerpoint/2010/main" val="4265441336"/>
+      </p:ext>
+    </p:extLst>
+  </p:cSld>
+  <p:clrMapOvr>
+    <a:masterClrMapping/>
+  </p:clrMapOvr>
+</p:notes>
+</file>
+
+<file path=ppt/notesSlides/notesSlide6.xml><?xml version="1.0" encoding="utf-8"?>
+<p:notes xmlns:a="http://schemas.openxmlformats.org/drawingml/2006/main" xmlns:r="http://schemas.openxmlformats.org/officeDocument/2006/relationships" xmlns:p="http://schemas.openxmlformats.org/presentationml/2006/main">
+  <p:cSld>
+    <p:spTree>
+      <p:nvGrpSpPr>
+        <p:cNvPr id="1" name=""/>
+        <p:cNvGrpSpPr/>
+        <p:nvPr/>
+      </p:nvGrpSpPr>
+      <p:grpSpPr>
+        <a:xfrm>
+          <a:off x="0" y="0"/>
+          <a:ext cx="0" cy="0"/>
+          <a:chOff x="0" y="0"/>
+          <a:chExt cx="0" cy="0"/>
+        </a:xfrm>
+      </p:grpSpPr>
+      <p:sp>
+        <p:nvSpPr>
+          <p:cNvPr id="2" name="スライド イメージ プレースホルダー 1"/>
+          <p:cNvSpPr>
+            <a:spLocks noGrp="1" noRot="1" noChangeAspect="1"/>
+          </p:cNvSpPr>
+          <p:nvPr>
+            <p:ph type="sldImg"/>
+          </p:nvPr>
+        </p:nvSpPr>
+        <p:spPr/>
+      </p:sp>
+      <p:sp>
+        <p:nvSpPr>
+          <p:cNvPr id="3" name="ノート プレースホルダー 2"/>
+          <p:cNvSpPr>
+            <a:spLocks noGrp="1"/>
+          </p:cNvSpPr>
+          <p:nvPr>
+            <p:ph type="body" idx="1"/>
+          </p:nvPr>
+        </p:nvSpPr>
+        <p:spPr/>
+        <p:txBody>
+          <a:bodyPr/>
+          <a:lstStyle/>
+          <a:p>
+            <a:r>
+              <a:rPr kumimoji="1" lang="ja-JP" altLang="en-US" dirty="0" smtClean="0"/>
+              <a:t>これもメイプルタワーとほぼ同じだが、下に各ユニットのデータを表示するようにする。</a:t>
+            </a:r>
+            <a:endParaRPr kumimoji="1" lang="en-US" altLang="ja-JP" dirty="0" smtClean="0"/>
+          </a:p>
+          <a:p>
+            <a:r>
+              <a:rPr kumimoji="1" lang="ja-JP" altLang="en-US" dirty="0" smtClean="0"/>
+              <a:t>基本的にこの戦闘スタイルはスピードメータはないが大体どこも同じ。</a:t>
+            </a:r>
+            <a:endParaRPr kumimoji="1" lang="en-US" altLang="ja-JP" dirty="0" smtClean="0"/>
+          </a:p>
+          <a:p>
+            <a:r>
+              <a:rPr kumimoji="1" lang="ja-JP" altLang="en-US" dirty="0" smtClean="0"/>
+              <a:t>敵は</a:t>
+            </a:r>
+            <a:r>
+              <a:rPr kumimoji="1" lang="en-US" altLang="ja-JP" dirty="0" smtClean="0"/>
+              <a:t>1</a:t>
+            </a:r>
+            <a:r>
+              <a:rPr kumimoji="1" lang="ja-JP" altLang="en-US" dirty="0" smtClean="0"/>
+              <a:t>体になっているが実際の戦闘では</a:t>
+            </a:r>
+            <a:r>
+              <a:rPr kumimoji="1" lang="en-US" altLang="ja-JP" dirty="0" smtClean="0"/>
+              <a:t>1</a:t>
+            </a:r>
+            <a:r>
+              <a:rPr kumimoji="1" lang="ja-JP" altLang="en-US" dirty="0" smtClean="0"/>
+              <a:t>～</a:t>
+            </a:r>
+            <a:r>
+              <a:rPr kumimoji="1" lang="en-US" altLang="ja-JP" dirty="0" smtClean="0"/>
+              <a:t>4</a:t>
+            </a:r>
+            <a:r>
+              <a:rPr kumimoji="1" lang="ja-JP" altLang="en-US" dirty="0" smtClean="0"/>
+              <a:t>体出てくる予定。</a:t>
+            </a:r>
+            <a:endParaRPr kumimoji="1" lang="ja-JP" altLang="en-US" dirty="0"/>
+          </a:p>
+        </p:txBody>
+      </p:sp>
+      <p:sp>
+        <p:nvSpPr>
+          <p:cNvPr id="4" name="スライド番号プレースホルダー 3"/>
+          <p:cNvSpPr>
+            <a:spLocks noGrp="1"/>
+          </p:cNvSpPr>
+          <p:nvPr>
+            <p:ph type="sldNum" sz="quarter" idx="10"/>
+          </p:nvPr>
+        </p:nvSpPr>
+        <p:spPr/>
+        <p:txBody>
+          <a:bodyPr/>
+          <a:lstStyle/>
+          <a:p>
+            <a:fld id="{0384B56B-5CA1-4B73-9B92-65F8C9E4633A}" type="slidenum">
+              <a:rPr kumimoji="1" lang="ja-JP" altLang="en-US" smtClean="0"/>
+              <a:t>6</a:t>
             </a:fld>
             <a:endParaRPr kumimoji="1" lang="ja-JP" altLang="en-US"/>
           </a:p>
@@ -1170,7 +1271,7 @@
           <a:p>
             <a:fld id="{DB526660-F677-44CC-876D-331CADDE51A8}" type="datetimeFigureOut">
               <a:rPr kumimoji="1" lang="ja-JP" altLang="en-US" smtClean="0"/>
-              <a:t>2013/12/26</a:t>
+              <a:t>2013/12/30</a:t>
             </a:fld>
             <a:endParaRPr kumimoji="1" lang="ja-JP" altLang="en-US"/>
           </a:p>
@@ -1372,7 +1473,7 @@
           <a:p>
             <a:fld id="{DB526660-F677-44CC-876D-331CADDE51A8}" type="datetimeFigureOut">
               <a:rPr kumimoji="1" lang="ja-JP" altLang="en-US" smtClean="0"/>
-              <a:t>2013/12/26</a:t>
+              <a:t>2013/12/30</a:t>
             </a:fld>
             <a:endParaRPr kumimoji="1" lang="ja-JP" altLang="en-US"/>
           </a:p>
@@ -1584,7 +1685,7 @@
           <a:p>
             <a:fld id="{DB526660-F677-44CC-876D-331CADDE51A8}" type="datetimeFigureOut">
               <a:rPr kumimoji="1" lang="ja-JP" altLang="en-US" smtClean="0"/>
-              <a:t>2013/12/26</a:t>
+              <a:t>2013/12/30</a:t>
             </a:fld>
             <a:endParaRPr kumimoji="1" lang="ja-JP" altLang="en-US"/>
           </a:p>
@@ -1786,7 +1887,7 @@
           <a:p>
             <a:fld id="{DB526660-F677-44CC-876D-331CADDE51A8}" type="datetimeFigureOut">
               <a:rPr kumimoji="1" lang="ja-JP" altLang="en-US" smtClean="0"/>
-              <a:t>2013/12/26</a:t>
+              <a:t>2013/12/30</a:t>
             </a:fld>
             <a:endParaRPr kumimoji="1" lang="ja-JP" altLang="en-US"/>
           </a:p>
@@ -2032,7 +2133,7 @@
           <a:p>
             <a:fld id="{DB526660-F677-44CC-876D-331CADDE51A8}" type="datetimeFigureOut">
               <a:rPr kumimoji="1" lang="ja-JP" altLang="en-US" smtClean="0"/>
-              <a:t>2013/12/26</a:t>
+              <a:t>2013/12/30</a:t>
             </a:fld>
             <a:endParaRPr kumimoji="1" lang="ja-JP" altLang="en-US"/>
           </a:p>
@@ -2328,7 +2429,7 @@
           <a:p>
             <a:fld id="{DB526660-F677-44CC-876D-331CADDE51A8}" type="datetimeFigureOut">
               <a:rPr kumimoji="1" lang="ja-JP" altLang="en-US" smtClean="0"/>
-              <a:t>2013/12/26</a:t>
+              <a:t>2013/12/30</a:t>
             </a:fld>
             <a:endParaRPr kumimoji="1" lang="ja-JP" altLang="en-US"/>
           </a:p>
@@ -2759,7 +2860,7 @@
           <a:p>
             <a:fld id="{DB526660-F677-44CC-876D-331CADDE51A8}" type="datetimeFigureOut">
               <a:rPr kumimoji="1" lang="ja-JP" altLang="en-US" smtClean="0"/>
-              <a:t>2013/12/26</a:t>
+              <a:t>2013/12/30</a:t>
             </a:fld>
             <a:endParaRPr kumimoji="1" lang="ja-JP" altLang="en-US"/>
           </a:p>
@@ -2877,7 +2978,7 @@
           <a:p>
             <a:fld id="{DB526660-F677-44CC-876D-331CADDE51A8}" type="datetimeFigureOut">
               <a:rPr kumimoji="1" lang="ja-JP" altLang="en-US" smtClean="0"/>
-              <a:t>2013/12/26</a:t>
+              <a:t>2013/12/30</a:t>
             </a:fld>
             <a:endParaRPr kumimoji="1" lang="ja-JP" altLang="en-US"/>
           </a:p>
@@ -2972,7 +3073,7 @@
           <a:p>
             <a:fld id="{DB526660-F677-44CC-876D-331CADDE51A8}" type="datetimeFigureOut">
               <a:rPr kumimoji="1" lang="ja-JP" altLang="en-US" smtClean="0"/>
-              <a:t>2013/12/26</a:t>
+              <a:t>2013/12/30</a:t>
             </a:fld>
             <a:endParaRPr kumimoji="1" lang="ja-JP" altLang="en-US"/>
           </a:p>
@@ -3281,7 +3382,7 @@
           <a:p>
             <a:fld id="{DB526660-F677-44CC-876D-331CADDE51A8}" type="datetimeFigureOut">
               <a:rPr kumimoji="1" lang="ja-JP" altLang="en-US" smtClean="0"/>
-              <a:t>2013/12/26</a:t>
+              <a:t>2013/12/30</a:t>
             </a:fld>
             <a:endParaRPr kumimoji="1" lang="ja-JP" altLang="en-US"/>
           </a:p>
@@ -3534,7 +3635,7 @@
           <a:p>
             <a:fld id="{DB526660-F677-44CC-876D-331CADDE51A8}" type="datetimeFigureOut">
               <a:rPr kumimoji="1" lang="ja-JP" altLang="en-US" smtClean="0"/>
-              <a:t>2013/12/26</a:t>
+              <a:t>2013/12/30</a:t>
             </a:fld>
             <a:endParaRPr kumimoji="1" lang="ja-JP" altLang="en-US"/>
           </a:p>
@@ -3779,7 +3880,7 @@
           <a:p>
             <a:fld id="{DB526660-F677-44CC-876D-331CADDE51A8}" type="datetimeFigureOut">
               <a:rPr kumimoji="1" lang="ja-JP" altLang="en-US" smtClean="0"/>
-              <a:t>2013/12/26</a:t>
+              <a:t>2013/12/30</a:t>
             </a:fld>
             <a:endParaRPr kumimoji="1" lang="ja-JP" altLang="en-US"/>
           </a:p>
@@ -6616,6 +6717,840 @@
 </file>
 
 <file path=ppt/slides/slide5.xml><?xml version="1.0" encoding="utf-8"?>
+<p:sld xmlns:a="http://schemas.openxmlformats.org/drawingml/2006/main" xmlns:r="http://schemas.openxmlformats.org/officeDocument/2006/relationships" xmlns:p="http://schemas.openxmlformats.org/presentationml/2006/main">
+  <p:cSld>
+    <p:spTree>
+      <p:nvGrpSpPr>
+        <p:cNvPr id="1" name=""/>
+        <p:cNvGrpSpPr/>
+        <p:nvPr/>
+      </p:nvGrpSpPr>
+      <p:grpSpPr>
+        <a:xfrm>
+          <a:off x="0" y="0"/>
+          <a:ext cx="0" cy="0"/>
+          <a:chOff x="0" y="0"/>
+          <a:chExt cx="0" cy="0"/>
+        </a:xfrm>
+      </p:grpSpPr>
+      <p:sp>
+        <p:nvSpPr>
+          <p:cNvPr id="2" name="テキスト ボックス 1"/>
+          <p:cNvSpPr txBox="1"/>
+          <p:nvPr/>
+        </p:nvSpPr>
+        <p:spPr>
+          <a:xfrm>
+            <a:off x="1411169" y="0"/>
+            <a:ext cx="9779636" cy="923330"/>
+          </a:xfrm>
+          <a:prstGeom prst="rect">
+            <a:avLst/>
+          </a:prstGeom>
+          <a:noFill/>
+        </p:spPr>
+        <p:txBody>
+          <a:bodyPr wrap="square" rtlCol="0">
+            <a:spAutoFit/>
+          </a:bodyPr>
+          <a:lstStyle/>
+          <a:p>
+            <a:pPr algn="ctr"/>
+            <a:r>
+              <a:rPr lang="ja-JP" altLang="en-US" sz="5400" b="1" dirty="0" smtClean="0">
+                <a:solidFill>
+                  <a:srgbClr val="7030A0"/>
+                </a:solidFill>
+              </a:rPr>
+              <a:t>ダンジョン（タワー）</a:t>
+            </a:r>
+            <a:r>
+              <a:rPr kumimoji="1" lang="ja-JP" altLang="en-US" sz="5400" b="1" dirty="0" smtClean="0">
+                <a:solidFill>
+                  <a:srgbClr val="7030A0"/>
+                </a:solidFill>
+              </a:rPr>
+              <a:t>画面</a:t>
+            </a:r>
+            <a:r>
+              <a:rPr lang="ja-JP" altLang="en-US" sz="5400" b="1" dirty="0">
+                <a:solidFill>
+                  <a:srgbClr val="7030A0"/>
+                </a:solidFill>
+              </a:rPr>
+              <a:t>（</a:t>
+            </a:r>
+            <a:r>
+              <a:rPr kumimoji="1" lang="ja-JP" altLang="en-US" sz="5400" b="1" dirty="0" smtClean="0">
+                <a:solidFill>
+                  <a:srgbClr val="7030A0"/>
+                </a:solidFill>
+              </a:rPr>
+              <a:t>他の案</a:t>
+            </a:r>
+            <a:r>
+              <a:rPr lang="ja-JP" altLang="en-US" sz="5400" b="1" dirty="0">
+                <a:solidFill>
+                  <a:srgbClr val="7030A0"/>
+                </a:solidFill>
+              </a:rPr>
+              <a:t>）</a:t>
+            </a:r>
+            <a:endParaRPr kumimoji="1" lang="ja-JP" altLang="en-US" sz="5400" b="1" dirty="0">
+              <a:solidFill>
+                <a:srgbClr val="7030A0"/>
+              </a:solidFill>
+            </a:endParaRPr>
+          </a:p>
+        </p:txBody>
+      </p:sp>
+      <p:cxnSp>
+        <p:nvCxnSpPr>
+          <p:cNvPr id="6" name="直線コネクタ 5"/>
+          <p:cNvCxnSpPr/>
+          <p:nvPr/>
+        </p:nvCxnSpPr>
+        <p:spPr>
+          <a:xfrm>
+            <a:off x="8128000" y="1262130"/>
+            <a:ext cx="0" cy="4180025"/>
+          </a:xfrm>
+          <a:prstGeom prst="line">
+            <a:avLst/>
+          </a:prstGeom>
+          <a:ln w="12700">
+            <a:solidFill>
+              <a:schemeClr val="tx1"/>
+            </a:solidFill>
+          </a:ln>
+        </p:spPr>
+        <p:style>
+          <a:lnRef idx="1">
+            <a:schemeClr val="accent1"/>
+          </a:lnRef>
+          <a:fillRef idx="0">
+            <a:schemeClr val="accent1"/>
+          </a:fillRef>
+          <a:effectRef idx="0">
+            <a:schemeClr val="accent1"/>
+          </a:effectRef>
+          <a:fontRef idx="minor">
+            <a:schemeClr val="tx1"/>
+          </a:fontRef>
+        </p:style>
+      </p:cxnSp>
+      <p:cxnSp>
+        <p:nvCxnSpPr>
+          <p:cNvPr id="29" name="直線コネクタ 28"/>
+          <p:cNvCxnSpPr/>
+          <p:nvPr/>
+        </p:nvCxnSpPr>
+        <p:spPr>
+          <a:xfrm flipH="1">
+            <a:off x="2071044" y="3657600"/>
+            <a:ext cx="1702670" cy="1784555"/>
+          </a:xfrm>
+          <a:prstGeom prst="line">
+            <a:avLst/>
+          </a:prstGeom>
+          <a:ln w="12700">
+            <a:solidFill>
+              <a:schemeClr val="tx1"/>
+            </a:solidFill>
+          </a:ln>
+        </p:spPr>
+        <p:style>
+          <a:lnRef idx="1">
+            <a:schemeClr val="accent1"/>
+          </a:lnRef>
+          <a:fillRef idx="0">
+            <a:schemeClr val="accent1"/>
+          </a:fillRef>
+          <a:effectRef idx="0">
+            <a:schemeClr val="accent1"/>
+          </a:effectRef>
+          <a:fontRef idx="minor">
+            <a:schemeClr val="tx1"/>
+          </a:fontRef>
+        </p:style>
+      </p:cxnSp>
+      <p:cxnSp>
+        <p:nvCxnSpPr>
+          <p:cNvPr id="31" name="直線コネクタ 30"/>
+          <p:cNvCxnSpPr/>
+          <p:nvPr/>
+        </p:nvCxnSpPr>
+        <p:spPr>
+          <a:xfrm>
+            <a:off x="6676571" y="3657600"/>
+            <a:ext cx="1444172" cy="1784555"/>
+          </a:xfrm>
+          <a:prstGeom prst="line">
+            <a:avLst/>
+          </a:prstGeom>
+          <a:ln w="12700">
+            <a:solidFill>
+              <a:schemeClr val="tx1"/>
+            </a:solidFill>
+          </a:ln>
+        </p:spPr>
+        <p:style>
+          <a:lnRef idx="1">
+            <a:schemeClr val="accent1"/>
+          </a:lnRef>
+          <a:fillRef idx="0">
+            <a:schemeClr val="accent1"/>
+          </a:fillRef>
+          <a:effectRef idx="0">
+            <a:schemeClr val="accent1"/>
+          </a:effectRef>
+          <a:fontRef idx="minor">
+            <a:schemeClr val="tx1"/>
+          </a:fontRef>
+        </p:style>
+      </p:cxnSp>
+      <p:cxnSp>
+        <p:nvCxnSpPr>
+          <p:cNvPr id="35" name="直線コネクタ 34"/>
+          <p:cNvCxnSpPr/>
+          <p:nvPr/>
+        </p:nvCxnSpPr>
+        <p:spPr>
+          <a:xfrm>
+            <a:off x="2092815" y="1262130"/>
+            <a:ext cx="1680899" cy="649928"/>
+          </a:xfrm>
+          <a:prstGeom prst="line">
+            <a:avLst/>
+          </a:prstGeom>
+          <a:ln w="12700">
+            <a:solidFill>
+              <a:schemeClr val="tx1"/>
+            </a:solidFill>
+          </a:ln>
+        </p:spPr>
+        <p:style>
+          <a:lnRef idx="1">
+            <a:schemeClr val="accent1"/>
+          </a:lnRef>
+          <a:fillRef idx="0">
+            <a:schemeClr val="accent1"/>
+          </a:fillRef>
+          <a:effectRef idx="0">
+            <a:schemeClr val="accent1"/>
+          </a:effectRef>
+          <a:fontRef idx="minor">
+            <a:schemeClr val="tx1"/>
+          </a:fontRef>
+        </p:style>
+      </p:cxnSp>
+      <p:cxnSp>
+        <p:nvCxnSpPr>
+          <p:cNvPr id="37" name="直線コネクタ 36"/>
+          <p:cNvCxnSpPr/>
+          <p:nvPr/>
+        </p:nvCxnSpPr>
+        <p:spPr>
+          <a:xfrm flipV="1">
+            <a:off x="6654800" y="1269081"/>
+            <a:ext cx="1473200" cy="632290"/>
+          </a:xfrm>
+          <a:prstGeom prst="line">
+            <a:avLst/>
+          </a:prstGeom>
+          <a:ln w="12700">
+            <a:solidFill>
+              <a:schemeClr val="tx1"/>
+            </a:solidFill>
+          </a:ln>
+        </p:spPr>
+        <p:style>
+          <a:lnRef idx="1">
+            <a:schemeClr val="accent1"/>
+          </a:lnRef>
+          <a:fillRef idx="0">
+            <a:schemeClr val="accent1"/>
+          </a:fillRef>
+          <a:effectRef idx="0">
+            <a:schemeClr val="accent1"/>
+          </a:effectRef>
+          <a:fontRef idx="minor">
+            <a:schemeClr val="tx1"/>
+          </a:fontRef>
+        </p:style>
+      </p:cxnSp>
+      <p:cxnSp>
+        <p:nvCxnSpPr>
+          <p:cNvPr id="40" name="直線コネクタ 39"/>
+          <p:cNvCxnSpPr/>
+          <p:nvPr/>
+        </p:nvCxnSpPr>
+        <p:spPr>
+          <a:xfrm flipV="1">
+            <a:off x="3795485" y="3657600"/>
+            <a:ext cx="2881086" cy="10687"/>
+          </a:xfrm>
+          <a:prstGeom prst="line">
+            <a:avLst/>
+          </a:prstGeom>
+          <a:ln w="12700">
+            <a:solidFill>
+              <a:schemeClr val="tx1"/>
+            </a:solidFill>
+          </a:ln>
+        </p:spPr>
+        <p:style>
+          <a:lnRef idx="1">
+            <a:schemeClr val="accent1"/>
+          </a:lnRef>
+          <a:fillRef idx="0">
+            <a:schemeClr val="accent1"/>
+          </a:fillRef>
+          <a:effectRef idx="0">
+            <a:schemeClr val="accent1"/>
+          </a:effectRef>
+          <a:fontRef idx="minor">
+            <a:schemeClr val="tx1"/>
+          </a:fontRef>
+        </p:style>
+      </p:cxnSp>
+      <p:cxnSp>
+        <p:nvCxnSpPr>
+          <p:cNvPr id="42" name="直線コネクタ 41"/>
+          <p:cNvCxnSpPr/>
+          <p:nvPr/>
+        </p:nvCxnSpPr>
+        <p:spPr>
+          <a:xfrm flipV="1">
+            <a:off x="3773714" y="1901371"/>
+            <a:ext cx="2881086" cy="10687"/>
+          </a:xfrm>
+          <a:prstGeom prst="line">
+            <a:avLst/>
+          </a:prstGeom>
+          <a:ln w="12700">
+            <a:solidFill>
+              <a:schemeClr val="tx1"/>
+            </a:solidFill>
+          </a:ln>
+        </p:spPr>
+        <p:style>
+          <a:lnRef idx="1">
+            <a:schemeClr val="accent1"/>
+          </a:lnRef>
+          <a:fillRef idx="0">
+            <a:schemeClr val="accent1"/>
+          </a:fillRef>
+          <a:effectRef idx="0">
+            <a:schemeClr val="accent1"/>
+          </a:effectRef>
+          <a:fontRef idx="minor">
+            <a:schemeClr val="tx1"/>
+          </a:fontRef>
+        </p:style>
+      </p:cxnSp>
+      <p:cxnSp>
+        <p:nvCxnSpPr>
+          <p:cNvPr id="45" name="直線コネクタ 44"/>
+          <p:cNvCxnSpPr/>
+          <p:nvPr/>
+        </p:nvCxnSpPr>
+        <p:spPr>
+          <a:xfrm flipV="1">
+            <a:off x="3773714" y="1912058"/>
+            <a:ext cx="21771" cy="1745542"/>
+          </a:xfrm>
+          <a:prstGeom prst="line">
+            <a:avLst/>
+          </a:prstGeom>
+          <a:ln w="12700">
+            <a:solidFill>
+              <a:schemeClr val="tx1"/>
+            </a:solidFill>
+          </a:ln>
+        </p:spPr>
+        <p:style>
+          <a:lnRef idx="1">
+            <a:schemeClr val="accent1"/>
+          </a:lnRef>
+          <a:fillRef idx="0">
+            <a:schemeClr val="accent1"/>
+          </a:fillRef>
+          <a:effectRef idx="0">
+            <a:schemeClr val="accent1"/>
+          </a:effectRef>
+          <a:fontRef idx="minor">
+            <a:schemeClr val="tx1"/>
+          </a:fontRef>
+        </p:style>
+      </p:cxnSp>
+      <p:cxnSp>
+        <p:nvCxnSpPr>
+          <p:cNvPr id="48" name="直線コネクタ 47"/>
+          <p:cNvCxnSpPr/>
+          <p:nvPr/>
+        </p:nvCxnSpPr>
+        <p:spPr>
+          <a:xfrm flipV="1">
+            <a:off x="6633029" y="1926221"/>
+            <a:ext cx="21771" cy="1745542"/>
+          </a:xfrm>
+          <a:prstGeom prst="line">
+            <a:avLst/>
+          </a:prstGeom>
+          <a:ln w="12700">
+            <a:solidFill>
+              <a:schemeClr val="tx1"/>
+            </a:solidFill>
+          </a:ln>
+        </p:spPr>
+        <p:style>
+          <a:lnRef idx="1">
+            <a:schemeClr val="accent1"/>
+          </a:lnRef>
+          <a:fillRef idx="0">
+            <a:schemeClr val="accent1"/>
+          </a:fillRef>
+          <a:effectRef idx="0">
+            <a:schemeClr val="accent1"/>
+          </a:effectRef>
+          <a:fontRef idx="minor">
+            <a:schemeClr val="tx1"/>
+          </a:fontRef>
+        </p:style>
+      </p:cxnSp>
+      <p:sp>
+        <p:nvSpPr>
+          <p:cNvPr id="49" name="上矢印 48"/>
+          <p:cNvSpPr/>
+          <p:nvPr/>
+        </p:nvSpPr>
+        <p:spPr>
+          <a:xfrm>
+            <a:off x="9027887" y="3657600"/>
+            <a:ext cx="464457" cy="569884"/>
+          </a:xfrm>
+          <a:prstGeom prst="upArrow">
+            <a:avLst/>
+          </a:prstGeom>
+          <a:solidFill>
+            <a:srgbClr val="92D050"/>
+          </a:solidFill>
+          <a:ln>
+            <a:solidFill>
+              <a:srgbClr val="92D050"/>
+            </a:solidFill>
+          </a:ln>
+        </p:spPr>
+        <p:style>
+          <a:lnRef idx="2">
+            <a:schemeClr val="accent1">
+              <a:shade val="50000"/>
+            </a:schemeClr>
+          </a:lnRef>
+          <a:fillRef idx="1">
+            <a:schemeClr val="accent1"/>
+          </a:fillRef>
+          <a:effectRef idx="0">
+            <a:schemeClr val="accent1"/>
+          </a:effectRef>
+          <a:fontRef idx="minor">
+            <a:schemeClr val="lt1"/>
+          </a:fontRef>
+        </p:style>
+        <p:txBody>
+          <a:bodyPr rtlCol="0" anchor="ctr"/>
+          <a:lstStyle/>
+          <a:p>
+            <a:pPr algn="ctr"/>
+            <a:endParaRPr kumimoji="1" lang="ja-JP" altLang="en-US"/>
+          </a:p>
+        </p:txBody>
+      </p:sp>
+      <p:sp>
+        <p:nvSpPr>
+          <p:cNvPr id="50" name="上矢印 49"/>
+          <p:cNvSpPr/>
+          <p:nvPr/>
+        </p:nvSpPr>
+        <p:spPr>
+          <a:xfrm rot="10800000">
+            <a:off x="9027887" y="4667864"/>
+            <a:ext cx="464457" cy="569884"/>
+          </a:xfrm>
+          <a:prstGeom prst="upArrow">
+            <a:avLst/>
+          </a:prstGeom>
+          <a:solidFill>
+            <a:srgbClr val="92D050"/>
+          </a:solidFill>
+          <a:ln>
+            <a:solidFill>
+              <a:srgbClr val="92D050"/>
+            </a:solidFill>
+          </a:ln>
+        </p:spPr>
+        <p:style>
+          <a:lnRef idx="2">
+            <a:schemeClr val="accent1">
+              <a:shade val="50000"/>
+            </a:schemeClr>
+          </a:lnRef>
+          <a:fillRef idx="1">
+            <a:schemeClr val="accent1"/>
+          </a:fillRef>
+          <a:effectRef idx="0">
+            <a:schemeClr val="accent1"/>
+          </a:effectRef>
+          <a:fontRef idx="minor">
+            <a:schemeClr val="lt1"/>
+          </a:fontRef>
+        </p:style>
+        <p:txBody>
+          <a:bodyPr rtlCol="0" anchor="ctr"/>
+          <a:lstStyle/>
+          <a:p>
+            <a:pPr algn="ctr"/>
+            <a:endParaRPr kumimoji="1" lang="ja-JP" altLang="en-US"/>
+          </a:p>
+        </p:txBody>
+      </p:sp>
+      <p:sp>
+        <p:nvSpPr>
+          <p:cNvPr id="51" name="上矢印 50"/>
+          <p:cNvSpPr/>
+          <p:nvPr/>
+        </p:nvSpPr>
+        <p:spPr>
+          <a:xfrm rot="5400000">
+            <a:off x="9581515" y="4148100"/>
+            <a:ext cx="464457" cy="569884"/>
+          </a:xfrm>
+          <a:prstGeom prst="upArrow">
+            <a:avLst/>
+          </a:prstGeom>
+          <a:solidFill>
+            <a:srgbClr val="92D050"/>
+          </a:solidFill>
+          <a:ln>
+            <a:solidFill>
+              <a:srgbClr val="92D050"/>
+            </a:solidFill>
+          </a:ln>
+        </p:spPr>
+        <p:style>
+          <a:lnRef idx="2">
+            <a:schemeClr val="accent1">
+              <a:shade val="50000"/>
+            </a:schemeClr>
+          </a:lnRef>
+          <a:fillRef idx="1">
+            <a:schemeClr val="accent1"/>
+          </a:fillRef>
+          <a:effectRef idx="0">
+            <a:schemeClr val="accent1"/>
+          </a:effectRef>
+          <a:fontRef idx="minor">
+            <a:schemeClr val="lt1"/>
+          </a:fontRef>
+        </p:style>
+        <p:txBody>
+          <a:bodyPr rtlCol="0" anchor="ctr"/>
+          <a:lstStyle/>
+          <a:p>
+            <a:pPr algn="ctr"/>
+            <a:endParaRPr kumimoji="1" lang="ja-JP" altLang="en-US"/>
+          </a:p>
+        </p:txBody>
+      </p:sp>
+      <p:sp>
+        <p:nvSpPr>
+          <p:cNvPr id="52" name="上矢印 51"/>
+          <p:cNvSpPr/>
+          <p:nvPr/>
+        </p:nvSpPr>
+        <p:spPr>
+          <a:xfrm rot="16200000">
+            <a:off x="8471014" y="4148099"/>
+            <a:ext cx="464457" cy="569884"/>
+          </a:xfrm>
+          <a:prstGeom prst="upArrow">
+            <a:avLst/>
+          </a:prstGeom>
+          <a:solidFill>
+            <a:srgbClr val="92D050"/>
+          </a:solidFill>
+          <a:ln>
+            <a:solidFill>
+              <a:srgbClr val="92D050"/>
+            </a:solidFill>
+          </a:ln>
+        </p:spPr>
+        <p:style>
+          <a:lnRef idx="2">
+            <a:schemeClr val="accent1">
+              <a:shade val="50000"/>
+            </a:schemeClr>
+          </a:lnRef>
+          <a:fillRef idx="1">
+            <a:schemeClr val="accent1"/>
+          </a:fillRef>
+          <a:effectRef idx="0">
+            <a:schemeClr val="accent1"/>
+          </a:effectRef>
+          <a:fontRef idx="minor">
+            <a:schemeClr val="lt1"/>
+          </a:fontRef>
+        </p:style>
+        <p:txBody>
+          <a:bodyPr rtlCol="0" anchor="ctr"/>
+          <a:lstStyle/>
+          <a:p>
+            <a:pPr algn="ctr"/>
+            <a:endParaRPr kumimoji="1" lang="ja-JP" altLang="en-US"/>
+          </a:p>
+        </p:txBody>
+      </p:sp>
+      <p:sp>
+        <p:nvSpPr>
+          <p:cNvPr id="53" name="テキスト ボックス 52"/>
+          <p:cNvSpPr txBox="1"/>
+          <p:nvPr/>
+        </p:nvSpPr>
+        <p:spPr>
+          <a:xfrm>
+            <a:off x="8529333" y="1716705"/>
+            <a:ext cx="1573923" cy="369332"/>
+          </a:xfrm>
+          <a:prstGeom prst="rect">
+            <a:avLst/>
+          </a:prstGeom>
+          <a:noFill/>
+          <a:ln>
+            <a:solidFill>
+              <a:schemeClr val="tx1"/>
+            </a:solidFill>
+          </a:ln>
+        </p:spPr>
+        <p:txBody>
+          <a:bodyPr wrap="square" rtlCol="0">
+            <a:spAutoFit/>
+          </a:bodyPr>
+          <a:lstStyle/>
+          <a:p>
+            <a:pPr algn="ctr"/>
+            <a:r>
+              <a:rPr kumimoji="1" lang="ja-JP" altLang="en-US" dirty="0" smtClean="0"/>
+              <a:t>ユニット</a:t>
+            </a:r>
+            <a:endParaRPr kumimoji="1" lang="ja-JP" altLang="en-US" dirty="0"/>
+          </a:p>
+        </p:txBody>
+      </p:sp>
+      <p:sp>
+        <p:nvSpPr>
+          <p:cNvPr id="57" name="正方形/長方形 56"/>
+          <p:cNvSpPr/>
+          <p:nvPr/>
+        </p:nvSpPr>
+        <p:spPr>
+          <a:xfrm>
+            <a:off x="2092815" y="4200812"/>
+            <a:ext cx="1255069" cy="1241343"/>
+          </a:xfrm>
+          <a:prstGeom prst="rect">
+            <a:avLst/>
+          </a:prstGeom>
+          <a:solidFill>
+            <a:schemeClr val="bg1"/>
+          </a:solidFill>
+          <a:ln>
+            <a:solidFill>
+              <a:schemeClr val="tx1"/>
+            </a:solidFill>
+          </a:ln>
+        </p:spPr>
+        <p:style>
+          <a:lnRef idx="2">
+            <a:schemeClr val="accent1">
+              <a:shade val="50000"/>
+            </a:schemeClr>
+          </a:lnRef>
+          <a:fillRef idx="1">
+            <a:schemeClr val="accent1"/>
+          </a:fillRef>
+          <a:effectRef idx="0">
+            <a:schemeClr val="accent1"/>
+          </a:effectRef>
+          <a:fontRef idx="minor">
+            <a:schemeClr val="lt1"/>
+          </a:fontRef>
+        </p:style>
+        <p:txBody>
+          <a:bodyPr rtlCol="0" anchor="ctr"/>
+          <a:lstStyle/>
+          <a:p>
+            <a:pPr algn="ctr"/>
+            <a:endParaRPr kumimoji="1" lang="ja-JP" altLang="en-US"/>
+          </a:p>
+        </p:txBody>
+      </p:sp>
+      <p:sp>
+        <p:nvSpPr>
+          <p:cNvPr id="3" name="正方形/長方形 2"/>
+          <p:cNvSpPr/>
+          <p:nvPr/>
+        </p:nvSpPr>
+        <p:spPr>
+          <a:xfrm>
+            <a:off x="2092815" y="1262130"/>
+            <a:ext cx="8416345" cy="4180025"/>
+          </a:xfrm>
+          <a:prstGeom prst="rect">
+            <a:avLst/>
+          </a:prstGeom>
+          <a:noFill/>
+          <a:ln>
+            <a:solidFill>
+              <a:schemeClr val="tx1"/>
+            </a:solidFill>
+          </a:ln>
+        </p:spPr>
+        <p:style>
+          <a:lnRef idx="2">
+            <a:schemeClr val="accent1">
+              <a:shade val="50000"/>
+            </a:schemeClr>
+          </a:lnRef>
+          <a:fillRef idx="1">
+            <a:schemeClr val="accent1"/>
+          </a:fillRef>
+          <a:effectRef idx="0">
+            <a:schemeClr val="accent1"/>
+          </a:effectRef>
+          <a:fontRef idx="minor">
+            <a:schemeClr val="lt1"/>
+          </a:fontRef>
+        </p:style>
+        <p:txBody>
+          <a:bodyPr rtlCol="0" anchor="ctr"/>
+          <a:lstStyle/>
+          <a:p>
+            <a:pPr algn="ctr"/>
+            <a:endParaRPr kumimoji="1" lang="ja-JP" altLang="en-US"/>
+          </a:p>
+        </p:txBody>
+      </p:sp>
+      <p:sp>
+        <p:nvSpPr>
+          <p:cNvPr id="58" name="テキスト ボックス 57"/>
+          <p:cNvSpPr txBox="1"/>
+          <p:nvPr/>
+        </p:nvSpPr>
+        <p:spPr>
+          <a:xfrm>
+            <a:off x="2147264" y="4665270"/>
+            <a:ext cx="1459732" cy="369332"/>
+          </a:xfrm>
+          <a:prstGeom prst="rect">
+            <a:avLst/>
+          </a:prstGeom>
+          <a:noFill/>
+        </p:spPr>
+        <p:txBody>
+          <a:bodyPr wrap="square" rtlCol="0">
+            <a:spAutoFit/>
+          </a:bodyPr>
+          <a:lstStyle/>
+          <a:p>
+            <a:r>
+              <a:rPr kumimoji="1" lang="ja-JP" altLang="en-US" dirty="0" smtClean="0"/>
+              <a:t>ミニマップ</a:t>
+            </a:r>
+            <a:endParaRPr kumimoji="1" lang="ja-JP" altLang="en-US" dirty="0"/>
+          </a:p>
+        </p:txBody>
+      </p:sp>
+      <p:sp>
+        <p:nvSpPr>
+          <p:cNvPr id="59" name="テキスト ボックス 58"/>
+          <p:cNvSpPr txBox="1"/>
+          <p:nvPr/>
+        </p:nvSpPr>
+        <p:spPr>
+          <a:xfrm>
+            <a:off x="9049515" y="2528155"/>
+            <a:ext cx="461665" cy="494795"/>
+          </a:xfrm>
+          <a:prstGeom prst="rect">
+            <a:avLst/>
+          </a:prstGeom>
+          <a:noFill/>
+        </p:spPr>
+        <p:txBody>
+          <a:bodyPr vert="eaVert" wrap="square" rtlCol="0">
+            <a:spAutoFit/>
+          </a:bodyPr>
+          <a:lstStyle/>
+          <a:p>
+            <a:r>
+              <a:rPr kumimoji="1" lang="ja-JP" altLang="en-US" dirty="0" smtClean="0"/>
+              <a:t>・・・</a:t>
+            </a:r>
+            <a:endParaRPr kumimoji="1" lang="ja-JP" altLang="en-US" dirty="0"/>
+          </a:p>
+        </p:txBody>
+      </p:sp>
+      <p:sp>
+        <p:nvSpPr>
+          <p:cNvPr id="60" name="テキスト ボックス 59"/>
+          <p:cNvSpPr txBox="1"/>
+          <p:nvPr/>
+        </p:nvSpPr>
+        <p:spPr>
+          <a:xfrm>
+            <a:off x="8524763" y="2076768"/>
+            <a:ext cx="1573923" cy="369332"/>
+          </a:xfrm>
+          <a:prstGeom prst="rect">
+            <a:avLst/>
+          </a:prstGeom>
+          <a:noFill/>
+          <a:ln>
+            <a:solidFill>
+              <a:schemeClr val="tx1"/>
+            </a:solidFill>
+          </a:ln>
+        </p:spPr>
+        <p:txBody>
+          <a:bodyPr wrap="square" rtlCol="0">
+            <a:spAutoFit/>
+          </a:bodyPr>
+          <a:lstStyle/>
+          <a:p>
+            <a:pPr algn="ctr"/>
+            <a:r>
+              <a:rPr kumimoji="1" lang="ja-JP" altLang="en-US" dirty="0" smtClean="0"/>
+              <a:t>アイテム</a:t>
+            </a:r>
+            <a:endParaRPr kumimoji="1" lang="ja-JP" altLang="en-US" dirty="0"/>
+          </a:p>
+        </p:txBody>
+      </p:sp>
+    </p:spTree>
+    <p:extLst>
+      <p:ext uri="{BB962C8B-B14F-4D97-AF65-F5344CB8AC3E}">
+        <p14:creationId xmlns:p14="http://schemas.microsoft.com/office/powerpoint/2010/main" val="393514883"/>
+      </p:ext>
+    </p:extLst>
+  </p:cSld>
+  <p:clrMapOvr>
+    <a:masterClrMapping/>
+  </p:clrMapOvr>
+</p:sld>
+</file>
+
+<file path=ppt/slides/slide6.xml><?xml version="1.0" encoding="utf-8"?>
 <p:sld xmlns:a="http://schemas.openxmlformats.org/drawingml/2006/main" xmlns:r="http://schemas.openxmlformats.org/officeDocument/2006/relationships" xmlns:p="http://schemas.openxmlformats.org/presentationml/2006/main">
   <p:cSld>
     <p:spTree>

--- a/design/ゲーム画面設計.pptx
+++ b/design/ゲーム画面設計.pptx
@@ -5,15 +5,16 @@
     <p:sldMasterId id="2147483648" r:id="rId1"/>
   </p:sldMasterIdLst>
   <p:notesMasterIdLst>
-    <p:notesMasterId r:id="rId8"/>
+    <p:notesMasterId r:id="rId9"/>
   </p:notesMasterIdLst>
   <p:sldIdLst>
     <p:sldId id="256" r:id="rId2"/>
     <p:sldId id="257" r:id="rId3"/>
-    <p:sldId id="258" r:id="rId4"/>
-    <p:sldId id="259" r:id="rId5"/>
-    <p:sldId id="261" r:id="rId6"/>
-    <p:sldId id="260" r:id="rId7"/>
+    <p:sldId id="262" r:id="rId4"/>
+    <p:sldId id="258" r:id="rId5"/>
+    <p:sldId id="259" r:id="rId6"/>
+    <p:sldId id="261" r:id="rId7"/>
+    <p:sldId id="260" r:id="rId8"/>
   </p:sldIdLst>
   <p:sldSz cx="12192000" cy="6858000"/>
   <p:notesSz cx="6858000" cy="9144000"/>
@@ -738,43 +739,32 @@
           <a:lstStyle/>
           <a:p>
             <a:r>
+              <a:rPr kumimoji="1" lang="en-US" altLang="ja-JP" dirty="0" smtClean="0"/>
+              <a:t>1</a:t>
+            </a:r>
+            <a:r>
               <a:rPr kumimoji="1" lang="ja-JP" altLang="en-US" dirty="0" smtClean="0"/>
-              <a:t>ブラウザゲームの一般的な体系</a:t>
+              <a:t>ページの</a:t>
             </a:r>
             <a:r>
               <a:rPr kumimoji="1" lang="en-US" altLang="ja-JP" dirty="0" smtClean="0"/>
-              <a:t>(</a:t>
+              <a:t>1</a:t>
+            </a:r>
+            <a:r>
+              <a:rPr kumimoji="1" lang="ja-JP" altLang="en-US" dirty="0" err="1" smtClean="0"/>
+              <a:t>つの</a:t>
             </a:r>
             <a:r>
               <a:rPr kumimoji="1" lang="ja-JP" altLang="en-US" dirty="0" smtClean="0"/>
-              <a:t>自分の頭の中では</a:t>
+              <a:t>ユニットを表示して、矢印キーで次のユニットを見られるような</a:t>
             </a:r>
             <a:r>
               <a:rPr kumimoji="1" lang="en-US" altLang="ja-JP" dirty="0" smtClean="0"/>
-              <a:t>)</a:t>
-            </a:r>
-            <a:r>
-              <a:rPr kumimoji="1" lang="ja-JP" altLang="en-US" dirty="0" err="1" smtClean="0"/>
-              <a:t>。</a:t>
+              <a:t>UI</a:t>
             </a:r>
             <a:r>
               <a:rPr kumimoji="1" lang="ja-JP" altLang="en-US" dirty="0" smtClean="0"/>
-              <a:t>スペースの都合上</a:t>
-            </a:r>
-            <a:r>
-              <a:rPr kumimoji="1" lang="en-US" altLang="ja-JP" dirty="0" smtClean="0"/>
-              <a:t>3×3</a:t>
-            </a:r>
-            <a:r>
-              <a:rPr kumimoji="1" lang="ja-JP" altLang="en-US" dirty="0" smtClean="0"/>
-              <a:t>になっているが実際はもっとある。</a:t>
-            </a:r>
-            <a:endParaRPr kumimoji="1" lang="en-US" altLang="ja-JP" dirty="0" smtClean="0"/>
-          </a:p>
-          <a:p>
-            <a:r>
-              <a:rPr kumimoji="1" lang="ja-JP" altLang="en-US" dirty="0" smtClean="0"/>
-              <a:t>資源がどれぐらいあるかを見る場所はどうする？ヘッダーのように一番上に書いておくのがベストか？</a:t>
+              <a:t>にする。</a:t>
             </a:r>
             <a:endParaRPr kumimoji="1" lang="ja-JP" altLang="en-US" dirty="0"/>
           </a:p>
@@ -806,7 +796,7 @@
     </p:spTree>
     <p:extLst>
       <p:ext uri="{BB962C8B-B14F-4D97-AF65-F5344CB8AC3E}">
-        <p14:creationId xmlns:p14="http://schemas.microsoft.com/office/powerpoint/2010/main" val="850930098"/>
+        <p14:creationId xmlns:p14="http://schemas.microsoft.com/office/powerpoint/2010/main" val="2283312620"/>
       </p:ext>
     </p:extLst>
   </p:cSld>
@@ -862,22 +852,42 @@
           <a:p>
             <a:r>
               <a:rPr kumimoji="1" lang="ja-JP" altLang="en-US" dirty="0" smtClean="0"/>
-              <a:t>これはメイプルタワーと同じ</a:t>
+              <a:t>ブラウザゲームの一般的な体系</a:t>
             </a:r>
             <a:r>
               <a:rPr kumimoji="1" lang="en-US" altLang="ja-JP" dirty="0" smtClean="0"/>
-              <a:t>UI</a:t>
+              <a:t>(</a:t>
             </a:r>
             <a:r>
               <a:rPr kumimoji="1" lang="ja-JP" altLang="en-US" dirty="0" smtClean="0"/>
-              <a:t>になる。</a:t>
+              <a:t>自分の頭の中では</a:t>
+            </a:r>
+            <a:r>
+              <a:rPr kumimoji="1" lang="en-US" altLang="ja-JP" dirty="0" smtClean="0"/>
+              <a:t>)</a:t>
+            </a:r>
+            <a:r>
+              <a:rPr kumimoji="1" lang="ja-JP" altLang="en-US" dirty="0" err="1" smtClean="0"/>
+              <a:t>。</a:t>
+            </a:r>
+            <a:r>
+              <a:rPr kumimoji="1" lang="ja-JP" altLang="en-US" dirty="0" smtClean="0"/>
+              <a:t>スペースの都合上</a:t>
+            </a:r>
+            <a:r>
+              <a:rPr kumimoji="1" lang="en-US" altLang="ja-JP" dirty="0" smtClean="0"/>
+              <a:t>3×3</a:t>
+            </a:r>
+            <a:r>
+              <a:rPr kumimoji="1" lang="ja-JP" altLang="en-US" dirty="0" smtClean="0"/>
+              <a:t>になっているが実際はもっとある。</a:t>
             </a:r>
             <a:endParaRPr kumimoji="1" lang="en-US" altLang="ja-JP" dirty="0" smtClean="0"/>
           </a:p>
           <a:p>
             <a:r>
               <a:rPr kumimoji="1" lang="ja-JP" altLang="en-US" dirty="0" smtClean="0"/>
-              <a:t>流石にこれをそのままやるのは問題な気がするが、これくらい簡単な機能だと実装は楽になる。</a:t>
+              <a:t>資源がどれぐらいあるかを見る場所はどうする？ヘッダーのように一番上に書いておくのがベストか？</a:t>
             </a:r>
             <a:endParaRPr kumimoji="1" lang="ja-JP" altLang="en-US" dirty="0"/>
           </a:p>
@@ -909,7 +919,7 @@
     </p:spTree>
     <p:extLst>
       <p:ext uri="{BB962C8B-B14F-4D97-AF65-F5344CB8AC3E}">
-        <p14:creationId xmlns:p14="http://schemas.microsoft.com/office/powerpoint/2010/main" val="1622495423"/>
+        <p14:creationId xmlns:p14="http://schemas.microsoft.com/office/powerpoint/2010/main" val="850930098"/>
       </p:ext>
     </p:extLst>
   </p:cSld>
@@ -965,14 +975,22 @@
           <a:p>
             <a:r>
               <a:rPr kumimoji="1" lang="ja-JP" altLang="en-US" dirty="0" smtClean="0"/>
-              <a:t>いかにもダンジョンって感じのよくあるゲーム。</a:t>
+              <a:t>これはメイプルタワーと同じ</a:t>
+            </a:r>
+            <a:r>
+              <a:rPr kumimoji="1" lang="en-US" altLang="ja-JP" dirty="0" smtClean="0"/>
+              <a:t>UI</a:t>
+            </a:r>
+            <a:r>
+              <a:rPr kumimoji="1" lang="ja-JP" altLang="en-US" dirty="0" smtClean="0"/>
+              <a:t>になる。</a:t>
             </a:r>
             <a:endParaRPr kumimoji="1" lang="en-US" altLang="ja-JP" dirty="0" smtClean="0"/>
           </a:p>
           <a:p>
             <a:r>
               <a:rPr kumimoji="1" lang="ja-JP" altLang="en-US" dirty="0" smtClean="0"/>
-              <a:t>メニュー欄が今一確定していない。</a:t>
+              <a:t>流石にこれをそのままやるのは問題な気がするが、これくらい簡単な機能だと実装は楽になる。</a:t>
             </a:r>
             <a:endParaRPr kumimoji="1" lang="ja-JP" altLang="en-US" dirty="0"/>
           </a:p>
@@ -1004,7 +1022,7 @@
     </p:spTree>
     <p:extLst>
       <p:ext uri="{BB962C8B-B14F-4D97-AF65-F5344CB8AC3E}">
-        <p14:creationId xmlns:p14="http://schemas.microsoft.com/office/powerpoint/2010/main" val="4265441336"/>
+        <p14:creationId xmlns:p14="http://schemas.microsoft.com/office/powerpoint/2010/main" val="1622495423"/>
       </p:ext>
     </p:extLst>
   </p:cSld>
@@ -1060,45 +1078,14 @@
           <a:p>
             <a:r>
               <a:rPr kumimoji="1" lang="ja-JP" altLang="en-US" dirty="0" smtClean="0"/>
-              <a:t>これもメイプルタワーとほぼ同じだが、下に各ユニットのデータを表示するようにする。</a:t>
+              <a:t>いかにもダンジョンって感じのよくあるゲーム。</a:t>
             </a:r>
             <a:endParaRPr kumimoji="1" lang="en-US" altLang="ja-JP" dirty="0" smtClean="0"/>
           </a:p>
           <a:p>
             <a:r>
               <a:rPr kumimoji="1" lang="ja-JP" altLang="en-US" dirty="0" smtClean="0"/>
-              <a:t>基本的にこの戦闘スタイルはスピードメータはないが大体どこも同じ。</a:t>
-            </a:r>
-            <a:endParaRPr kumimoji="1" lang="en-US" altLang="ja-JP" dirty="0" smtClean="0"/>
-          </a:p>
-          <a:p>
-            <a:r>
-              <a:rPr kumimoji="1" lang="ja-JP" altLang="en-US" dirty="0" smtClean="0"/>
-              <a:t>敵は</a:t>
-            </a:r>
-            <a:r>
-              <a:rPr kumimoji="1" lang="en-US" altLang="ja-JP" dirty="0" smtClean="0"/>
-              <a:t>1</a:t>
-            </a:r>
-            <a:r>
-              <a:rPr kumimoji="1" lang="ja-JP" altLang="en-US" dirty="0" smtClean="0"/>
-              <a:t>体になっているが実際の戦闘では</a:t>
-            </a:r>
-            <a:r>
-              <a:rPr kumimoji="1" lang="en-US" altLang="ja-JP" dirty="0" smtClean="0"/>
-              <a:t>1</a:t>
-            </a:r>
-            <a:r>
-              <a:rPr kumimoji="1" lang="ja-JP" altLang="en-US" dirty="0" smtClean="0"/>
-              <a:t>～</a:t>
-            </a:r>
-            <a:r>
-              <a:rPr kumimoji="1" lang="en-US" altLang="ja-JP" dirty="0" smtClean="0"/>
-              <a:t>4</a:t>
-            </a:r>
-            <a:r>
-              <a:rPr kumimoji="1" lang="ja-JP" altLang="en-US" dirty="0" smtClean="0"/>
-              <a:t>体出てくる予定。</a:t>
+              <a:t>メニュー欄が今一確定していない。</a:t>
             </a:r>
             <a:endParaRPr kumimoji="1" lang="ja-JP" altLang="en-US" dirty="0"/>
           </a:p>
@@ -1122,6 +1109,132 @@
             <a:fld id="{0384B56B-5CA1-4B73-9B92-65F8C9E4633A}" type="slidenum">
               <a:rPr kumimoji="1" lang="ja-JP" altLang="en-US" smtClean="0"/>
               <a:t>6</a:t>
+            </a:fld>
+            <a:endParaRPr kumimoji="1" lang="ja-JP" altLang="en-US"/>
+          </a:p>
+        </p:txBody>
+      </p:sp>
+    </p:spTree>
+    <p:extLst>
+      <p:ext uri="{BB962C8B-B14F-4D97-AF65-F5344CB8AC3E}">
+        <p14:creationId xmlns:p14="http://schemas.microsoft.com/office/powerpoint/2010/main" val="4265441336"/>
+      </p:ext>
+    </p:extLst>
+  </p:cSld>
+  <p:clrMapOvr>
+    <a:masterClrMapping/>
+  </p:clrMapOvr>
+</p:notes>
+</file>
+
+<file path=ppt/notesSlides/notesSlide7.xml><?xml version="1.0" encoding="utf-8"?>
+<p:notes xmlns:a="http://schemas.openxmlformats.org/drawingml/2006/main" xmlns:r="http://schemas.openxmlformats.org/officeDocument/2006/relationships" xmlns:p="http://schemas.openxmlformats.org/presentationml/2006/main">
+  <p:cSld>
+    <p:spTree>
+      <p:nvGrpSpPr>
+        <p:cNvPr id="1" name=""/>
+        <p:cNvGrpSpPr/>
+        <p:nvPr/>
+      </p:nvGrpSpPr>
+      <p:grpSpPr>
+        <a:xfrm>
+          <a:off x="0" y="0"/>
+          <a:ext cx="0" cy="0"/>
+          <a:chOff x="0" y="0"/>
+          <a:chExt cx="0" cy="0"/>
+        </a:xfrm>
+      </p:grpSpPr>
+      <p:sp>
+        <p:nvSpPr>
+          <p:cNvPr id="2" name="スライド イメージ プレースホルダー 1"/>
+          <p:cNvSpPr>
+            <a:spLocks noGrp="1" noRot="1" noChangeAspect="1"/>
+          </p:cNvSpPr>
+          <p:nvPr>
+            <p:ph type="sldImg"/>
+          </p:nvPr>
+        </p:nvSpPr>
+        <p:spPr/>
+      </p:sp>
+      <p:sp>
+        <p:nvSpPr>
+          <p:cNvPr id="3" name="ノート プレースホルダー 2"/>
+          <p:cNvSpPr>
+            <a:spLocks noGrp="1"/>
+          </p:cNvSpPr>
+          <p:nvPr>
+            <p:ph type="body" idx="1"/>
+          </p:nvPr>
+        </p:nvSpPr>
+        <p:spPr/>
+        <p:txBody>
+          <a:bodyPr/>
+          <a:lstStyle/>
+          <a:p>
+            <a:r>
+              <a:rPr kumimoji="1" lang="ja-JP" altLang="en-US" dirty="0" smtClean="0"/>
+              <a:t>これもメイプルタワーとほぼ同じだが、下に各ユニットのデータを表示するようにする。</a:t>
+            </a:r>
+            <a:endParaRPr kumimoji="1" lang="en-US" altLang="ja-JP" dirty="0" smtClean="0"/>
+          </a:p>
+          <a:p>
+            <a:r>
+              <a:rPr kumimoji="1" lang="ja-JP" altLang="en-US" dirty="0" smtClean="0"/>
+              <a:t>基本的にこの戦闘スタイルはスピードメータはないが大体どこも同じ。</a:t>
+            </a:r>
+            <a:endParaRPr kumimoji="1" lang="en-US" altLang="ja-JP" dirty="0" smtClean="0"/>
+          </a:p>
+          <a:p>
+            <a:r>
+              <a:rPr kumimoji="1" lang="ja-JP" altLang="en-US" dirty="0" smtClean="0"/>
+              <a:t>敵は</a:t>
+            </a:r>
+            <a:r>
+              <a:rPr kumimoji="1" lang="en-US" altLang="ja-JP" dirty="0" smtClean="0"/>
+              <a:t>1</a:t>
+            </a:r>
+            <a:r>
+              <a:rPr kumimoji="1" lang="ja-JP" altLang="en-US" dirty="0" smtClean="0"/>
+              <a:t>体になっているが実際の戦闘では</a:t>
+            </a:r>
+            <a:r>
+              <a:rPr kumimoji="1" lang="en-US" altLang="ja-JP" dirty="0" smtClean="0"/>
+              <a:t>1</a:t>
+            </a:r>
+            <a:r>
+              <a:rPr kumimoji="1" lang="ja-JP" altLang="en-US" dirty="0" smtClean="0"/>
+              <a:t>～</a:t>
+            </a:r>
+            <a:r>
+              <a:rPr kumimoji="1" lang="en-US" altLang="ja-JP" dirty="0" smtClean="0"/>
+              <a:t>4</a:t>
+            </a:r>
+            <a:r>
+              <a:rPr kumimoji="1" lang="ja-JP" altLang="en-US" dirty="0" smtClean="0"/>
+              <a:t>体出てくる予定。</a:t>
+            </a:r>
+            <a:endParaRPr kumimoji="1" lang="ja-JP" altLang="en-US" dirty="0"/>
+          </a:p>
+        </p:txBody>
+      </p:sp>
+      <p:sp>
+        <p:nvSpPr>
+          <p:cNvPr id="4" name="スライド番号プレースホルダー 3"/>
+          <p:cNvSpPr>
+            <a:spLocks noGrp="1"/>
+          </p:cNvSpPr>
+          <p:nvPr>
+            <p:ph type="sldNum" sz="quarter" idx="10"/>
+          </p:nvPr>
+        </p:nvSpPr>
+        <p:spPr/>
+        <p:txBody>
+          <a:bodyPr/>
+          <a:lstStyle/>
+          <a:p>
+            <a:fld id="{0384B56B-5CA1-4B73-9B92-65F8C9E4633A}" type="slidenum">
+              <a:rPr kumimoji="1" lang="ja-JP" altLang="en-US" smtClean="0"/>
+              <a:t>7</a:t>
             </a:fld>
             <a:endParaRPr kumimoji="1" lang="ja-JP" altLang="en-US"/>
           </a:p>
@@ -5306,8 +5419,8 @@
         </p:nvSpPr>
         <p:spPr>
           <a:xfrm>
-            <a:off x="3464417" y="0"/>
-            <a:ext cx="4765183" cy="923330"/>
+            <a:off x="2424964" y="29497"/>
+            <a:ext cx="7213415" cy="923330"/>
           </a:xfrm>
           <a:prstGeom prst="rect">
             <a:avLst/>
@@ -5321,21 +5434,13 @@
           <a:lstStyle/>
           <a:p>
             <a:pPr algn="ctr"/>
-            <a:r>
-              <a:rPr lang="ja-JP" altLang="en-US" sz="5400" b="1" dirty="0" smtClean="0">
-                <a:solidFill>
-                  <a:srgbClr val="7030A0"/>
-                </a:solidFill>
-              </a:rPr>
-              <a:t>個人</a:t>
-            </a:r>
             <a:r>
               <a:rPr lang="ja-JP" altLang="en-US" sz="5400" b="1" dirty="0">
                 <a:solidFill>
                   <a:srgbClr val="7030A0"/>
                 </a:solidFill>
               </a:rPr>
-              <a:t>領土</a:t>
+              <a:t>ユニット</a:t>
             </a:r>
             <a:r>
               <a:rPr kumimoji="1" lang="ja-JP" altLang="en-US" sz="5400" b="1" dirty="0" smtClean="0">
@@ -5343,7 +5448,7 @@
                   <a:srgbClr val="7030A0"/>
                 </a:solidFill>
               </a:rPr>
-              <a:t>画面</a:t>
+              <a:t>画面（他の案）</a:t>
             </a:r>
             <a:endParaRPr kumimoji="1" lang="ja-JP" altLang="en-US" sz="5400" b="1" dirty="0">
               <a:solidFill>
@@ -5362,7 +5467,7 @@
         <p:spPr>
           <a:xfrm>
             <a:off x="1429555" y="1262130"/>
-            <a:ext cx="9079606" cy="4961689"/>
+            <a:ext cx="9079606" cy="4180025"/>
           </a:xfrm>
           <a:prstGeom prst="rect">
             <a:avLst/>
@@ -5408,7 +5513,7 @@
         <p:spPr>
           <a:xfrm>
             <a:off x="8244348" y="1262130"/>
-            <a:ext cx="0" cy="4961689"/>
+            <a:ext cx="0" cy="4180025"/>
           </a:xfrm>
           <a:prstGeom prst="line">
             <a:avLst/>
@@ -5436,14 +5541,14 @@
       </p:cxnSp>
       <p:sp>
         <p:nvSpPr>
-          <p:cNvPr id="6" name="テキスト ボックス 5"/>
+          <p:cNvPr id="5" name="テキスト ボックス 4"/>
           <p:cNvSpPr txBox="1"/>
           <p:nvPr/>
         </p:nvSpPr>
         <p:spPr>
           <a:xfrm>
-            <a:off x="8587508" y="2138516"/>
-            <a:ext cx="1573923" cy="369332"/>
+            <a:off x="2140022" y="2311032"/>
+            <a:ext cx="5534486" cy="2585323"/>
           </a:xfrm>
           <a:prstGeom prst="rect">
             <a:avLst/>
@@ -5461,24 +5566,48 @@
           </a:bodyPr>
           <a:lstStyle/>
           <a:p>
+            <a:endParaRPr kumimoji="1" lang="en-US" altLang="ja-JP" dirty="0" smtClean="0"/>
+          </a:p>
+          <a:p>
+            <a:endParaRPr lang="en-US" altLang="ja-JP" dirty="0"/>
+          </a:p>
+          <a:p>
+            <a:endParaRPr kumimoji="1" lang="en-US" altLang="ja-JP" dirty="0" smtClean="0"/>
+          </a:p>
+          <a:p>
+            <a:endParaRPr kumimoji="1" lang="en-US" altLang="ja-JP" dirty="0" smtClean="0"/>
+          </a:p>
+          <a:p>
             <a:pPr algn="ctr"/>
             <a:r>
               <a:rPr kumimoji="1" lang="ja-JP" altLang="en-US" dirty="0" smtClean="0"/>
-              <a:t>ユニット</a:t>
-            </a:r>
+              <a:t>ユニット情報</a:t>
+            </a:r>
+            <a:endParaRPr kumimoji="1" lang="en-US" altLang="ja-JP" dirty="0" smtClean="0"/>
+          </a:p>
+          <a:p>
+            <a:endParaRPr kumimoji="1" lang="en-US" altLang="ja-JP" dirty="0" smtClean="0"/>
+          </a:p>
+          <a:p>
+            <a:endParaRPr lang="en-US" altLang="ja-JP" dirty="0"/>
+          </a:p>
+          <a:p>
+            <a:endParaRPr kumimoji="1" lang="en-US" altLang="ja-JP" dirty="0" smtClean="0"/>
+          </a:p>
+          <a:p>
             <a:endParaRPr kumimoji="1" lang="ja-JP" altLang="en-US" dirty="0"/>
           </a:p>
         </p:txBody>
       </p:sp>
       <p:sp>
         <p:nvSpPr>
-          <p:cNvPr id="7" name="テキスト ボックス 6"/>
+          <p:cNvPr id="6" name="テキスト ボックス 5"/>
           <p:cNvSpPr txBox="1"/>
           <p:nvPr/>
         </p:nvSpPr>
         <p:spPr>
           <a:xfrm>
-            <a:off x="8585223" y="2507848"/>
+            <a:off x="8587508" y="2138516"/>
             <a:ext cx="1573923" cy="369332"/>
           </a:xfrm>
           <a:prstGeom prst="rect">
@@ -5499,12 +5628,8 @@
           <a:p>
             <a:pPr algn="ctr"/>
             <a:r>
-              <a:rPr lang="ja-JP" altLang="en-US" dirty="0" smtClean="0"/>
-              <a:t>個人</a:t>
-            </a:r>
-            <a:r>
-              <a:rPr lang="ja-JP" altLang="en-US" dirty="0"/>
-              <a:t>領土</a:t>
+              <a:rPr kumimoji="1" lang="ja-JP" altLang="en-US" dirty="0" smtClean="0"/>
+              <a:t>ユニット</a:t>
             </a:r>
             <a:endParaRPr kumimoji="1" lang="ja-JP" altLang="en-US" dirty="0"/>
           </a:p>
@@ -5512,13 +5637,13 @@
       </p:sp>
       <p:sp>
         <p:nvSpPr>
-          <p:cNvPr id="8" name="テキスト ボックス 7"/>
+          <p:cNvPr id="7" name="テキスト ボックス 6"/>
           <p:cNvSpPr txBox="1"/>
           <p:nvPr/>
         </p:nvSpPr>
         <p:spPr>
           <a:xfrm>
-            <a:off x="8582938" y="2877180"/>
+            <a:off x="8585223" y="2507848"/>
             <a:ext cx="1573923" cy="369332"/>
           </a:xfrm>
           <a:prstGeom prst="rect">
@@ -5540,7 +5665,11 @@
             <a:pPr algn="ctr"/>
             <a:r>
               <a:rPr lang="ja-JP" altLang="en-US" dirty="0" smtClean="0"/>
-              <a:t>クエスト？</a:t>
+              <a:t>個人</a:t>
+            </a:r>
+            <a:r>
+              <a:rPr lang="ja-JP" altLang="en-US" dirty="0"/>
+              <a:t>領土</a:t>
             </a:r>
             <a:endParaRPr kumimoji="1" lang="ja-JP" altLang="en-US" dirty="0"/>
           </a:p>
@@ -5548,405 +5677,107 @@
       </p:sp>
       <p:sp>
         <p:nvSpPr>
-          <p:cNvPr id="9" name="テキスト ボックス 8"/>
+          <p:cNvPr id="8" name="テキスト ボックス 7"/>
           <p:cNvSpPr txBox="1"/>
           <p:nvPr/>
         </p:nvSpPr>
         <p:spPr>
           <a:xfrm>
-            <a:off x="9139066" y="3388289"/>
-            <a:ext cx="461665" cy="494795"/>
+            <a:off x="8582938" y="2877180"/>
+            <a:ext cx="1573923" cy="369332"/>
           </a:xfrm>
           <a:prstGeom prst="rect">
             <a:avLst/>
           </a:prstGeom>
           <a:noFill/>
-        </p:spPr>
-        <p:txBody>
-          <a:bodyPr vert="eaVert" wrap="square" rtlCol="0">
-            <a:spAutoFit/>
-          </a:bodyPr>
-          <a:lstStyle/>
-          <a:p>
-            <a:r>
-              <a:rPr kumimoji="1" lang="ja-JP" altLang="en-US" dirty="0" smtClean="0"/>
-              <a:t>・・・</a:t>
-            </a:r>
-            <a:endParaRPr kumimoji="1" lang="ja-JP" altLang="en-US" dirty="0"/>
-          </a:p>
-        </p:txBody>
-      </p:sp>
-      <p:cxnSp>
-        <p:nvCxnSpPr>
-          <p:cNvPr id="18" name="直線コネクタ 17"/>
-          <p:cNvCxnSpPr/>
-          <p:nvPr/>
-        </p:nvCxnSpPr>
-        <p:spPr>
-          <a:xfrm>
-            <a:off x="2756094" y="4287793"/>
-            <a:ext cx="3487486" cy="1063496"/>
-          </a:xfrm>
-          <a:prstGeom prst="line">
-            <a:avLst/>
-          </a:prstGeom>
-          <a:ln w="12700">
+          <a:ln>
             <a:solidFill>
               <a:schemeClr val="tx1"/>
             </a:solidFill>
           </a:ln>
         </p:spPr>
-        <p:style>
-          <a:lnRef idx="1">
-            <a:schemeClr val="accent1"/>
-          </a:lnRef>
-          <a:fillRef idx="0">
-            <a:schemeClr val="accent1"/>
-          </a:fillRef>
-          <a:effectRef idx="0">
-            <a:schemeClr val="accent1"/>
-          </a:effectRef>
-          <a:fontRef idx="minor">
-            <a:schemeClr val="tx1"/>
-          </a:fontRef>
-        </p:style>
-      </p:cxnSp>
-      <p:cxnSp>
-        <p:nvCxnSpPr>
-          <p:cNvPr id="19" name="直線コネクタ 18"/>
-          <p:cNvCxnSpPr/>
-          <p:nvPr/>
-        </p:nvCxnSpPr>
-        <p:spPr>
-          <a:xfrm flipV="1">
-            <a:off x="6199972" y="3097223"/>
-            <a:ext cx="1419143" cy="2254066"/>
-          </a:xfrm>
-          <a:prstGeom prst="line">
-            <a:avLst/>
-          </a:prstGeom>
-          <a:ln w="12700">
-            <a:solidFill>
-              <a:schemeClr val="tx1"/>
-            </a:solidFill>
-          </a:ln>
-        </p:spPr>
-        <p:style>
-          <a:lnRef idx="1">
-            <a:schemeClr val="accent1"/>
-          </a:lnRef>
-          <a:fillRef idx="0">
-            <a:schemeClr val="accent1"/>
-          </a:fillRef>
-          <a:effectRef idx="0">
-            <a:schemeClr val="accent1"/>
-          </a:effectRef>
-          <a:fontRef idx="minor">
-            <a:schemeClr val="tx1"/>
-          </a:fontRef>
-        </p:style>
-      </p:cxnSp>
-      <p:cxnSp>
-        <p:nvCxnSpPr>
-          <p:cNvPr id="23" name="直線コネクタ 22"/>
-          <p:cNvCxnSpPr/>
-          <p:nvPr/>
-        </p:nvCxnSpPr>
-        <p:spPr>
-          <a:xfrm flipV="1">
-            <a:off x="2722859" y="2159767"/>
-            <a:ext cx="1875258" cy="2135712"/>
-          </a:xfrm>
-          <a:prstGeom prst="line">
-            <a:avLst/>
-          </a:prstGeom>
-          <a:ln w="12700">
-            <a:solidFill>
-              <a:schemeClr val="tx1"/>
-            </a:solidFill>
-          </a:ln>
-        </p:spPr>
-        <p:style>
-          <a:lnRef idx="1">
-            <a:schemeClr val="accent1"/>
-          </a:lnRef>
-          <a:fillRef idx="0">
-            <a:schemeClr val="accent1"/>
-          </a:fillRef>
-          <a:effectRef idx="0">
-            <a:schemeClr val="accent1"/>
-          </a:effectRef>
-          <a:fontRef idx="minor">
-            <a:schemeClr val="tx1"/>
-          </a:fontRef>
-        </p:style>
-      </p:cxnSp>
-      <p:cxnSp>
-        <p:nvCxnSpPr>
-          <p:cNvPr id="29" name="直線コネクタ 28"/>
-          <p:cNvCxnSpPr/>
-          <p:nvPr/>
-        </p:nvCxnSpPr>
-        <p:spPr>
-          <a:xfrm>
-            <a:off x="4614391" y="2159767"/>
-            <a:ext cx="2988450" cy="937456"/>
-          </a:xfrm>
-          <a:prstGeom prst="line">
-            <a:avLst/>
-          </a:prstGeom>
-          <a:ln w="12700">
-            <a:solidFill>
-              <a:schemeClr val="tx1"/>
-            </a:solidFill>
-          </a:ln>
-        </p:spPr>
-        <p:style>
-          <a:lnRef idx="1">
-            <a:schemeClr val="accent1"/>
-          </a:lnRef>
-          <a:fillRef idx="0">
-            <a:schemeClr val="accent1"/>
-          </a:fillRef>
-          <a:effectRef idx="0">
-            <a:schemeClr val="accent1"/>
-          </a:effectRef>
-          <a:fontRef idx="minor">
-            <a:schemeClr val="tx1"/>
-          </a:fontRef>
-        </p:style>
-      </p:cxnSp>
-      <p:cxnSp>
-        <p:nvCxnSpPr>
-          <p:cNvPr id="33" name="直線コネクタ 32"/>
-          <p:cNvCxnSpPr/>
-          <p:nvPr/>
-        </p:nvCxnSpPr>
-        <p:spPr>
-          <a:xfrm flipV="1">
-            <a:off x="3862072" y="2516449"/>
-            <a:ext cx="1795396" cy="2147403"/>
-          </a:xfrm>
-          <a:prstGeom prst="line">
-            <a:avLst/>
-          </a:prstGeom>
-          <a:ln w="12700">
-            <a:solidFill>
-              <a:schemeClr val="tx1"/>
-            </a:solidFill>
-          </a:ln>
-        </p:spPr>
-        <p:style>
-          <a:lnRef idx="1">
-            <a:schemeClr val="accent1"/>
-          </a:lnRef>
-          <a:fillRef idx="0">
-            <a:schemeClr val="accent1"/>
-          </a:fillRef>
-          <a:effectRef idx="0">
-            <a:schemeClr val="accent1"/>
-          </a:effectRef>
-          <a:fontRef idx="minor">
-            <a:schemeClr val="tx1"/>
-          </a:fontRef>
-        </p:style>
-      </p:cxnSp>
-      <p:cxnSp>
-        <p:nvCxnSpPr>
-          <p:cNvPr id="34" name="直線コネクタ 33"/>
-          <p:cNvCxnSpPr/>
-          <p:nvPr/>
-        </p:nvCxnSpPr>
-        <p:spPr>
-          <a:xfrm flipV="1">
-            <a:off x="5102929" y="2758423"/>
-            <a:ext cx="1588546" cy="2268373"/>
-          </a:xfrm>
-          <a:prstGeom prst="line">
-            <a:avLst/>
-          </a:prstGeom>
-          <a:ln w="12700">
-            <a:solidFill>
-              <a:schemeClr val="tx1"/>
-            </a:solidFill>
-          </a:ln>
-        </p:spPr>
-        <p:style>
-          <a:lnRef idx="1">
-            <a:schemeClr val="accent1"/>
-          </a:lnRef>
-          <a:fillRef idx="0">
-            <a:schemeClr val="accent1"/>
-          </a:fillRef>
-          <a:effectRef idx="0">
-            <a:schemeClr val="accent1"/>
-          </a:effectRef>
-          <a:fontRef idx="minor">
-            <a:schemeClr val="tx1"/>
-          </a:fontRef>
-        </p:style>
-      </p:cxnSp>
-      <p:cxnSp>
-        <p:nvCxnSpPr>
-          <p:cNvPr id="38" name="直線コネクタ 37"/>
-          <p:cNvCxnSpPr/>
-          <p:nvPr/>
-        </p:nvCxnSpPr>
-        <p:spPr>
-          <a:xfrm>
-            <a:off x="3998609" y="2870469"/>
-            <a:ext cx="3068948" cy="959441"/>
-          </a:xfrm>
-          <a:prstGeom prst="line">
-            <a:avLst/>
-          </a:prstGeom>
-          <a:ln w="12700">
-            <a:solidFill>
-              <a:schemeClr val="tx1"/>
-            </a:solidFill>
-          </a:ln>
-        </p:spPr>
-        <p:style>
-          <a:lnRef idx="1">
-            <a:schemeClr val="accent1"/>
-          </a:lnRef>
-          <a:fillRef idx="0">
-            <a:schemeClr val="accent1"/>
-          </a:fillRef>
-          <a:effectRef idx="0">
-            <a:schemeClr val="accent1"/>
-          </a:effectRef>
-          <a:fontRef idx="minor">
-            <a:schemeClr val="tx1"/>
-          </a:fontRef>
-        </p:style>
-      </p:cxnSp>
-      <p:cxnSp>
-        <p:nvCxnSpPr>
-          <p:cNvPr id="39" name="直線コネクタ 38"/>
-          <p:cNvCxnSpPr/>
-          <p:nvPr/>
-        </p:nvCxnSpPr>
-        <p:spPr>
-          <a:xfrm>
-            <a:off x="3382827" y="3590150"/>
-            <a:ext cx="3196278" cy="1067385"/>
-          </a:xfrm>
-          <a:prstGeom prst="line">
-            <a:avLst/>
-          </a:prstGeom>
-          <a:ln w="12700">
-            <a:solidFill>
-              <a:schemeClr val="tx1"/>
-            </a:solidFill>
-          </a:ln>
-        </p:spPr>
-        <p:style>
-          <a:lnRef idx="1">
-            <a:schemeClr val="accent1"/>
-          </a:lnRef>
-          <a:fillRef idx="0">
-            <a:schemeClr val="accent1"/>
-          </a:fillRef>
-          <a:effectRef idx="0">
-            <a:schemeClr val="accent1"/>
-          </a:effectRef>
-          <a:fontRef idx="minor">
-            <a:schemeClr val="tx1"/>
-          </a:fontRef>
-        </p:style>
-      </p:cxnSp>
-      <p:sp>
-        <p:nvSpPr>
-          <p:cNvPr id="43" name="円弧 42"/>
+        <p:txBody>
+          <a:bodyPr wrap="square" rtlCol="0">
+            <a:spAutoFit/>
+          </a:bodyPr>
+          <a:lstStyle/>
+          <a:p>
+            <a:pPr algn="ctr"/>
+            <a:r>
+              <a:rPr lang="ja-JP" altLang="en-US" dirty="0" smtClean="0"/>
+              <a:t>クエスト？</a:t>
+            </a:r>
+            <a:endParaRPr kumimoji="1" lang="ja-JP" altLang="en-US" dirty="0"/>
+          </a:p>
+        </p:txBody>
+      </p:sp>
+      <p:sp>
+        <p:nvSpPr>
+          <p:cNvPr id="9" name="テキスト ボックス 8"/>
+          <p:cNvSpPr txBox="1"/>
+          <p:nvPr/>
+        </p:nvSpPr>
+        <p:spPr>
+          <a:xfrm>
+            <a:off x="9139066" y="3388289"/>
+            <a:ext cx="461665" cy="494795"/>
+          </a:xfrm>
+          <a:prstGeom prst="rect">
+            <a:avLst/>
+          </a:prstGeom>
+          <a:noFill/>
+        </p:spPr>
+        <p:txBody>
+          <a:bodyPr vert="eaVert" wrap="square" rtlCol="0">
+            <a:spAutoFit/>
+          </a:bodyPr>
+          <a:lstStyle/>
+          <a:p>
+            <a:r>
+              <a:rPr kumimoji="1" lang="ja-JP" altLang="en-US" dirty="0" smtClean="0"/>
+              <a:t>・・・</a:t>
+            </a:r>
+            <a:endParaRPr kumimoji="1" lang="ja-JP" altLang="en-US" dirty="0"/>
+          </a:p>
+        </p:txBody>
+      </p:sp>
+      <p:sp>
+        <p:nvSpPr>
+          <p:cNvPr id="16" name="上矢印 15"/>
           <p:cNvSpPr/>
           <p:nvPr/>
         </p:nvSpPr>
         <p:spPr>
-          <a:xfrm rot="10800000">
-            <a:off x="1888618" y="671047"/>
-            <a:ext cx="6134883" cy="1297032"/>
-          </a:xfrm>
-          <a:prstGeom prst="arc">
-            <a:avLst>
-              <a:gd name="adj1" fmla="val 10870161"/>
-              <a:gd name="adj2" fmla="val 0"/>
-            </a:avLst>
+          <a:xfrm rot="16200000">
+            <a:off x="2192736" y="1712518"/>
+            <a:ext cx="464457" cy="569884"/>
+          </a:xfrm>
+          <a:prstGeom prst="upArrow">
+            <a:avLst/>
           </a:prstGeom>
           <a:solidFill>
-            <a:schemeClr val="accent1">
-              <a:lumMod val="40000"/>
-              <a:lumOff val="60000"/>
-            </a:schemeClr>
-          </a:solidFill>
-        </p:spPr>
-        <p:style>
-          <a:lnRef idx="1">
-            <a:schemeClr val="accent1"/>
-          </a:lnRef>
-          <a:fillRef idx="0">
-            <a:schemeClr val="accent1"/>
-          </a:fillRef>
-          <a:effectRef idx="0">
-            <a:schemeClr val="accent1"/>
-          </a:effectRef>
-          <a:fontRef idx="minor">
-            <a:schemeClr val="tx1"/>
-          </a:fontRef>
-        </p:style>
-        <p:txBody>
-          <a:bodyPr rtlCol="0" anchor="ctr"/>
-          <a:lstStyle/>
-          <a:p>
-            <a:pPr algn="ctr"/>
-            <a:endParaRPr kumimoji="1" lang="ja-JP" altLang="en-US"/>
-          </a:p>
-        </p:txBody>
-      </p:sp>
-      <p:sp>
-        <p:nvSpPr>
-          <p:cNvPr id="45" name="円弧 44"/>
-          <p:cNvSpPr/>
-          <p:nvPr/>
-        </p:nvSpPr>
-        <p:spPr>
-          <a:xfrm rot="16200000">
-            <a:off x="5786760" y="3213606"/>
-            <a:ext cx="4852221" cy="1226986"/>
-          </a:xfrm>
-          <a:prstGeom prst="arc">
-            <a:avLst>
-              <a:gd name="adj1" fmla="val 10870161"/>
-              <a:gd name="adj2" fmla="val 0"/>
-            </a:avLst>
-          </a:prstGeom>
-          <a:solidFill>
-            <a:schemeClr val="accent2">
-              <a:lumMod val="40000"/>
-              <a:lumOff val="60000"/>
-            </a:schemeClr>
+            <a:srgbClr val="92D050"/>
           </a:solidFill>
           <a:ln>
             <a:solidFill>
-              <a:schemeClr val="accent2">
-                <a:lumMod val="60000"/>
-                <a:lumOff val="40000"/>
-              </a:schemeClr>
+              <a:srgbClr val="92D050"/>
             </a:solidFill>
           </a:ln>
         </p:spPr>
         <p:style>
-          <a:lnRef idx="1">
-            <a:schemeClr val="accent1"/>
+          <a:lnRef idx="2">
+            <a:schemeClr val="accent1">
+              <a:shade val="50000"/>
+            </a:schemeClr>
           </a:lnRef>
-          <a:fillRef idx="0">
+          <a:fillRef idx="1">
             <a:schemeClr val="accent1"/>
           </a:fillRef>
           <a:effectRef idx="0">
             <a:schemeClr val="accent1"/>
           </a:effectRef>
           <a:fontRef idx="minor">
-            <a:schemeClr val="tx1"/>
+            <a:schemeClr val="lt1"/>
           </a:fontRef>
         </p:style>
         <p:txBody>
@@ -5960,48 +5791,41 @@
       </p:sp>
       <p:sp>
         <p:nvSpPr>
-          <p:cNvPr id="46" name="円弧 45"/>
+          <p:cNvPr id="17" name="上矢印 16"/>
           <p:cNvSpPr/>
           <p:nvPr/>
         </p:nvSpPr>
         <p:spPr>
-          <a:xfrm>
-            <a:off x="1796848" y="5554621"/>
-            <a:ext cx="6134883" cy="1297032"/>
-          </a:xfrm>
-          <a:prstGeom prst="arc">
-            <a:avLst>
-              <a:gd name="adj1" fmla="val 10870161"/>
-              <a:gd name="adj2" fmla="val 0"/>
-            </a:avLst>
+          <a:xfrm rot="5400000">
+            <a:off x="7157315" y="1719379"/>
+            <a:ext cx="464457" cy="569884"/>
+          </a:xfrm>
+          <a:prstGeom prst="upArrow">
+            <a:avLst/>
           </a:prstGeom>
           <a:solidFill>
-            <a:schemeClr val="accent4">
-              <a:lumMod val="40000"/>
-              <a:lumOff val="60000"/>
-            </a:schemeClr>
+            <a:srgbClr val="92D050"/>
           </a:solidFill>
           <a:ln>
             <a:solidFill>
-              <a:schemeClr val="accent4">
-                <a:lumMod val="60000"/>
-                <a:lumOff val="40000"/>
-              </a:schemeClr>
+              <a:srgbClr val="92D050"/>
             </a:solidFill>
           </a:ln>
         </p:spPr>
         <p:style>
-          <a:lnRef idx="1">
-            <a:schemeClr val="accent1"/>
+          <a:lnRef idx="2">
+            <a:schemeClr val="accent1">
+              <a:shade val="50000"/>
+            </a:schemeClr>
           </a:lnRef>
-          <a:fillRef idx="0">
+          <a:fillRef idx="1">
             <a:schemeClr val="accent1"/>
           </a:fillRef>
           <a:effectRef idx="0">
             <a:schemeClr val="accent1"/>
           </a:effectRef>
           <a:fontRef idx="minor">
-            <a:schemeClr val="tx1"/>
+            <a:schemeClr val="lt1"/>
           </a:fontRef>
         </p:style>
         <p:txBody>
@@ -6010,316 +5834,13 @@
           <a:p>
             <a:pPr algn="ctr"/>
             <a:endParaRPr kumimoji="1" lang="ja-JP" altLang="en-US"/>
-          </a:p>
-        </p:txBody>
-      </p:sp>
-      <p:sp>
-        <p:nvSpPr>
-          <p:cNvPr id="47" name="円弧 46"/>
-          <p:cNvSpPr/>
-          <p:nvPr/>
-        </p:nvSpPr>
-        <p:spPr>
-          <a:xfrm rot="5400000">
-            <a:off x="-948168" y="3101718"/>
-            <a:ext cx="4852221" cy="1226986"/>
-          </a:xfrm>
-          <a:prstGeom prst="arc">
-            <a:avLst>
-              <a:gd name="adj1" fmla="val 10870161"/>
-              <a:gd name="adj2" fmla="val 0"/>
-            </a:avLst>
-          </a:prstGeom>
-          <a:solidFill>
-            <a:schemeClr val="accent6">
-              <a:lumMod val="40000"/>
-              <a:lumOff val="60000"/>
-            </a:schemeClr>
-          </a:solidFill>
-          <a:ln>
-            <a:solidFill>
-              <a:schemeClr val="accent6">
-                <a:lumMod val="60000"/>
-                <a:lumOff val="40000"/>
-              </a:schemeClr>
-            </a:solidFill>
-          </a:ln>
-        </p:spPr>
-        <p:style>
-          <a:lnRef idx="1">
-            <a:schemeClr val="accent1"/>
-          </a:lnRef>
-          <a:fillRef idx="0">
-            <a:schemeClr val="accent1"/>
-          </a:fillRef>
-          <a:effectRef idx="0">
-            <a:schemeClr val="accent1"/>
-          </a:effectRef>
-          <a:fontRef idx="minor">
-            <a:schemeClr val="tx1"/>
-          </a:fontRef>
-        </p:style>
-        <p:txBody>
-          <a:bodyPr rtlCol="0" anchor="ctr"/>
-          <a:lstStyle/>
-          <a:p>
-            <a:pPr algn="ctr"/>
-            <a:endParaRPr kumimoji="1" lang="ja-JP" altLang="en-US"/>
-          </a:p>
-        </p:txBody>
-      </p:sp>
-      <p:cxnSp>
-        <p:nvCxnSpPr>
-          <p:cNvPr id="49" name="直線矢印コネクタ 48"/>
-          <p:cNvCxnSpPr/>
-          <p:nvPr/>
-        </p:nvCxnSpPr>
-        <p:spPr>
-          <a:xfrm flipH="1">
-            <a:off x="6243580" y="671046"/>
-            <a:ext cx="3126318" cy="862786"/>
-          </a:xfrm>
-          <a:prstGeom prst="straightConnector1">
-            <a:avLst/>
-          </a:prstGeom>
-          <a:ln w="25400">
-            <a:solidFill>
-              <a:srgbClr val="C00000"/>
-            </a:solidFill>
-            <a:tailEnd type="triangle"/>
-          </a:ln>
-        </p:spPr>
-        <p:style>
-          <a:lnRef idx="1">
-            <a:schemeClr val="accent1"/>
-          </a:lnRef>
-          <a:fillRef idx="0">
-            <a:schemeClr val="accent1"/>
-          </a:fillRef>
-          <a:effectRef idx="0">
-            <a:schemeClr val="accent1"/>
-          </a:effectRef>
-          <a:fontRef idx="minor">
-            <a:schemeClr val="tx1"/>
-          </a:fontRef>
-        </p:style>
-      </p:cxnSp>
-      <p:cxnSp>
-        <p:nvCxnSpPr>
-          <p:cNvPr id="50" name="直線矢印コネクタ 49"/>
-          <p:cNvCxnSpPr/>
-          <p:nvPr/>
-        </p:nvCxnSpPr>
-        <p:spPr>
-          <a:xfrm flipH="1">
-            <a:off x="7931732" y="671046"/>
-            <a:ext cx="1425935" cy="2925815"/>
-          </a:xfrm>
-          <a:prstGeom prst="straightConnector1">
-            <a:avLst/>
-          </a:prstGeom>
-          <a:ln w="25400">
-            <a:solidFill>
-              <a:srgbClr val="C00000"/>
-            </a:solidFill>
-            <a:tailEnd type="triangle"/>
-          </a:ln>
-        </p:spPr>
-        <p:style>
-          <a:lnRef idx="1">
-            <a:schemeClr val="accent1"/>
-          </a:lnRef>
-          <a:fillRef idx="0">
-            <a:schemeClr val="accent1"/>
-          </a:fillRef>
-          <a:effectRef idx="0">
-            <a:schemeClr val="accent1"/>
-          </a:effectRef>
-          <a:fontRef idx="minor">
-            <a:schemeClr val="tx1"/>
-          </a:fontRef>
-        </p:style>
-      </p:cxnSp>
-      <p:cxnSp>
-        <p:nvCxnSpPr>
-          <p:cNvPr id="53" name="直線矢印コネクタ 52"/>
-          <p:cNvCxnSpPr/>
-          <p:nvPr/>
-        </p:nvCxnSpPr>
-        <p:spPr>
-          <a:xfrm flipH="1">
-            <a:off x="1796848" y="661337"/>
-            <a:ext cx="7548751" cy="2935524"/>
-          </a:xfrm>
-          <a:prstGeom prst="straightConnector1">
-            <a:avLst/>
-          </a:prstGeom>
-          <a:ln w="25400">
-            <a:solidFill>
-              <a:srgbClr val="C00000"/>
-            </a:solidFill>
-            <a:tailEnd type="triangle"/>
-          </a:ln>
-        </p:spPr>
-        <p:style>
-          <a:lnRef idx="1">
-            <a:schemeClr val="accent1"/>
-          </a:lnRef>
-          <a:fillRef idx="0">
-            <a:schemeClr val="accent1"/>
-          </a:fillRef>
-          <a:effectRef idx="0">
-            <a:schemeClr val="accent1"/>
-          </a:effectRef>
-          <a:fontRef idx="minor">
-            <a:schemeClr val="tx1"/>
-          </a:fontRef>
-        </p:style>
-      </p:cxnSp>
-      <p:cxnSp>
-        <p:nvCxnSpPr>
-          <p:cNvPr id="55" name="直線矢印コネクタ 54"/>
-          <p:cNvCxnSpPr/>
-          <p:nvPr/>
-        </p:nvCxnSpPr>
-        <p:spPr>
-          <a:xfrm flipH="1">
-            <a:off x="5265174" y="661337"/>
-            <a:ext cx="4080425" cy="5237439"/>
-          </a:xfrm>
-          <a:prstGeom prst="straightConnector1">
-            <a:avLst/>
-          </a:prstGeom>
-          <a:ln w="25400">
-            <a:solidFill>
-              <a:srgbClr val="C00000"/>
-            </a:solidFill>
-            <a:tailEnd type="triangle"/>
-          </a:ln>
-        </p:spPr>
-        <p:style>
-          <a:lnRef idx="1">
-            <a:schemeClr val="accent1"/>
-          </a:lnRef>
-          <a:fillRef idx="0">
-            <a:schemeClr val="accent1"/>
-          </a:fillRef>
-          <a:effectRef idx="0">
-            <a:schemeClr val="accent1"/>
-          </a:effectRef>
-          <a:fontRef idx="minor">
-            <a:schemeClr val="tx1"/>
-          </a:fontRef>
-        </p:style>
-      </p:cxnSp>
-      <p:sp>
-        <p:nvSpPr>
-          <p:cNvPr id="57" name="テキスト ボックス 56"/>
-          <p:cNvSpPr txBox="1"/>
-          <p:nvPr/>
-        </p:nvSpPr>
-        <p:spPr>
-          <a:xfrm>
-            <a:off x="9483213" y="265471"/>
-            <a:ext cx="2507226" cy="369332"/>
-          </a:xfrm>
-          <a:prstGeom prst="rect">
-            <a:avLst/>
-          </a:prstGeom>
-          <a:noFill/>
-        </p:spPr>
-        <p:txBody>
-          <a:bodyPr wrap="square" rtlCol="0">
-            <a:spAutoFit/>
-          </a:bodyPr>
-          <a:lstStyle/>
-          <a:p>
-            <a:r>
-              <a:rPr kumimoji="1" lang="en-US" altLang="ja-JP" dirty="0" smtClean="0"/>
-              <a:t>4</a:t>
-            </a:r>
-            <a:r>
-              <a:rPr kumimoji="1" lang="ja-JP" altLang="en-US" dirty="0" err="1" smtClean="0"/>
-              <a:t>つの</a:t>
-            </a:r>
-            <a:r>
-              <a:rPr kumimoji="1" lang="ja-JP" altLang="en-US" dirty="0" smtClean="0"/>
-              <a:t>資源</a:t>
-            </a:r>
-            <a:endParaRPr kumimoji="1" lang="ja-JP" altLang="en-US" dirty="0"/>
-          </a:p>
-        </p:txBody>
-      </p:sp>
-      <p:cxnSp>
-        <p:nvCxnSpPr>
-          <p:cNvPr id="59" name="直線矢印コネクタ 58"/>
-          <p:cNvCxnSpPr/>
-          <p:nvPr/>
-        </p:nvCxnSpPr>
-        <p:spPr>
-          <a:xfrm flipV="1">
-            <a:off x="1194619" y="4224256"/>
-            <a:ext cx="2188208" cy="595285"/>
-          </a:xfrm>
-          <a:prstGeom prst="straightConnector1">
-            <a:avLst/>
-          </a:prstGeom>
-          <a:ln w="25400">
-            <a:solidFill>
-              <a:srgbClr val="7030A0"/>
-            </a:solidFill>
-            <a:tailEnd type="triangle"/>
-          </a:ln>
-        </p:spPr>
-        <p:style>
-          <a:lnRef idx="1">
-            <a:schemeClr val="accent1"/>
-          </a:lnRef>
-          <a:fillRef idx="0">
-            <a:schemeClr val="accent1"/>
-          </a:fillRef>
-          <a:effectRef idx="0">
-            <a:schemeClr val="accent1"/>
-          </a:effectRef>
-          <a:fontRef idx="minor">
-            <a:schemeClr val="tx1"/>
-          </a:fontRef>
-        </p:style>
-      </p:cxnSp>
-      <p:sp>
-        <p:nvSpPr>
-          <p:cNvPr id="60" name="テキスト ボックス 59"/>
-          <p:cNvSpPr txBox="1"/>
-          <p:nvPr/>
-        </p:nvSpPr>
-        <p:spPr>
-          <a:xfrm>
-            <a:off x="633616" y="4206391"/>
-            <a:ext cx="461665" cy="1692385"/>
-          </a:xfrm>
-          <a:prstGeom prst="rect">
-            <a:avLst/>
-          </a:prstGeom>
-          <a:noFill/>
-        </p:spPr>
-        <p:txBody>
-          <a:bodyPr vert="eaVert" wrap="square" rtlCol="0">
-            <a:spAutoFit/>
-          </a:bodyPr>
-          <a:lstStyle/>
-          <a:p>
-            <a:r>
-              <a:rPr kumimoji="1" lang="ja-JP" altLang="en-US" dirty="0" smtClean="0"/>
-              <a:t>なんかの施設</a:t>
-            </a:r>
-            <a:endParaRPr kumimoji="1" lang="ja-JP" altLang="en-US" dirty="0"/>
           </a:p>
         </p:txBody>
       </p:sp>
     </p:spTree>
     <p:extLst>
       <p:ext uri="{BB962C8B-B14F-4D97-AF65-F5344CB8AC3E}">
-        <p14:creationId xmlns:p14="http://schemas.microsoft.com/office/powerpoint/2010/main" val="3934425802"/>
+        <p14:creationId xmlns:p14="http://schemas.microsoft.com/office/powerpoint/2010/main" val="3029250382"/>
       </p:ext>
     </p:extLst>
   </p:cSld>
@@ -6354,8 +5875,8 @@
         </p:nvSpPr>
         <p:spPr>
           <a:xfrm>
-            <a:off x="2092816" y="0"/>
-            <a:ext cx="7655867" cy="923330"/>
+            <a:off x="3464417" y="0"/>
+            <a:ext cx="4765183" cy="923330"/>
           </a:xfrm>
           <a:prstGeom prst="rect">
             <a:avLst/>
@@ -6375,7 +5896,15 @@
                   <a:srgbClr val="7030A0"/>
                 </a:solidFill>
               </a:rPr>
-              <a:t>ダンジョン（タワー）</a:t>
+              <a:t>個人</a:t>
+            </a:r>
+            <a:r>
+              <a:rPr lang="ja-JP" altLang="en-US" sz="5400" b="1" dirty="0">
+                <a:solidFill>
+                  <a:srgbClr val="7030A0"/>
+                </a:solidFill>
+              </a:rPr>
+              <a:t>領土</a:t>
             </a:r>
             <a:r>
               <a:rPr kumimoji="1" lang="ja-JP" altLang="en-US" sz="5400" b="1" dirty="0" smtClean="0">
@@ -6402,7 +5931,7 @@
         <p:spPr>
           <a:xfrm>
             <a:off x="1429555" y="1262130"/>
-            <a:ext cx="9079606" cy="4180025"/>
+            <a:ext cx="9079606" cy="4961689"/>
           </a:xfrm>
           <a:prstGeom prst="rect">
             <a:avLst/>
@@ -6439,21 +5968,61 @@
           </a:p>
         </p:txBody>
       </p:sp>
-      <p:sp>
-        <p:nvSpPr>
-          <p:cNvPr id="5" name="テキスト ボックス 4"/>
+      <p:cxnSp>
+        <p:nvCxnSpPr>
+          <p:cNvPr id="4" name="直線コネクタ 3"/>
+          <p:cNvCxnSpPr/>
+          <p:nvPr/>
+        </p:nvCxnSpPr>
+        <p:spPr>
+          <a:xfrm>
+            <a:off x="8244348" y="1262130"/>
+            <a:ext cx="0" cy="4961689"/>
+          </a:xfrm>
+          <a:prstGeom prst="line">
+            <a:avLst/>
+          </a:prstGeom>
+          <a:ln>
+            <a:solidFill>
+              <a:schemeClr val="tx1"/>
+            </a:solidFill>
+          </a:ln>
+        </p:spPr>
+        <p:style>
+          <a:lnRef idx="1">
+            <a:schemeClr val="accent1"/>
+          </a:lnRef>
+          <a:fillRef idx="0">
+            <a:schemeClr val="accent1"/>
+          </a:fillRef>
+          <a:effectRef idx="0">
+            <a:schemeClr val="accent1"/>
+          </a:effectRef>
+          <a:fontRef idx="minor">
+            <a:schemeClr val="tx1"/>
+          </a:fontRef>
+        </p:style>
+      </p:cxnSp>
+      <p:sp>
+        <p:nvSpPr>
+          <p:cNvPr id="6" name="テキスト ボックス 5"/>
           <p:cNvSpPr txBox="1"/>
           <p:nvPr/>
         </p:nvSpPr>
         <p:spPr>
           <a:xfrm>
-            <a:off x="4987448" y="1784553"/>
-            <a:ext cx="1578077" cy="369332"/>
+            <a:off x="8587508" y="2138516"/>
+            <a:ext cx="1573923" cy="369332"/>
           </a:xfrm>
           <a:prstGeom prst="rect">
             <a:avLst/>
           </a:prstGeom>
           <a:noFill/>
+          <a:ln>
+            <a:solidFill>
+              <a:schemeClr val="tx1"/>
+            </a:solidFill>
+          </a:ln>
         </p:spPr>
         <p:txBody>
           <a:bodyPr wrap="square" rtlCol="0">
@@ -6461,13 +6030,116 @@
           </a:bodyPr>
           <a:lstStyle/>
           <a:p>
+            <a:pPr algn="ctr"/>
             <a:r>
               <a:rPr kumimoji="1" lang="ja-JP" altLang="en-US" dirty="0" smtClean="0"/>
-              <a:t>探索率　</a:t>
-            </a:r>
-            <a:r>
-              <a:rPr kumimoji="1" lang="en-US" altLang="ja-JP" dirty="0" smtClean="0"/>
-              <a:t>60%</a:t>
+              <a:t>ユニット</a:t>
+            </a:r>
+            <a:endParaRPr kumimoji="1" lang="ja-JP" altLang="en-US" dirty="0"/>
+          </a:p>
+        </p:txBody>
+      </p:sp>
+      <p:sp>
+        <p:nvSpPr>
+          <p:cNvPr id="7" name="テキスト ボックス 6"/>
+          <p:cNvSpPr txBox="1"/>
+          <p:nvPr/>
+        </p:nvSpPr>
+        <p:spPr>
+          <a:xfrm>
+            <a:off x="8585223" y="2507848"/>
+            <a:ext cx="1573923" cy="369332"/>
+          </a:xfrm>
+          <a:prstGeom prst="rect">
+            <a:avLst/>
+          </a:prstGeom>
+          <a:noFill/>
+          <a:ln>
+            <a:solidFill>
+              <a:schemeClr val="tx1"/>
+            </a:solidFill>
+          </a:ln>
+        </p:spPr>
+        <p:txBody>
+          <a:bodyPr wrap="square" rtlCol="0">
+            <a:spAutoFit/>
+          </a:bodyPr>
+          <a:lstStyle/>
+          <a:p>
+            <a:pPr algn="ctr"/>
+            <a:r>
+              <a:rPr lang="ja-JP" altLang="en-US" dirty="0" smtClean="0"/>
+              <a:t>個人</a:t>
+            </a:r>
+            <a:r>
+              <a:rPr lang="ja-JP" altLang="en-US" dirty="0"/>
+              <a:t>領土</a:t>
+            </a:r>
+            <a:endParaRPr kumimoji="1" lang="ja-JP" altLang="en-US" dirty="0"/>
+          </a:p>
+        </p:txBody>
+      </p:sp>
+      <p:sp>
+        <p:nvSpPr>
+          <p:cNvPr id="8" name="テキスト ボックス 7"/>
+          <p:cNvSpPr txBox="1"/>
+          <p:nvPr/>
+        </p:nvSpPr>
+        <p:spPr>
+          <a:xfrm>
+            <a:off x="8582938" y="2877180"/>
+            <a:ext cx="1573923" cy="369332"/>
+          </a:xfrm>
+          <a:prstGeom prst="rect">
+            <a:avLst/>
+          </a:prstGeom>
+          <a:noFill/>
+          <a:ln>
+            <a:solidFill>
+              <a:schemeClr val="tx1"/>
+            </a:solidFill>
+          </a:ln>
+        </p:spPr>
+        <p:txBody>
+          <a:bodyPr wrap="square" rtlCol="0">
+            <a:spAutoFit/>
+          </a:bodyPr>
+          <a:lstStyle/>
+          <a:p>
+            <a:pPr algn="ctr"/>
+            <a:r>
+              <a:rPr lang="ja-JP" altLang="en-US" dirty="0" smtClean="0"/>
+              <a:t>クエスト？</a:t>
+            </a:r>
+            <a:endParaRPr kumimoji="1" lang="ja-JP" altLang="en-US" dirty="0"/>
+          </a:p>
+        </p:txBody>
+      </p:sp>
+      <p:sp>
+        <p:nvSpPr>
+          <p:cNvPr id="9" name="テキスト ボックス 8"/>
+          <p:cNvSpPr txBox="1"/>
+          <p:nvPr/>
+        </p:nvSpPr>
+        <p:spPr>
+          <a:xfrm>
+            <a:off x="9139066" y="3388289"/>
+            <a:ext cx="461665" cy="494795"/>
+          </a:xfrm>
+          <a:prstGeom prst="rect">
+            <a:avLst/>
+          </a:prstGeom>
+          <a:noFill/>
+        </p:spPr>
+        <p:txBody>
+          <a:bodyPr vert="eaVert" wrap="square" rtlCol="0">
+            <a:spAutoFit/>
+          </a:bodyPr>
+          <a:lstStyle/>
+          <a:p>
+            <a:r>
+              <a:rPr kumimoji="1" lang="ja-JP" altLang="en-US" dirty="0" smtClean="0"/>
+              <a:t>・・・</a:t>
             </a:r>
             <a:endParaRPr kumimoji="1" lang="ja-JP" altLang="en-US" dirty="0"/>
           </a:p>
@@ -6475,14 +6147,14 @@
       </p:sp>
       <p:cxnSp>
         <p:nvCxnSpPr>
-          <p:cNvPr id="12" name="直線コネクタ 11"/>
+          <p:cNvPr id="18" name="直線コネクタ 17"/>
           <p:cNvCxnSpPr/>
           <p:nvPr/>
         </p:nvCxnSpPr>
         <p:spPr>
           <a:xfrm>
-            <a:off x="1429555" y="4247535"/>
-            <a:ext cx="9079606" cy="0"/>
+            <a:off x="2756094" y="4287793"/>
+            <a:ext cx="3487486" cy="1063496"/>
           </a:xfrm>
           <a:prstGeom prst="line">
             <a:avLst/>
@@ -6510,14 +6182,14 @@
       </p:cxnSp>
       <p:cxnSp>
         <p:nvCxnSpPr>
-          <p:cNvPr id="14" name="直線コネクタ 13"/>
+          <p:cNvPr id="19" name="直線コネクタ 18"/>
           <p:cNvCxnSpPr/>
           <p:nvPr/>
         </p:nvCxnSpPr>
         <p:spPr>
-          <a:xfrm flipH="1">
-            <a:off x="4041058" y="4247535"/>
-            <a:ext cx="2494" cy="1194620"/>
+          <a:xfrm flipV="1">
+            <a:off x="6199972" y="3097223"/>
+            <a:ext cx="1419143" cy="2254066"/>
           </a:xfrm>
           <a:prstGeom prst="line">
             <a:avLst/>
@@ -6543,107 +6215,307 @@
           </a:fontRef>
         </p:style>
       </p:cxnSp>
-      <p:sp>
-        <p:nvSpPr>
-          <p:cNvPr id="17" name="テキスト ボックス 16"/>
-          <p:cNvSpPr txBox="1"/>
-          <p:nvPr/>
-        </p:nvSpPr>
-        <p:spPr>
-          <a:xfrm>
-            <a:off x="2034031" y="4660179"/>
-            <a:ext cx="1402552" cy="369332"/>
-          </a:xfrm>
-          <a:prstGeom prst="rect">
-            <a:avLst/>
-          </a:prstGeom>
-          <a:noFill/>
-        </p:spPr>
-        <p:txBody>
-          <a:bodyPr wrap="square" rtlCol="0">
-            <a:spAutoFit/>
-          </a:bodyPr>
-          <a:lstStyle/>
-          <a:p>
-            <a:r>
-              <a:rPr kumimoji="1" lang="ja-JP" altLang="en-US" dirty="0" smtClean="0"/>
-              <a:t>コマンド</a:t>
-            </a:r>
-            <a:endParaRPr kumimoji="1" lang="ja-JP" altLang="en-US" dirty="0"/>
-          </a:p>
-        </p:txBody>
-      </p:sp>
-      <p:sp>
-        <p:nvSpPr>
-          <p:cNvPr id="18" name="テキスト ボックス 17"/>
-          <p:cNvSpPr txBox="1"/>
-          <p:nvPr/>
-        </p:nvSpPr>
-        <p:spPr>
-          <a:xfrm>
-            <a:off x="5969358" y="4660179"/>
-            <a:ext cx="1828800" cy="369332"/>
-          </a:xfrm>
-          <a:prstGeom prst="rect">
-            <a:avLst/>
-          </a:prstGeom>
-          <a:noFill/>
-        </p:spPr>
-        <p:txBody>
-          <a:bodyPr wrap="square" rtlCol="0">
-            <a:spAutoFit/>
-          </a:bodyPr>
-          <a:lstStyle/>
-          <a:p>
-            <a:r>
-              <a:rPr kumimoji="1" lang="ja-JP" altLang="en-US" dirty="0" smtClean="0"/>
-              <a:t>ユニットデータ</a:t>
-            </a:r>
-            <a:endParaRPr kumimoji="1" lang="ja-JP" altLang="en-US" dirty="0"/>
-          </a:p>
-        </p:txBody>
-      </p:sp>
-      <p:sp>
-        <p:nvSpPr>
-          <p:cNvPr id="19" name="正方形/長方形 18"/>
+      <p:cxnSp>
+        <p:nvCxnSpPr>
+          <p:cNvPr id="23" name="直線コネクタ 22"/>
+          <p:cNvCxnSpPr/>
+          <p:nvPr/>
+        </p:nvCxnSpPr>
+        <p:spPr>
+          <a:xfrm flipV="1">
+            <a:off x="2722859" y="2159767"/>
+            <a:ext cx="1875258" cy="2135712"/>
+          </a:xfrm>
+          <a:prstGeom prst="line">
+            <a:avLst/>
+          </a:prstGeom>
+          <a:ln w="12700">
+            <a:solidFill>
+              <a:schemeClr val="tx1"/>
+            </a:solidFill>
+          </a:ln>
+        </p:spPr>
+        <p:style>
+          <a:lnRef idx="1">
+            <a:schemeClr val="accent1"/>
+          </a:lnRef>
+          <a:fillRef idx="0">
+            <a:schemeClr val="accent1"/>
+          </a:fillRef>
+          <a:effectRef idx="0">
+            <a:schemeClr val="accent1"/>
+          </a:effectRef>
+          <a:fontRef idx="minor">
+            <a:schemeClr val="tx1"/>
+          </a:fontRef>
+        </p:style>
+      </p:cxnSp>
+      <p:cxnSp>
+        <p:nvCxnSpPr>
+          <p:cNvPr id="29" name="直線コネクタ 28"/>
+          <p:cNvCxnSpPr/>
+          <p:nvPr/>
+        </p:nvCxnSpPr>
+        <p:spPr>
+          <a:xfrm>
+            <a:off x="4614391" y="2159767"/>
+            <a:ext cx="2988450" cy="937456"/>
+          </a:xfrm>
+          <a:prstGeom prst="line">
+            <a:avLst/>
+          </a:prstGeom>
+          <a:ln w="12700">
+            <a:solidFill>
+              <a:schemeClr val="tx1"/>
+            </a:solidFill>
+          </a:ln>
+        </p:spPr>
+        <p:style>
+          <a:lnRef idx="1">
+            <a:schemeClr val="accent1"/>
+          </a:lnRef>
+          <a:fillRef idx="0">
+            <a:schemeClr val="accent1"/>
+          </a:fillRef>
+          <a:effectRef idx="0">
+            <a:schemeClr val="accent1"/>
+          </a:effectRef>
+          <a:fontRef idx="minor">
+            <a:schemeClr val="tx1"/>
+          </a:fontRef>
+        </p:style>
+      </p:cxnSp>
+      <p:cxnSp>
+        <p:nvCxnSpPr>
+          <p:cNvPr id="33" name="直線コネクタ 32"/>
+          <p:cNvCxnSpPr/>
+          <p:nvPr/>
+        </p:nvCxnSpPr>
+        <p:spPr>
+          <a:xfrm flipV="1">
+            <a:off x="3862072" y="2516449"/>
+            <a:ext cx="1795396" cy="2147403"/>
+          </a:xfrm>
+          <a:prstGeom prst="line">
+            <a:avLst/>
+          </a:prstGeom>
+          <a:ln w="12700">
+            <a:solidFill>
+              <a:schemeClr val="tx1"/>
+            </a:solidFill>
+          </a:ln>
+        </p:spPr>
+        <p:style>
+          <a:lnRef idx="1">
+            <a:schemeClr val="accent1"/>
+          </a:lnRef>
+          <a:fillRef idx="0">
+            <a:schemeClr val="accent1"/>
+          </a:fillRef>
+          <a:effectRef idx="0">
+            <a:schemeClr val="accent1"/>
+          </a:effectRef>
+          <a:fontRef idx="minor">
+            <a:schemeClr val="tx1"/>
+          </a:fontRef>
+        </p:style>
+      </p:cxnSp>
+      <p:cxnSp>
+        <p:nvCxnSpPr>
+          <p:cNvPr id="34" name="直線コネクタ 33"/>
+          <p:cNvCxnSpPr/>
+          <p:nvPr/>
+        </p:nvCxnSpPr>
+        <p:spPr>
+          <a:xfrm flipV="1">
+            <a:off x="5102929" y="2758423"/>
+            <a:ext cx="1588546" cy="2268373"/>
+          </a:xfrm>
+          <a:prstGeom prst="line">
+            <a:avLst/>
+          </a:prstGeom>
+          <a:ln w="12700">
+            <a:solidFill>
+              <a:schemeClr val="tx1"/>
+            </a:solidFill>
+          </a:ln>
+        </p:spPr>
+        <p:style>
+          <a:lnRef idx="1">
+            <a:schemeClr val="accent1"/>
+          </a:lnRef>
+          <a:fillRef idx="0">
+            <a:schemeClr val="accent1"/>
+          </a:fillRef>
+          <a:effectRef idx="0">
+            <a:schemeClr val="accent1"/>
+          </a:effectRef>
+          <a:fontRef idx="minor">
+            <a:schemeClr val="tx1"/>
+          </a:fontRef>
+        </p:style>
+      </p:cxnSp>
+      <p:cxnSp>
+        <p:nvCxnSpPr>
+          <p:cNvPr id="38" name="直線コネクタ 37"/>
+          <p:cNvCxnSpPr/>
+          <p:nvPr/>
+        </p:nvCxnSpPr>
+        <p:spPr>
+          <a:xfrm>
+            <a:off x="3998609" y="2870469"/>
+            <a:ext cx="3068948" cy="959441"/>
+          </a:xfrm>
+          <a:prstGeom prst="line">
+            <a:avLst/>
+          </a:prstGeom>
+          <a:ln w="12700">
+            <a:solidFill>
+              <a:schemeClr val="tx1"/>
+            </a:solidFill>
+          </a:ln>
+        </p:spPr>
+        <p:style>
+          <a:lnRef idx="1">
+            <a:schemeClr val="accent1"/>
+          </a:lnRef>
+          <a:fillRef idx="0">
+            <a:schemeClr val="accent1"/>
+          </a:fillRef>
+          <a:effectRef idx="0">
+            <a:schemeClr val="accent1"/>
+          </a:effectRef>
+          <a:fontRef idx="minor">
+            <a:schemeClr val="tx1"/>
+          </a:fontRef>
+        </p:style>
+      </p:cxnSp>
+      <p:cxnSp>
+        <p:nvCxnSpPr>
+          <p:cNvPr id="39" name="直線コネクタ 38"/>
+          <p:cNvCxnSpPr/>
+          <p:nvPr/>
+        </p:nvCxnSpPr>
+        <p:spPr>
+          <a:xfrm>
+            <a:off x="3382827" y="3590150"/>
+            <a:ext cx="3196278" cy="1067385"/>
+          </a:xfrm>
+          <a:prstGeom prst="line">
+            <a:avLst/>
+          </a:prstGeom>
+          <a:ln w="12700">
+            <a:solidFill>
+              <a:schemeClr val="tx1"/>
+            </a:solidFill>
+          </a:ln>
+        </p:spPr>
+        <p:style>
+          <a:lnRef idx="1">
+            <a:schemeClr val="accent1"/>
+          </a:lnRef>
+          <a:fillRef idx="0">
+            <a:schemeClr val="accent1"/>
+          </a:fillRef>
+          <a:effectRef idx="0">
+            <a:schemeClr val="accent1"/>
+          </a:effectRef>
+          <a:fontRef idx="minor">
+            <a:schemeClr val="tx1"/>
+          </a:fontRef>
+        </p:style>
+      </p:cxnSp>
+      <p:sp>
+        <p:nvSpPr>
+          <p:cNvPr id="43" name="円弧 42"/>
           <p:cNvSpPr/>
           <p:nvPr/>
         </p:nvSpPr>
         <p:spPr>
-          <a:xfrm>
-            <a:off x="4368015" y="2325052"/>
-            <a:ext cx="1925807" cy="335265"/>
-          </a:xfrm>
-          <a:prstGeom prst="rect">
-            <a:avLst/>
+          <a:xfrm rot="10800000">
+            <a:off x="1888618" y="671047"/>
+            <a:ext cx="6134883" cy="1297032"/>
+          </a:xfrm>
+          <a:prstGeom prst="arc">
+            <a:avLst>
+              <a:gd name="adj1" fmla="val 10870161"/>
+              <a:gd name="adj2" fmla="val 0"/>
+            </a:avLst>
+          </a:prstGeom>
+          <a:solidFill>
+            <a:schemeClr val="accent1">
+              <a:lumMod val="40000"/>
+              <a:lumOff val="60000"/>
+            </a:schemeClr>
+          </a:solidFill>
+        </p:spPr>
+        <p:style>
+          <a:lnRef idx="1">
+            <a:schemeClr val="accent1"/>
+          </a:lnRef>
+          <a:fillRef idx="0">
+            <a:schemeClr val="accent1"/>
+          </a:fillRef>
+          <a:effectRef idx="0">
+            <a:schemeClr val="accent1"/>
+          </a:effectRef>
+          <a:fontRef idx="minor">
+            <a:schemeClr val="tx1"/>
+          </a:fontRef>
+        </p:style>
+        <p:txBody>
+          <a:bodyPr rtlCol="0" anchor="ctr"/>
+          <a:lstStyle/>
+          <a:p>
+            <a:pPr algn="ctr"/>
+            <a:endParaRPr kumimoji="1" lang="ja-JP" altLang="en-US"/>
+          </a:p>
+        </p:txBody>
+      </p:sp>
+      <p:sp>
+        <p:nvSpPr>
+          <p:cNvPr id="45" name="円弧 44"/>
+          <p:cNvSpPr/>
+          <p:nvPr/>
+        </p:nvSpPr>
+        <p:spPr>
+          <a:xfrm rot="16200000">
+            <a:off x="5786760" y="3213606"/>
+            <a:ext cx="4852221" cy="1226986"/>
+          </a:xfrm>
+          <a:prstGeom prst="arc">
+            <a:avLst>
+              <a:gd name="adj1" fmla="val 10870161"/>
+              <a:gd name="adj2" fmla="val 0"/>
+            </a:avLst>
           </a:prstGeom>
           <a:solidFill>
             <a:schemeClr val="accent2">
-              <a:lumMod val="75000"/>
+              <a:lumMod val="40000"/>
+              <a:lumOff val="60000"/>
             </a:schemeClr>
           </a:solidFill>
           <a:ln>
             <a:solidFill>
               <a:schemeClr val="accent2">
-                <a:lumMod val="75000"/>
+                <a:lumMod val="60000"/>
+                <a:lumOff val="40000"/>
               </a:schemeClr>
             </a:solidFill>
           </a:ln>
         </p:spPr>
         <p:style>
-          <a:lnRef idx="2">
-            <a:schemeClr val="accent1">
-              <a:shade val="50000"/>
-            </a:schemeClr>
+          <a:lnRef idx="1">
+            <a:schemeClr val="accent1"/>
           </a:lnRef>
-          <a:fillRef idx="1">
+          <a:fillRef idx="0">
             <a:schemeClr val="accent1"/>
           </a:fillRef>
           <a:effectRef idx="0">
             <a:schemeClr val="accent1"/>
           </a:effectRef>
           <a:fontRef idx="minor">
-            <a:schemeClr val="lt1"/>
+            <a:schemeClr val="tx1"/>
           </a:fontRef>
         </p:style>
         <p:txBody>
@@ -6657,41 +6529,48 @@
       </p:sp>
       <p:sp>
         <p:nvSpPr>
-          <p:cNvPr id="20" name="正方形/長方形 19"/>
+          <p:cNvPr id="46" name="円弧 45"/>
           <p:cNvSpPr/>
           <p:nvPr/>
         </p:nvSpPr>
         <p:spPr>
           <a:xfrm>
-            <a:off x="6298599" y="2325051"/>
-            <a:ext cx="839620" cy="335265"/>
-          </a:xfrm>
-          <a:prstGeom prst="rect">
-            <a:avLst/>
-          </a:prstGeom>
-          <a:noFill/>
+            <a:off x="1796848" y="5554621"/>
+            <a:ext cx="6134883" cy="1297032"/>
+          </a:xfrm>
+          <a:prstGeom prst="arc">
+            <a:avLst>
+              <a:gd name="adj1" fmla="val 10870161"/>
+              <a:gd name="adj2" fmla="val 0"/>
+            </a:avLst>
+          </a:prstGeom>
+          <a:solidFill>
+            <a:schemeClr val="accent4">
+              <a:lumMod val="40000"/>
+              <a:lumOff val="60000"/>
+            </a:schemeClr>
+          </a:solidFill>
           <a:ln>
             <a:solidFill>
-              <a:schemeClr val="accent2">
-                <a:lumMod val="75000"/>
+              <a:schemeClr val="accent4">
+                <a:lumMod val="60000"/>
+                <a:lumOff val="40000"/>
               </a:schemeClr>
             </a:solidFill>
           </a:ln>
         </p:spPr>
         <p:style>
-          <a:lnRef idx="2">
-            <a:schemeClr val="accent1">
-              <a:shade val="50000"/>
-            </a:schemeClr>
+          <a:lnRef idx="1">
+            <a:schemeClr val="accent1"/>
           </a:lnRef>
-          <a:fillRef idx="1">
+          <a:fillRef idx="0">
             <a:schemeClr val="accent1"/>
           </a:fillRef>
           <a:effectRef idx="0">
             <a:schemeClr val="accent1"/>
           </a:effectRef>
           <a:fontRef idx="minor">
-            <a:schemeClr val="lt1"/>
+            <a:schemeClr val="tx1"/>
           </a:fontRef>
         </p:style>
         <p:txBody>
@@ -6700,13 +6579,316 @@
           <a:p>
             <a:pPr algn="ctr"/>
             <a:endParaRPr kumimoji="1" lang="ja-JP" altLang="en-US"/>
+          </a:p>
+        </p:txBody>
+      </p:sp>
+      <p:sp>
+        <p:nvSpPr>
+          <p:cNvPr id="47" name="円弧 46"/>
+          <p:cNvSpPr/>
+          <p:nvPr/>
+        </p:nvSpPr>
+        <p:spPr>
+          <a:xfrm rot="5400000">
+            <a:off x="-948168" y="3101718"/>
+            <a:ext cx="4852221" cy="1226986"/>
+          </a:xfrm>
+          <a:prstGeom prst="arc">
+            <a:avLst>
+              <a:gd name="adj1" fmla="val 10870161"/>
+              <a:gd name="adj2" fmla="val 0"/>
+            </a:avLst>
+          </a:prstGeom>
+          <a:solidFill>
+            <a:schemeClr val="accent6">
+              <a:lumMod val="40000"/>
+              <a:lumOff val="60000"/>
+            </a:schemeClr>
+          </a:solidFill>
+          <a:ln>
+            <a:solidFill>
+              <a:schemeClr val="accent6">
+                <a:lumMod val="60000"/>
+                <a:lumOff val="40000"/>
+              </a:schemeClr>
+            </a:solidFill>
+          </a:ln>
+        </p:spPr>
+        <p:style>
+          <a:lnRef idx="1">
+            <a:schemeClr val="accent1"/>
+          </a:lnRef>
+          <a:fillRef idx="0">
+            <a:schemeClr val="accent1"/>
+          </a:fillRef>
+          <a:effectRef idx="0">
+            <a:schemeClr val="accent1"/>
+          </a:effectRef>
+          <a:fontRef idx="minor">
+            <a:schemeClr val="tx1"/>
+          </a:fontRef>
+        </p:style>
+        <p:txBody>
+          <a:bodyPr rtlCol="0" anchor="ctr"/>
+          <a:lstStyle/>
+          <a:p>
+            <a:pPr algn="ctr"/>
+            <a:endParaRPr kumimoji="1" lang="ja-JP" altLang="en-US"/>
+          </a:p>
+        </p:txBody>
+      </p:sp>
+      <p:cxnSp>
+        <p:nvCxnSpPr>
+          <p:cNvPr id="49" name="直線矢印コネクタ 48"/>
+          <p:cNvCxnSpPr/>
+          <p:nvPr/>
+        </p:nvCxnSpPr>
+        <p:spPr>
+          <a:xfrm flipH="1">
+            <a:off x="6243580" y="671046"/>
+            <a:ext cx="3126318" cy="862786"/>
+          </a:xfrm>
+          <a:prstGeom prst="straightConnector1">
+            <a:avLst/>
+          </a:prstGeom>
+          <a:ln w="25400">
+            <a:solidFill>
+              <a:srgbClr val="C00000"/>
+            </a:solidFill>
+            <a:tailEnd type="triangle"/>
+          </a:ln>
+        </p:spPr>
+        <p:style>
+          <a:lnRef idx="1">
+            <a:schemeClr val="accent1"/>
+          </a:lnRef>
+          <a:fillRef idx="0">
+            <a:schemeClr val="accent1"/>
+          </a:fillRef>
+          <a:effectRef idx="0">
+            <a:schemeClr val="accent1"/>
+          </a:effectRef>
+          <a:fontRef idx="minor">
+            <a:schemeClr val="tx1"/>
+          </a:fontRef>
+        </p:style>
+      </p:cxnSp>
+      <p:cxnSp>
+        <p:nvCxnSpPr>
+          <p:cNvPr id="50" name="直線矢印コネクタ 49"/>
+          <p:cNvCxnSpPr/>
+          <p:nvPr/>
+        </p:nvCxnSpPr>
+        <p:spPr>
+          <a:xfrm flipH="1">
+            <a:off x="7931732" y="671046"/>
+            <a:ext cx="1425935" cy="2925815"/>
+          </a:xfrm>
+          <a:prstGeom prst="straightConnector1">
+            <a:avLst/>
+          </a:prstGeom>
+          <a:ln w="25400">
+            <a:solidFill>
+              <a:srgbClr val="C00000"/>
+            </a:solidFill>
+            <a:tailEnd type="triangle"/>
+          </a:ln>
+        </p:spPr>
+        <p:style>
+          <a:lnRef idx="1">
+            <a:schemeClr val="accent1"/>
+          </a:lnRef>
+          <a:fillRef idx="0">
+            <a:schemeClr val="accent1"/>
+          </a:fillRef>
+          <a:effectRef idx="0">
+            <a:schemeClr val="accent1"/>
+          </a:effectRef>
+          <a:fontRef idx="minor">
+            <a:schemeClr val="tx1"/>
+          </a:fontRef>
+        </p:style>
+      </p:cxnSp>
+      <p:cxnSp>
+        <p:nvCxnSpPr>
+          <p:cNvPr id="53" name="直線矢印コネクタ 52"/>
+          <p:cNvCxnSpPr/>
+          <p:nvPr/>
+        </p:nvCxnSpPr>
+        <p:spPr>
+          <a:xfrm flipH="1">
+            <a:off x="1796848" y="661337"/>
+            <a:ext cx="7548751" cy="2935524"/>
+          </a:xfrm>
+          <a:prstGeom prst="straightConnector1">
+            <a:avLst/>
+          </a:prstGeom>
+          <a:ln w="25400">
+            <a:solidFill>
+              <a:srgbClr val="C00000"/>
+            </a:solidFill>
+            <a:tailEnd type="triangle"/>
+          </a:ln>
+        </p:spPr>
+        <p:style>
+          <a:lnRef idx="1">
+            <a:schemeClr val="accent1"/>
+          </a:lnRef>
+          <a:fillRef idx="0">
+            <a:schemeClr val="accent1"/>
+          </a:fillRef>
+          <a:effectRef idx="0">
+            <a:schemeClr val="accent1"/>
+          </a:effectRef>
+          <a:fontRef idx="minor">
+            <a:schemeClr val="tx1"/>
+          </a:fontRef>
+        </p:style>
+      </p:cxnSp>
+      <p:cxnSp>
+        <p:nvCxnSpPr>
+          <p:cNvPr id="55" name="直線矢印コネクタ 54"/>
+          <p:cNvCxnSpPr/>
+          <p:nvPr/>
+        </p:nvCxnSpPr>
+        <p:spPr>
+          <a:xfrm flipH="1">
+            <a:off x="5265174" y="661337"/>
+            <a:ext cx="4080425" cy="5237439"/>
+          </a:xfrm>
+          <a:prstGeom prst="straightConnector1">
+            <a:avLst/>
+          </a:prstGeom>
+          <a:ln w="25400">
+            <a:solidFill>
+              <a:srgbClr val="C00000"/>
+            </a:solidFill>
+            <a:tailEnd type="triangle"/>
+          </a:ln>
+        </p:spPr>
+        <p:style>
+          <a:lnRef idx="1">
+            <a:schemeClr val="accent1"/>
+          </a:lnRef>
+          <a:fillRef idx="0">
+            <a:schemeClr val="accent1"/>
+          </a:fillRef>
+          <a:effectRef idx="0">
+            <a:schemeClr val="accent1"/>
+          </a:effectRef>
+          <a:fontRef idx="minor">
+            <a:schemeClr val="tx1"/>
+          </a:fontRef>
+        </p:style>
+      </p:cxnSp>
+      <p:sp>
+        <p:nvSpPr>
+          <p:cNvPr id="57" name="テキスト ボックス 56"/>
+          <p:cNvSpPr txBox="1"/>
+          <p:nvPr/>
+        </p:nvSpPr>
+        <p:spPr>
+          <a:xfrm>
+            <a:off x="9483213" y="265471"/>
+            <a:ext cx="2507226" cy="369332"/>
+          </a:xfrm>
+          <a:prstGeom prst="rect">
+            <a:avLst/>
+          </a:prstGeom>
+          <a:noFill/>
+        </p:spPr>
+        <p:txBody>
+          <a:bodyPr wrap="square" rtlCol="0">
+            <a:spAutoFit/>
+          </a:bodyPr>
+          <a:lstStyle/>
+          <a:p>
+            <a:r>
+              <a:rPr kumimoji="1" lang="en-US" altLang="ja-JP" dirty="0" smtClean="0"/>
+              <a:t>4</a:t>
+            </a:r>
+            <a:r>
+              <a:rPr kumimoji="1" lang="ja-JP" altLang="en-US" dirty="0" err="1" smtClean="0"/>
+              <a:t>つの</a:t>
+            </a:r>
+            <a:r>
+              <a:rPr kumimoji="1" lang="ja-JP" altLang="en-US" dirty="0" smtClean="0"/>
+              <a:t>資源</a:t>
+            </a:r>
+            <a:endParaRPr kumimoji="1" lang="ja-JP" altLang="en-US" dirty="0"/>
+          </a:p>
+        </p:txBody>
+      </p:sp>
+      <p:cxnSp>
+        <p:nvCxnSpPr>
+          <p:cNvPr id="59" name="直線矢印コネクタ 58"/>
+          <p:cNvCxnSpPr/>
+          <p:nvPr/>
+        </p:nvCxnSpPr>
+        <p:spPr>
+          <a:xfrm flipV="1">
+            <a:off x="1194619" y="4224256"/>
+            <a:ext cx="2188208" cy="595285"/>
+          </a:xfrm>
+          <a:prstGeom prst="straightConnector1">
+            <a:avLst/>
+          </a:prstGeom>
+          <a:ln w="25400">
+            <a:solidFill>
+              <a:srgbClr val="7030A0"/>
+            </a:solidFill>
+            <a:tailEnd type="triangle"/>
+          </a:ln>
+        </p:spPr>
+        <p:style>
+          <a:lnRef idx="1">
+            <a:schemeClr val="accent1"/>
+          </a:lnRef>
+          <a:fillRef idx="0">
+            <a:schemeClr val="accent1"/>
+          </a:fillRef>
+          <a:effectRef idx="0">
+            <a:schemeClr val="accent1"/>
+          </a:effectRef>
+          <a:fontRef idx="minor">
+            <a:schemeClr val="tx1"/>
+          </a:fontRef>
+        </p:style>
+      </p:cxnSp>
+      <p:sp>
+        <p:nvSpPr>
+          <p:cNvPr id="60" name="テキスト ボックス 59"/>
+          <p:cNvSpPr txBox="1"/>
+          <p:nvPr/>
+        </p:nvSpPr>
+        <p:spPr>
+          <a:xfrm>
+            <a:off x="633616" y="4206391"/>
+            <a:ext cx="461665" cy="1692385"/>
+          </a:xfrm>
+          <a:prstGeom prst="rect">
+            <a:avLst/>
+          </a:prstGeom>
+          <a:noFill/>
+        </p:spPr>
+        <p:txBody>
+          <a:bodyPr vert="eaVert" wrap="square" rtlCol="0">
+            <a:spAutoFit/>
+          </a:bodyPr>
+          <a:lstStyle/>
+          <a:p>
+            <a:r>
+              <a:rPr kumimoji="1" lang="ja-JP" altLang="en-US" dirty="0" smtClean="0"/>
+              <a:t>なんかの施設</a:t>
+            </a:r>
+            <a:endParaRPr kumimoji="1" lang="ja-JP" altLang="en-US" dirty="0"/>
           </a:p>
         </p:txBody>
       </p:sp>
     </p:spTree>
     <p:extLst>
       <p:ext uri="{BB962C8B-B14F-4D97-AF65-F5344CB8AC3E}">
-        <p14:creationId xmlns:p14="http://schemas.microsoft.com/office/powerpoint/2010/main" val="1616334697"/>
+        <p14:creationId xmlns:p14="http://schemas.microsoft.com/office/powerpoint/2010/main" val="3934425802"/>
       </p:ext>
     </p:extLst>
   </p:cSld>
@@ -6741,6 +6923,393 @@
         </p:nvSpPr>
         <p:spPr>
           <a:xfrm>
+            <a:off x="2092816" y="0"/>
+            <a:ext cx="7655867" cy="923330"/>
+          </a:xfrm>
+          <a:prstGeom prst="rect">
+            <a:avLst/>
+          </a:prstGeom>
+          <a:noFill/>
+        </p:spPr>
+        <p:txBody>
+          <a:bodyPr wrap="square" rtlCol="0">
+            <a:spAutoFit/>
+          </a:bodyPr>
+          <a:lstStyle/>
+          <a:p>
+            <a:pPr algn="ctr"/>
+            <a:r>
+              <a:rPr lang="ja-JP" altLang="en-US" sz="5400" b="1" dirty="0" smtClean="0">
+                <a:solidFill>
+                  <a:srgbClr val="7030A0"/>
+                </a:solidFill>
+              </a:rPr>
+              <a:t>ダンジョン（タワー）</a:t>
+            </a:r>
+            <a:r>
+              <a:rPr kumimoji="1" lang="ja-JP" altLang="en-US" sz="5400" b="1" dirty="0" smtClean="0">
+                <a:solidFill>
+                  <a:srgbClr val="7030A0"/>
+                </a:solidFill>
+              </a:rPr>
+              <a:t>画面</a:t>
+            </a:r>
+            <a:endParaRPr kumimoji="1" lang="ja-JP" altLang="en-US" sz="5400" b="1" dirty="0">
+              <a:solidFill>
+                <a:srgbClr val="7030A0"/>
+              </a:solidFill>
+            </a:endParaRPr>
+          </a:p>
+        </p:txBody>
+      </p:sp>
+      <p:sp>
+        <p:nvSpPr>
+          <p:cNvPr id="3" name="正方形/長方形 2"/>
+          <p:cNvSpPr/>
+          <p:nvPr/>
+        </p:nvSpPr>
+        <p:spPr>
+          <a:xfrm>
+            <a:off x="1429555" y="1262130"/>
+            <a:ext cx="9079606" cy="4180025"/>
+          </a:xfrm>
+          <a:prstGeom prst="rect">
+            <a:avLst/>
+          </a:prstGeom>
+          <a:noFill/>
+          <a:ln>
+            <a:solidFill>
+              <a:schemeClr val="tx1"/>
+            </a:solidFill>
+          </a:ln>
+        </p:spPr>
+        <p:style>
+          <a:lnRef idx="2">
+            <a:schemeClr val="accent1">
+              <a:shade val="50000"/>
+            </a:schemeClr>
+          </a:lnRef>
+          <a:fillRef idx="1">
+            <a:schemeClr val="accent1"/>
+          </a:fillRef>
+          <a:effectRef idx="0">
+            <a:schemeClr val="accent1"/>
+          </a:effectRef>
+          <a:fontRef idx="minor">
+            <a:schemeClr val="lt1"/>
+          </a:fontRef>
+        </p:style>
+        <p:txBody>
+          <a:bodyPr rtlCol="0" anchor="ctr"/>
+          <a:lstStyle/>
+          <a:p>
+            <a:pPr algn="ctr"/>
+            <a:endParaRPr kumimoji="1" lang="ja-JP" altLang="en-US"/>
+          </a:p>
+        </p:txBody>
+      </p:sp>
+      <p:sp>
+        <p:nvSpPr>
+          <p:cNvPr id="5" name="テキスト ボックス 4"/>
+          <p:cNvSpPr txBox="1"/>
+          <p:nvPr/>
+        </p:nvSpPr>
+        <p:spPr>
+          <a:xfrm>
+            <a:off x="4987448" y="1784553"/>
+            <a:ext cx="1578077" cy="369332"/>
+          </a:xfrm>
+          <a:prstGeom prst="rect">
+            <a:avLst/>
+          </a:prstGeom>
+          <a:noFill/>
+        </p:spPr>
+        <p:txBody>
+          <a:bodyPr wrap="square" rtlCol="0">
+            <a:spAutoFit/>
+          </a:bodyPr>
+          <a:lstStyle/>
+          <a:p>
+            <a:r>
+              <a:rPr kumimoji="1" lang="ja-JP" altLang="en-US" dirty="0" smtClean="0"/>
+              <a:t>探索率　</a:t>
+            </a:r>
+            <a:r>
+              <a:rPr kumimoji="1" lang="en-US" altLang="ja-JP" dirty="0" smtClean="0"/>
+              <a:t>60%</a:t>
+            </a:r>
+            <a:endParaRPr kumimoji="1" lang="ja-JP" altLang="en-US" dirty="0"/>
+          </a:p>
+        </p:txBody>
+      </p:sp>
+      <p:cxnSp>
+        <p:nvCxnSpPr>
+          <p:cNvPr id="12" name="直線コネクタ 11"/>
+          <p:cNvCxnSpPr/>
+          <p:nvPr/>
+        </p:nvCxnSpPr>
+        <p:spPr>
+          <a:xfrm>
+            <a:off x="1429555" y="4247535"/>
+            <a:ext cx="9079606" cy="0"/>
+          </a:xfrm>
+          <a:prstGeom prst="line">
+            <a:avLst/>
+          </a:prstGeom>
+          <a:ln w="12700">
+            <a:solidFill>
+              <a:schemeClr val="tx1"/>
+            </a:solidFill>
+          </a:ln>
+        </p:spPr>
+        <p:style>
+          <a:lnRef idx="1">
+            <a:schemeClr val="accent1"/>
+          </a:lnRef>
+          <a:fillRef idx="0">
+            <a:schemeClr val="accent1"/>
+          </a:fillRef>
+          <a:effectRef idx="0">
+            <a:schemeClr val="accent1"/>
+          </a:effectRef>
+          <a:fontRef idx="minor">
+            <a:schemeClr val="tx1"/>
+          </a:fontRef>
+        </p:style>
+      </p:cxnSp>
+      <p:cxnSp>
+        <p:nvCxnSpPr>
+          <p:cNvPr id="14" name="直線コネクタ 13"/>
+          <p:cNvCxnSpPr/>
+          <p:nvPr/>
+        </p:nvCxnSpPr>
+        <p:spPr>
+          <a:xfrm flipH="1">
+            <a:off x="4041058" y="4247535"/>
+            <a:ext cx="2494" cy="1194620"/>
+          </a:xfrm>
+          <a:prstGeom prst="line">
+            <a:avLst/>
+          </a:prstGeom>
+          <a:ln w="12700">
+            <a:solidFill>
+              <a:schemeClr val="tx1"/>
+            </a:solidFill>
+          </a:ln>
+        </p:spPr>
+        <p:style>
+          <a:lnRef idx="1">
+            <a:schemeClr val="accent1"/>
+          </a:lnRef>
+          <a:fillRef idx="0">
+            <a:schemeClr val="accent1"/>
+          </a:fillRef>
+          <a:effectRef idx="0">
+            <a:schemeClr val="accent1"/>
+          </a:effectRef>
+          <a:fontRef idx="minor">
+            <a:schemeClr val="tx1"/>
+          </a:fontRef>
+        </p:style>
+      </p:cxnSp>
+      <p:sp>
+        <p:nvSpPr>
+          <p:cNvPr id="17" name="テキスト ボックス 16"/>
+          <p:cNvSpPr txBox="1"/>
+          <p:nvPr/>
+        </p:nvSpPr>
+        <p:spPr>
+          <a:xfrm>
+            <a:off x="2034031" y="4660179"/>
+            <a:ext cx="1402552" cy="369332"/>
+          </a:xfrm>
+          <a:prstGeom prst="rect">
+            <a:avLst/>
+          </a:prstGeom>
+          <a:noFill/>
+        </p:spPr>
+        <p:txBody>
+          <a:bodyPr wrap="square" rtlCol="0">
+            <a:spAutoFit/>
+          </a:bodyPr>
+          <a:lstStyle/>
+          <a:p>
+            <a:r>
+              <a:rPr kumimoji="1" lang="ja-JP" altLang="en-US" dirty="0" smtClean="0"/>
+              <a:t>コマンド</a:t>
+            </a:r>
+            <a:endParaRPr kumimoji="1" lang="ja-JP" altLang="en-US" dirty="0"/>
+          </a:p>
+        </p:txBody>
+      </p:sp>
+      <p:sp>
+        <p:nvSpPr>
+          <p:cNvPr id="18" name="テキスト ボックス 17"/>
+          <p:cNvSpPr txBox="1"/>
+          <p:nvPr/>
+        </p:nvSpPr>
+        <p:spPr>
+          <a:xfrm>
+            <a:off x="5969358" y="4660179"/>
+            <a:ext cx="1828800" cy="369332"/>
+          </a:xfrm>
+          <a:prstGeom prst="rect">
+            <a:avLst/>
+          </a:prstGeom>
+          <a:noFill/>
+        </p:spPr>
+        <p:txBody>
+          <a:bodyPr wrap="square" rtlCol="0">
+            <a:spAutoFit/>
+          </a:bodyPr>
+          <a:lstStyle/>
+          <a:p>
+            <a:r>
+              <a:rPr kumimoji="1" lang="ja-JP" altLang="en-US" dirty="0" smtClean="0"/>
+              <a:t>ユニットデータ</a:t>
+            </a:r>
+            <a:endParaRPr kumimoji="1" lang="ja-JP" altLang="en-US" dirty="0"/>
+          </a:p>
+        </p:txBody>
+      </p:sp>
+      <p:sp>
+        <p:nvSpPr>
+          <p:cNvPr id="19" name="正方形/長方形 18"/>
+          <p:cNvSpPr/>
+          <p:nvPr/>
+        </p:nvSpPr>
+        <p:spPr>
+          <a:xfrm>
+            <a:off x="4368015" y="2325052"/>
+            <a:ext cx="1925807" cy="335265"/>
+          </a:xfrm>
+          <a:prstGeom prst="rect">
+            <a:avLst/>
+          </a:prstGeom>
+          <a:solidFill>
+            <a:schemeClr val="accent2">
+              <a:lumMod val="75000"/>
+            </a:schemeClr>
+          </a:solidFill>
+          <a:ln>
+            <a:solidFill>
+              <a:schemeClr val="accent2">
+                <a:lumMod val="75000"/>
+              </a:schemeClr>
+            </a:solidFill>
+          </a:ln>
+        </p:spPr>
+        <p:style>
+          <a:lnRef idx="2">
+            <a:schemeClr val="accent1">
+              <a:shade val="50000"/>
+            </a:schemeClr>
+          </a:lnRef>
+          <a:fillRef idx="1">
+            <a:schemeClr val="accent1"/>
+          </a:fillRef>
+          <a:effectRef idx="0">
+            <a:schemeClr val="accent1"/>
+          </a:effectRef>
+          <a:fontRef idx="minor">
+            <a:schemeClr val="lt1"/>
+          </a:fontRef>
+        </p:style>
+        <p:txBody>
+          <a:bodyPr rtlCol="0" anchor="ctr"/>
+          <a:lstStyle/>
+          <a:p>
+            <a:pPr algn="ctr"/>
+            <a:endParaRPr kumimoji="1" lang="ja-JP" altLang="en-US"/>
+          </a:p>
+        </p:txBody>
+      </p:sp>
+      <p:sp>
+        <p:nvSpPr>
+          <p:cNvPr id="20" name="正方形/長方形 19"/>
+          <p:cNvSpPr/>
+          <p:nvPr/>
+        </p:nvSpPr>
+        <p:spPr>
+          <a:xfrm>
+            <a:off x="6298599" y="2325051"/>
+            <a:ext cx="839620" cy="335265"/>
+          </a:xfrm>
+          <a:prstGeom prst="rect">
+            <a:avLst/>
+          </a:prstGeom>
+          <a:noFill/>
+          <a:ln>
+            <a:solidFill>
+              <a:schemeClr val="accent2">
+                <a:lumMod val="75000"/>
+              </a:schemeClr>
+            </a:solidFill>
+          </a:ln>
+        </p:spPr>
+        <p:style>
+          <a:lnRef idx="2">
+            <a:schemeClr val="accent1">
+              <a:shade val="50000"/>
+            </a:schemeClr>
+          </a:lnRef>
+          <a:fillRef idx="1">
+            <a:schemeClr val="accent1"/>
+          </a:fillRef>
+          <a:effectRef idx="0">
+            <a:schemeClr val="accent1"/>
+          </a:effectRef>
+          <a:fontRef idx="minor">
+            <a:schemeClr val="lt1"/>
+          </a:fontRef>
+        </p:style>
+        <p:txBody>
+          <a:bodyPr rtlCol="0" anchor="ctr"/>
+          <a:lstStyle/>
+          <a:p>
+            <a:pPr algn="ctr"/>
+            <a:endParaRPr kumimoji="1" lang="ja-JP" altLang="en-US"/>
+          </a:p>
+        </p:txBody>
+      </p:sp>
+    </p:spTree>
+    <p:extLst>
+      <p:ext uri="{BB962C8B-B14F-4D97-AF65-F5344CB8AC3E}">
+        <p14:creationId xmlns:p14="http://schemas.microsoft.com/office/powerpoint/2010/main" val="1616334697"/>
+      </p:ext>
+    </p:extLst>
+  </p:cSld>
+  <p:clrMapOvr>
+    <a:masterClrMapping/>
+  </p:clrMapOvr>
+</p:sld>
+</file>
+
+<file path=ppt/slides/slide6.xml><?xml version="1.0" encoding="utf-8"?>
+<p:sld xmlns:a="http://schemas.openxmlformats.org/drawingml/2006/main" xmlns:r="http://schemas.openxmlformats.org/officeDocument/2006/relationships" xmlns:p="http://schemas.openxmlformats.org/presentationml/2006/main">
+  <p:cSld>
+    <p:spTree>
+      <p:nvGrpSpPr>
+        <p:cNvPr id="1" name=""/>
+        <p:cNvGrpSpPr/>
+        <p:nvPr/>
+      </p:nvGrpSpPr>
+      <p:grpSpPr>
+        <a:xfrm>
+          <a:off x="0" y="0"/>
+          <a:ext cx="0" cy="0"/>
+          <a:chOff x="0" y="0"/>
+          <a:chExt cx="0" cy="0"/>
+        </a:xfrm>
+      </p:grpSpPr>
+      <p:sp>
+        <p:nvSpPr>
+          <p:cNvPr id="2" name="テキスト ボックス 1"/>
+          <p:cNvSpPr txBox="1"/>
+          <p:nvPr/>
+        </p:nvSpPr>
+        <p:spPr>
+          <a:xfrm>
             <a:off x="1411169" y="0"/>
             <a:ext cx="9779636" cy="923330"/>
           </a:xfrm>
@@ -7550,7 +8119,7 @@
 </p:sld>
 </file>
 
-<file path=ppt/slides/slide6.xml><?xml version="1.0" encoding="utf-8"?>
+<file path=ppt/slides/slide7.xml><?xml version="1.0" encoding="utf-8"?>
 <p:sld xmlns:a="http://schemas.openxmlformats.org/drawingml/2006/main" xmlns:r="http://schemas.openxmlformats.org/officeDocument/2006/relationships" xmlns:p="http://schemas.openxmlformats.org/presentationml/2006/main">
   <p:cSld>
     <p:spTree>

--- a/design/ゲーム画面設計.pptx
+++ b/design/ゲーム画面設計.pptx
@@ -197,7 +197,7 @@
           <a:p>
             <a:fld id="{C1D057B1-392F-4EA3-A98E-DCD6DB5AF2D7}" type="datetimeFigureOut">
               <a:rPr kumimoji="1" lang="ja-JP" altLang="en-US" smtClean="0"/>
-              <a:t>2013/12/31</a:t>
+              <a:t>2014/1/4</a:t>
             </a:fld>
             <a:endParaRPr kumimoji="1" lang="ja-JP" altLang="en-US"/>
           </a:p>
@@ -543,15 +543,23 @@
           <a:p>
             <a:r>
               <a:rPr kumimoji="1" lang="ja-JP" altLang="en-US" dirty="0" smtClean="0"/>
-              <a:t>実際は</a:t>
+              <a:t>実際</a:t>
+            </a:r>
+            <a:r>
+              <a:rPr kumimoji="1" lang="ja-JP" altLang="en-US" dirty="0" smtClean="0"/>
+              <a:t>は</a:t>
             </a:r>
             <a:r>
               <a:rPr kumimoji="1" lang="en-US" altLang="ja-JP" dirty="0" smtClean="0"/>
-              <a:t>5×5</a:t>
-            </a:r>
-            <a:r>
-              <a:rPr kumimoji="1" lang="ja-JP" altLang="en-US" smtClean="0"/>
-              <a:t>の領地にしたい。</a:t>
+              <a:t>15×15</a:t>
+            </a:r>
+            <a:r>
+              <a:rPr kumimoji="1" lang="ja-JP" altLang="en-US" dirty="0" err="1" smtClean="0"/>
+              <a:t>のに</a:t>
+            </a:r>
+            <a:r>
+              <a:rPr kumimoji="1" lang="ja-JP" altLang="en-US" smtClean="0"/>
+              <a:t>する予定。</a:t>
             </a:r>
             <a:endParaRPr kumimoji="1" lang="ja-JP" altLang="en-US" dirty="0"/>
           </a:p>
@@ -724,7 +732,7 @@
           <a:p>
             <a:fld id="{DB526660-F677-44CC-876D-331CADDE51A8}" type="datetimeFigureOut">
               <a:rPr kumimoji="1" lang="ja-JP" altLang="en-US" smtClean="0"/>
-              <a:t>2013/12/31</a:t>
+              <a:t>2014/1/4</a:t>
             </a:fld>
             <a:endParaRPr kumimoji="1" lang="ja-JP" altLang="en-US"/>
           </a:p>
@@ -926,7 +934,7 @@
           <a:p>
             <a:fld id="{DB526660-F677-44CC-876D-331CADDE51A8}" type="datetimeFigureOut">
               <a:rPr kumimoji="1" lang="ja-JP" altLang="en-US" smtClean="0"/>
-              <a:t>2013/12/31</a:t>
+              <a:t>2014/1/4</a:t>
             </a:fld>
             <a:endParaRPr kumimoji="1" lang="ja-JP" altLang="en-US"/>
           </a:p>
@@ -1138,7 +1146,7 @@
           <a:p>
             <a:fld id="{DB526660-F677-44CC-876D-331CADDE51A8}" type="datetimeFigureOut">
               <a:rPr kumimoji="1" lang="ja-JP" altLang="en-US" smtClean="0"/>
-              <a:t>2013/12/31</a:t>
+              <a:t>2014/1/4</a:t>
             </a:fld>
             <a:endParaRPr kumimoji="1" lang="ja-JP" altLang="en-US"/>
           </a:p>
@@ -1340,7 +1348,7 @@
           <a:p>
             <a:fld id="{DB526660-F677-44CC-876D-331CADDE51A8}" type="datetimeFigureOut">
               <a:rPr kumimoji="1" lang="ja-JP" altLang="en-US" smtClean="0"/>
-              <a:t>2013/12/31</a:t>
+              <a:t>2014/1/4</a:t>
             </a:fld>
             <a:endParaRPr kumimoji="1" lang="ja-JP" altLang="en-US"/>
           </a:p>
@@ -1586,7 +1594,7 @@
           <a:p>
             <a:fld id="{DB526660-F677-44CC-876D-331CADDE51A8}" type="datetimeFigureOut">
               <a:rPr kumimoji="1" lang="ja-JP" altLang="en-US" smtClean="0"/>
-              <a:t>2013/12/31</a:t>
+              <a:t>2014/1/4</a:t>
             </a:fld>
             <a:endParaRPr kumimoji="1" lang="ja-JP" altLang="en-US"/>
           </a:p>
@@ -1882,7 +1890,7 @@
           <a:p>
             <a:fld id="{DB526660-F677-44CC-876D-331CADDE51A8}" type="datetimeFigureOut">
               <a:rPr kumimoji="1" lang="ja-JP" altLang="en-US" smtClean="0"/>
-              <a:t>2013/12/31</a:t>
+              <a:t>2014/1/4</a:t>
             </a:fld>
             <a:endParaRPr kumimoji="1" lang="ja-JP" altLang="en-US"/>
           </a:p>
@@ -2313,7 +2321,7 @@
           <a:p>
             <a:fld id="{DB526660-F677-44CC-876D-331CADDE51A8}" type="datetimeFigureOut">
               <a:rPr kumimoji="1" lang="ja-JP" altLang="en-US" smtClean="0"/>
-              <a:t>2013/12/31</a:t>
+              <a:t>2014/1/4</a:t>
             </a:fld>
             <a:endParaRPr kumimoji="1" lang="ja-JP" altLang="en-US"/>
           </a:p>
@@ -2431,7 +2439,7 @@
           <a:p>
             <a:fld id="{DB526660-F677-44CC-876D-331CADDE51A8}" type="datetimeFigureOut">
               <a:rPr kumimoji="1" lang="ja-JP" altLang="en-US" smtClean="0"/>
-              <a:t>2013/12/31</a:t>
+              <a:t>2014/1/4</a:t>
             </a:fld>
             <a:endParaRPr kumimoji="1" lang="ja-JP" altLang="en-US"/>
           </a:p>
@@ -2526,7 +2534,7 @@
           <a:p>
             <a:fld id="{DB526660-F677-44CC-876D-331CADDE51A8}" type="datetimeFigureOut">
               <a:rPr kumimoji="1" lang="ja-JP" altLang="en-US" smtClean="0"/>
-              <a:t>2013/12/31</a:t>
+              <a:t>2014/1/4</a:t>
             </a:fld>
             <a:endParaRPr kumimoji="1" lang="ja-JP" altLang="en-US"/>
           </a:p>
@@ -2835,7 +2843,7 @@
           <a:p>
             <a:fld id="{DB526660-F677-44CC-876D-331CADDE51A8}" type="datetimeFigureOut">
               <a:rPr kumimoji="1" lang="ja-JP" altLang="en-US" smtClean="0"/>
-              <a:t>2013/12/31</a:t>
+              <a:t>2014/1/4</a:t>
             </a:fld>
             <a:endParaRPr kumimoji="1" lang="ja-JP" altLang="en-US"/>
           </a:p>
@@ -3088,7 +3096,7 @@
           <a:p>
             <a:fld id="{DB526660-F677-44CC-876D-331CADDE51A8}" type="datetimeFigureOut">
               <a:rPr kumimoji="1" lang="ja-JP" altLang="en-US" smtClean="0"/>
-              <a:t>2013/12/31</a:t>
+              <a:t>2014/1/4</a:t>
             </a:fld>
             <a:endParaRPr kumimoji="1" lang="ja-JP" altLang="en-US"/>
           </a:p>
@@ -3333,7 +3341,7 @@
           <a:p>
             <a:fld id="{DB526660-F677-44CC-876D-331CADDE51A8}" type="datetimeFigureOut">
               <a:rPr kumimoji="1" lang="ja-JP" altLang="en-US" smtClean="0"/>
-              <a:t>2013/12/31</a:t>
+              <a:t>2014/1/4</a:t>
             </a:fld>
             <a:endParaRPr kumimoji="1" lang="ja-JP" altLang="en-US"/>
           </a:p>
@@ -3762,12 +3770,20 @@
           <a:p>
             <a:pPr algn="ctr"/>
             <a:r>
+              <a:rPr lang="ja-JP" altLang="en-US" sz="4800" b="1" dirty="0">
+                <a:solidFill>
+                  <a:srgbClr val="7030A0"/>
+                </a:solidFill>
+              </a:rPr>
+              <a:t>ゲーム</a:t>
+            </a:r>
+            <a:r>
               <a:rPr kumimoji="1" lang="ja-JP" altLang="en-US" sz="4800" b="1" dirty="0" smtClean="0">
                 <a:solidFill>
                   <a:srgbClr val="7030A0"/>
                 </a:solidFill>
               </a:rPr>
-              <a:t>トップ画面</a:t>
+              <a:t>画面</a:t>
             </a:r>
             <a:endParaRPr kumimoji="1" lang="ja-JP" altLang="en-US" sz="4800" b="1" dirty="0">
               <a:solidFill>
@@ -3777,533 +3793,16 @@
           </a:p>
         </p:txBody>
       </p:sp>
-      <p:cxnSp>
-        <p:nvCxnSpPr>
-          <p:cNvPr id="6" name="直線コネクタ 5"/>
-          <p:cNvCxnSpPr/>
+      <p:sp>
+        <p:nvSpPr>
+          <p:cNvPr id="28" name="正方形/長方形 27"/>
+          <p:cNvSpPr/>
           <p:nvPr/>
-        </p:nvCxnSpPr>
-        <p:spPr>
-          <a:xfrm flipV="1">
-            <a:off x="2262356" y="1499233"/>
-            <a:ext cx="2264228" cy="2960914"/>
-          </a:xfrm>
-          <a:prstGeom prst="line">
-            <a:avLst/>
-          </a:prstGeom>
-          <a:ln>
-            <a:solidFill>
-              <a:schemeClr val="tx1"/>
-            </a:solidFill>
-          </a:ln>
-        </p:spPr>
-        <p:style>
-          <a:lnRef idx="1">
-            <a:schemeClr val="accent1"/>
-          </a:lnRef>
-          <a:fillRef idx="0">
-            <a:schemeClr val="accent1"/>
-          </a:fillRef>
-          <a:effectRef idx="0">
-            <a:schemeClr val="accent1"/>
-          </a:effectRef>
-          <a:fontRef idx="minor">
-            <a:schemeClr val="tx1"/>
-          </a:fontRef>
-        </p:style>
-      </p:cxnSp>
-      <p:cxnSp>
-        <p:nvCxnSpPr>
-          <p:cNvPr id="7" name="直線コネクタ 6"/>
-          <p:cNvCxnSpPr/>
-          <p:nvPr/>
-        </p:nvCxnSpPr>
-        <p:spPr>
-          <a:xfrm flipV="1">
-            <a:off x="7492181" y="3599356"/>
-            <a:ext cx="2264228" cy="2960914"/>
-          </a:xfrm>
-          <a:prstGeom prst="line">
-            <a:avLst/>
-          </a:prstGeom>
-          <a:ln>
-            <a:solidFill>
-              <a:schemeClr val="tx1"/>
-            </a:solidFill>
-          </a:ln>
-        </p:spPr>
-        <p:style>
-          <a:lnRef idx="1">
-            <a:schemeClr val="accent1"/>
-          </a:lnRef>
-          <a:fillRef idx="0">
-            <a:schemeClr val="accent1"/>
-          </a:fillRef>
-          <a:effectRef idx="0">
-            <a:schemeClr val="accent1"/>
-          </a:effectRef>
-          <a:fontRef idx="minor">
-            <a:schemeClr val="tx1"/>
-          </a:fontRef>
-        </p:style>
-      </p:cxnSp>
-      <p:cxnSp>
-        <p:nvCxnSpPr>
-          <p:cNvPr id="8" name="直線コネクタ 7"/>
-          <p:cNvCxnSpPr/>
-          <p:nvPr/>
-        </p:nvCxnSpPr>
+        </p:nvSpPr>
         <p:spPr>
           <a:xfrm>
-            <a:off x="2262356" y="4460147"/>
-            <a:ext cx="5229825" cy="2100123"/>
-          </a:xfrm>
-          <a:prstGeom prst="line">
-            <a:avLst/>
-          </a:prstGeom>
-          <a:ln>
-            <a:solidFill>
-              <a:schemeClr val="tx1"/>
-            </a:solidFill>
-          </a:ln>
-        </p:spPr>
-        <p:style>
-          <a:lnRef idx="1">
-            <a:schemeClr val="accent1"/>
-          </a:lnRef>
-          <a:fillRef idx="0">
-            <a:schemeClr val="accent1"/>
-          </a:fillRef>
-          <a:effectRef idx="0">
-            <a:schemeClr val="accent1"/>
-          </a:effectRef>
-          <a:fontRef idx="minor">
-            <a:schemeClr val="tx1"/>
-          </a:fontRef>
-        </p:style>
-      </p:cxnSp>
-      <p:cxnSp>
-        <p:nvCxnSpPr>
-          <p:cNvPr id="13" name="直線コネクタ 12"/>
-          <p:cNvCxnSpPr/>
-          <p:nvPr/>
-        </p:nvCxnSpPr>
-        <p:spPr>
-          <a:xfrm>
-            <a:off x="4526584" y="1499233"/>
-            <a:ext cx="5229825" cy="2100123"/>
-          </a:xfrm>
-          <a:prstGeom prst="line">
-            <a:avLst/>
-          </a:prstGeom>
-          <a:ln>
-            <a:solidFill>
-              <a:schemeClr val="tx1"/>
-            </a:solidFill>
-          </a:ln>
-        </p:spPr>
-        <p:style>
-          <a:lnRef idx="1">
-            <a:schemeClr val="accent1"/>
-          </a:lnRef>
-          <a:fillRef idx="0">
-            <a:schemeClr val="accent1"/>
-          </a:fillRef>
-          <a:effectRef idx="0">
-            <a:schemeClr val="accent1"/>
-          </a:effectRef>
-          <a:fontRef idx="minor">
-            <a:schemeClr val="tx1"/>
-          </a:fontRef>
-        </p:style>
-      </p:cxnSp>
-      <p:cxnSp>
-        <p:nvCxnSpPr>
-          <p:cNvPr id="14" name="直線コネクタ 13"/>
-          <p:cNvCxnSpPr/>
-          <p:nvPr/>
-        </p:nvCxnSpPr>
-        <p:spPr>
-          <a:xfrm flipV="1">
-            <a:off x="6565608" y="3220814"/>
-            <a:ext cx="2264228" cy="2960914"/>
-          </a:xfrm>
-          <a:prstGeom prst="line">
-            <a:avLst/>
-          </a:prstGeom>
-          <a:ln>
-            <a:solidFill>
-              <a:schemeClr val="tx1"/>
-            </a:solidFill>
-          </a:ln>
-        </p:spPr>
-        <p:style>
-          <a:lnRef idx="1">
-            <a:schemeClr val="accent1"/>
-          </a:lnRef>
-          <a:fillRef idx="0">
-            <a:schemeClr val="accent1"/>
-          </a:fillRef>
-          <a:effectRef idx="0">
-            <a:schemeClr val="accent1"/>
-          </a:effectRef>
-          <a:fontRef idx="minor">
-            <a:schemeClr val="tx1"/>
-          </a:fontRef>
-        </p:style>
-      </p:cxnSp>
-      <p:cxnSp>
-        <p:nvCxnSpPr>
-          <p:cNvPr id="15" name="直線コネクタ 14"/>
-          <p:cNvCxnSpPr/>
-          <p:nvPr/>
-        </p:nvCxnSpPr>
-        <p:spPr>
-          <a:xfrm flipV="1">
-            <a:off x="5707393" y="2842272"/>
-            <a:ext cx="2264228" cy="2960914"/>
-          </a:xfrm>
-          <a:prstGeom prst="line">
-            <a:avLst/>
-          </a:prstGeom>
-          <a:ln>
-            <a:solidFill>
-              <a:schemeClr val="tx1"/>
-            </a:solidFill>
-          </a:ln>
-        </p:spPr>
-        <p:style>
-          <a:lnRef idx="1">
-            <a:schemeClr val="accent1"/>
-          </a:lnRef>
-          <a:fillRef idx="0">
-            <a:schemeClr val="accent1"/>
-          </a:fillRef>
-          <a:effectRef idx="0">
-            <a:schemeClr val="accent1"/>
-          </a:effectRef>
-          <a:fontRef idx="minor">
-            <a:schemeClr val="tx1"/>
-          </a:fontRef>
-        </p:style>
-      </p:cxnSp>
-      <p:cxnSp>
-        <p:nvCxnSpPr>
-          <p:cNvPr id="16" name="直線コネクタ 15"/>
-          <p:cNvCxnSpPr/>
-          <p:nvPr/>
-        </p:nvCxnSpPr>
-        <p:spPr>
-          <a:xfrm flipV="1">
-            <a:off x="4920813" y="2509497"/>
-            <a:ext cx="2264228" cy="2960914"/>
-          </a:xfrm>
-          <a:prstGeom prst="line">
-            <a:avLst/>
-          </a:prstGeom>
-          <a:ln>
-            <a:solidFill>
-              <a:schemeClr val="tx1"/>
-            </a:solidFill>
-          </a:ln>
-        </p:spPr>
-        <p:style>
-          <a:lnRef idx="1">
-            <a:schemeClr val="accent1"/>
-          </a:lnRef>
-          <a:fillRef idx="0">
-            <a:schemeClr val="accent1"/>
-          </a:fillRef>
-          <a:effectRef idx="0">
-            <a:schemeClr val="accent1"/>
-          </a:effectRef>
-          <a:fontRef idx="minor">
-            <a:schemeClr val="tx1"/>
-          </a:fontRef>
-        </p:style>
-      </p:cxnSp>
-      <p:cxnSp>
-        <p:nvCxnSpPr>
-          <p:cNvPr id="17" name="直線コネクタ 16"/>
-          <p:cNvCxnSpPr/>
-          <p:nvPr/>
-        </p:nvCxnSpPr>
-        <p:spPr>
-          <a:xfrm flipV="1">
-            <a:off x="3931968" y="2161447"/>
-            <a:ext cx="2264228" cy="2960914"/>
-          </a:xfrm>
-          <a:prstGeom prst="line">
-            <a:avLst/>
-          </a:prstGeom>
-          <a:ln>
-            <a:solidFill>
-              <a:schemeClr val="tx1"/>
-            </a:solidFill>
-          </a:ln>
-        </p:spPr>
-        <p:style>
-          <a:lnRef idx="1">
-            <a:schemeClr val="accent1"/>
-          </a:lnRef>
-          <a:fillRef idx="0">
-            <a:schemeClr val="accent1"/>
-          </a:fillRef>
-          <a:effectRef idx="0">
-            <a:schemeClr val="accent1"/>
-          </a:effectRef>
-          <a:fontRef idx="minor">
-            <a:schemeClr val="tx1"/>
-          </a:fontRef>
-        </p:style>
-      </p:cxnSp>
-      <p:cxnSp>
-        <p:nvCxnSpPr>
-          <p:cNvPr id="18" name="直線コネクタ 17"/>
-          <p:cNvCxnSpPr/>
-          <p:nvPr/>
-        </p:nvCxnSpPr>
-        <p:spPr>
-          <a:xfrm flipV="1">
-            <a:off x="3048936" y="1813397"/>
-            <a:ext cx="2264228" cy="2960914"/>
-          </a:xfrm>
-          <a:prstGeom prst="line">
-            <a:avLst/>
-          </a:prstGeom>
-          <a:ln>
-            <a:solidFill>
-              <a:schemeClr val="tx1"/>
-            </a:solidFill>
-          </a:ln>
-        </p:spPr>
-        <p:style>
-          <a:lnRef idx="1">
-            <a:schemeClr val="accent1"/>
-          </a:lnRef>
-          <a:fillRef idx="0">
-            <a:schemeClr val="accent1"/>
-          </a:fillRef>
-          <a:effectRef idx="0">
-            <a:schemeClr val="accent1"/>
-          </a:effectRef>
-          <a:fontRef idx="minor">
-            <a:schemeClr val="tx1"/>
-          </a:fontRef>
-        </p:style>
-      </p:cxnSp>
-      <p:cxnSp>
-        <p:nvCxnSpPr>
-          <p:cNvPr id="19" name="直線コネクタ 18"/>
-          <p:cNvCxnSpPr/>
-          <p:nvPr/>
-        </p:nvCxnSpPr>
-        <p:spPr>
-          <a:xfrm>
-            <a:off x="3950695" y="2169056"/>
-            <a:ext cx="5229825" cy="2100123"/>
-          </a:xfrm>
-          <a:prstGeom prst="line">
-            <a:avLst/>
-          </a:prstGeom>
-          <a:ln>
-            <a:solidFill>
-              <a:schemeClr val="tx1"/>
-            </a:solidFill>
-          </a:ln>
-        </p:spPr>
-        <p:style>
-          <a:lnRef idx="1">
-            <a:schemeClr val="accent1"/>
-          </a:lnRef>
-          <a:fillRef idx="0">
-            <a:schemeClr val="accent1"/>
-          </a:fillRef>
-          <a:effectRef idx="0">
-            <a:schemeClr val="accent1"/>
-          </a:effectRef>
-          <a:fontRef idx="minor">
-            <a:schemeClr val="tx1"/>
-          </a:fontRef>
-        </p:style>
-      </p:cxnSp>
-      <p:cxnSp>
-        <p:nvCxnSpPr>
-          <p:cNvPr id="20" name="直線コネクタ 19"/>
-          <p:cNvCxnSpPr/>
-          <p:nvPr/>
-        </p:nvCxnSpPr>
-        <p:spPr>
-          <a:xfrm>
-            <a:off x="3470086" y="2904953"/>
-            <a:ext cx="5229825" cy="2100123"/>
-          </a:xfrm>
-          <a:prstGeom prst="line">
-            <a:avLst/>
-          </a:prstGeom>
-          <a:ln>
-            <a:solidFill>
-              <a:schemeClr val="tx1"/>
-            </a:solidFill>
-          </a:ln>
-        </p:spPr>
-        <p:style>
-          <a:lnRef idx="1">
-            <a:schemeClr val="accent1"/>
-          </a:lnRef>
-          <a:fillRef idx="0">
-            <a:schemeClr val="accent1"/>
-          </a:fillRef>
-          <a:effectRef idx="0">
-            <a:schemeClr val="accent1"/>
-          </a:effectRef>
-          <a:fontRef idx="minor">
-            <a:schemeClr val="tx1"/>
-          </a:fontRef>
-        </p:style>
-      </p:cxnSp>
-      <p:cxnSp>
-        <p:nvCxnSpPr>
-          <p:cNvPr id="21" name="直線コネクタ 20"/>
-          <p:cNvCxnSpPr/>
-          <p:nvPr/>
-        </p:nvCxnSpPr>
-        <p:spPr>
-          <a:xfrm>
-            <a:off x="2931183" y="3680737"/>
-            <a:ext cx="5229825" cy="2100123"/>
-          </a:xfrm>
-          <a:prstGeom prst="line">
-            <a:avLst/>
-          </a:prstGeom>
-          <a:ln>
-            <a:solidFill>
-              <a:schemeClr val="tx1"/>
-            </a:solidFill>
-          </a:ln>
-        </p:spPr>
-        <p:style>
-          <a:lnRef idx="1">
-            <a:schemeClr val="accent1"/>
-          </a:lnRef>
-          <a:fillRef idx="0">
-            <a:schemeClr val="accent1"/>
-          </a:fillRef>
-          <a:effectRef idx="0">
-            <a:schemeClr val="accent1"/>
-          </a:effectRef>
-          <a:fontRef idx="minor">
-            <a:schemeClr val="tx1"/>
-          </a:fontRef>
-        </p:style>
-      </p:cxnSp>
-      <p:sp>
-        <p:nvSpPr>
-          <p:cNvPr id="22" name="テキスト ボックス 21"/>
-          <p:cNvSpPr txBox="1"/>
-          <p:nvPr/>
-        </p:nvSpPr>
-        <p:spPr>
-          <a:xfrm>
-            <a:off x="5508405" y="3270232"/>
-            <a:ext cx="943897" cy="369332"/>
-          </a:xfrm>
-          <a:prstGeom prst="rect">
-            <a:avLst/>
-          </a:prstGeom>
-          <a:noFill/>
-        </p:spPr>
-        <p:txBody>
-          <a:bodyPr wrap="square" rtlCol="0">
-            <a:spAutoFit/>
-          </a:bodyPr>
-          <a:lstStyle/>
-          <a:p>
-            <a:r>
-              <a:rPr kumimoji="1" lang="ja-JP" altLang="en-US" dirty="0" smtClean="0"/>
-              <a:t>役場</a:t>
-            </a:r>
-            <a:endParaRPr kumimoji="1" lang="ja-JP" altLang="en-US" dirty="0"/>
-          </a:p>
-        </p:txBody>
-      </p:sp>
-      <p:cxnSp>
-        <p:nvCxnSpPr>
-          <p:cNvPr id="24" name="直線矢印コネクタ 23"/>
-          <p:cNvCxnSpPr/>
-          <p:nvPr/>
-        </p:nvCxnSpPr>
-        <p:spPr>
-          <a:xfrm>
-            <a:off x="2403988" y="2842272"/>
-            <a:ext cx="1887793" cy="960049"/>
-          </a:xfrm>
-          <a:prstGeom prst="straightConnector1">
-            <a:avLst/>
-          </a:prstGeom>
-          <a:ln w="25400">
-            <a:tailEnd type="triangle"/>
-          </a:ln>
-        </p:spPr>
-        <p:style>
-          <a:lnRef idx="1">
-            <a:schemeClr val="accent1"/>
-          </a:lnRef>
-          <a:fillRef idx="0">
-            <a:schemeClr val="accent1"/>
-          </a:fillRef>
-          <a:effectRef idx="0">
-            <a:schemeClr val="accent1"/>
-          </a:effectRef>
-          <a:fontRef idx="minor">
-            <a:schemeClr val="tx1"/>
-          </a:fontRef>
-        </p:style>
-      </p:cxnSp>
-      <p:sp>
-        <p:nvSpPr>
-          <p:cNvPr id="26" name="テキスト ボックス 25"/>
-          <p:cNvSpPr txBox="1"/>
-          <p:nvPr/>
-        </p:nvSpPr>
-        <p:spPr>
-          <a:xfrm>
-            <a:off x="1206582" y="2408868"/>
-            <a:ext cx="1409714" cy="646331"/>
-          </a:xfrm>
-          <a:prstGeom prst="rect">
-            <a:avLst/>
-          </a:prstGeom>
-          <a:noFill/>
-        </p:spPr>
-        <p:txBody>
-          <a:bodyPr wrap="square" rtlCol="0">
-            <a:spAutoFit/>
-          </a:bodyPr>
-          <a:lstStyle/>
-          <a:p>
-            <a:r>
-              <a:rPr lang="ja-JP" altLang="en-US" dirty="0"/>
-              <a:t>色々施設を建てて</a:t>
-            </a:r>
-            <a:r>
-              <a:rPr lang="ja-JP" altLang="en-US" dirty="0" smtClean="0"/>
-              <a:t>いく</a:t>
-            </a:r>
-            <a:endParaRPr lang="ja-JP" altLang="en-US" dirty="0"/>
-          </a:p>
-        </p:txBody>
-      </p:sp>
-      <p:sp>
-        <p:nvSpPr>
-          <p:cNvPr id="27" name="テキスト ボックス 26"/>
-          <p:cNvSpPr txBox="1"/>
-          <p:nvPr/>
-        </p:nvSpPr>
-        <p:spPr>
-          <a:xfrm>
-            <a:off x="1963409" y="979656"/>
-            <a:ext cx="8465574" cy="369332"/>
+            <a:off x="1919866" y="1232874"/>
+            <a:ext cx="8465574" cy="5361528"/>
           </a:xfrm>
           <a:prstGeom prst="rect">
             <a:avLst/>
@@ -4315,6 +3814,47 @@
             </a:solidFill>
           </a:ln>
         </p:spPr>
+        <p:style>
+          <a:lnRef idx="2">
+            <a:schemeClr val="accent1">
+              <a:shade val="50000"/>
+            </a:schemeClr>
+          </a:lnRef>
+          <a:fillRef idx="1">
+            <a:schemeClr val="accent1"/>
+          </a:fillRef>
+          <a:effectRef idx="0">
+            <a:schemeClr val="accent1"/>
+          </a:effectRef>
+          <a:fontRef idx="minor">
+            <a:schemeClr val="lt1"/>
+          </a:fontRef>
+        </p:style>
+        <p:txBody>
+          <a:bodyPr rtlCol="0" anchor="ctr"/>
+          <a:lstStyle/>
+          <a:p>
+            <a:pPr algn="ctr"/>
+            <a:endParaRPr kumimoji="1" lang="ja-JP" altLang="en-US"/>
+          </a:p>
+        </p:txBody>
+      </p:sp>
+      <p:sp>
+        <p:nvSpPr>
+          <p:cNvPr id="2" name="テキスト ボックス 1"/>
+          <p:cNvSpPr txBox="1"/>
+          <p:nvPr/>
+        </p:nvSpPr>
+        <p:spPr>
+          <a:xfrm>
+            <a:off x="2931886" y="1451429"/>
+            <a:ext cx="6183086" cy="523220"/>
+          </a:xfrm>
+          <a:prstGeom prst="rect">
+            <a:avLst/>
+          </a:prstGeom>
+          <a:noFill/>
+        </p:spPr>
         <p:txBody>
           <a:bodyPr wrap="square" rtlCol="0">
             <a:spAutoFit/>
@@ -4323,23 +3863,968 @@
           <a:p>
             <a:pPr algn="ctr"/>
             <a:r>
-              <a:rPr kumimoji="1" lang="ja-JP" altLang="en-US" dirty="0" smtClean="0"/>
-              <a:t>ステータスバー（人口、小麦、パンなどを表示）</a:t>
-            </a:r>
-            <a:endParaRPr kumimoji="1" lang="ja-JP" altLang="en-US" dirty="0"/>
-          </a:p>
-        </p:txBody>
-      </p:sp>
-      <p:sp>
-        <p:nvSpPr>
-          <p:cNvPr id="28" name="正方形/長方形 27"/>
+              <a:rPr kumimoji="1" lang="ja-JP" altLang="en-US" sz="2800" dirty="0" smtClean="0"/>
+              <a:t>五目並べ</a:t>
+            </a:r>
+            <a:endParaRPr kumimoji="1" lang="ja-JP" altLang="en-US" sz="2800" dirty="0"/>
+          </a:p>
+        </p:txBody>
+      </p:sp>
+      <p:sp>
+        <p:nvSpPr>
+          <p:cNvPr id="3" name="正方形/長方形 2"/>
           <p:cNvSpPr/>
           <p:nvPr/>
         </p:nvSpPr>
         <p:spPr>
           <a:xfrm>
-            <a:off x="1963409" y="1348988"/>
-            <a:ext cx="8465574" cy="5361528"/>
+            <a:off x="4129314" y="2469467"/>
+            <a:ext cx="3492792" cy="2888342"/>
+          </a:xfrm>
+          <a:prstGeom prst="rect">
+            <a:avLst/>
+          </a:prstGeom>
+          <a:noFill/>
+          <a:ln>
+            <a:solidFill>
+              <a:schemeClr val="tx1"/>
+            </a:solidFill>
+          </a:ln>
+        </p:spPr>
+        <p:style>
+          <a:lnRef idx="2">
+            <a:schemeClr val="accent1">
+              <a:shade val="50000"/>
+            </a:schemeClr>
+          </a:lnRef>
+          <a:fillRef idx="1">
+            <a:schemeClr val="accent1"/>
+          </a:fillRef>
+          <a:effectRef idx="0">
+            <a:schemeClr val="accent1"/>
+          </a:effectRef>
+          <a:fontRef idx="minor">
+            <a:schemeClr val="lt1"/>
+          </a:fontRef>
+        </p:style>
+        <p:txBody>
+          <a:bodyPr rtlCol="0" anchor="ctr"/>
+          <a:lstStyle/>
+          <a:p>
+            <a:pPr algn="ctr"/>
+            <a:endParaRPr kumimoji="1" lang="ja-JP" altLang="en-US"/>
+          </a:p>
+        </p:txBody>
+      </p:sp>
+      <p:cxnSp>
+        <p:nvCxnSpPr>
+          <p:cNvPr id="9" name="直線コネクタ 8"/>
+          <p:cNvCxnSpPr/>
+          <p:nvPr/>
+        </p:nvCxnSpPr>
+        <p:spPr>
+          <a:xfrm>
+            <a:off x="4604072" y="2461135"/>
+            <a:ext cx="0" cy="2896674"/>
+          </a:xfrm>
+          <a:prstGeom prst="line">
+            <a:avLst/>
+          </a:prstGeom>
+          <a:ln>
+            <a:solidFill>
+              <a:schemeClr val="tx1"/>
+            </a:solidFill>
+          </a:ln>
+        </p:spPr>
+        <p:style>
+          <a:lnRef idx="1">
+            <a:schemeClr val="accent1"/>
+          </a:lnRef>
+          <a:fillRef idx="0">
+            <a:schemeClr val="accent1"/>
+          </a:fillRef>
+          <a:effectRef idx="0">
+            <a:schemeClr val="accent1"/>
+          </a:effectRef>
+          <a:fontRef idx="minor">
+            <a:schemeClr val="tx1"/>
+          </a:fontRef>
+        </p:style>
+      </p:cxnSp>
+      <p:cxnSp>
+        <p:nvCxnSpPr>
+          <p:cNvPr id="29" name="直線コネクタ 28"/>
+          <p:cNvCxnSpPr/>
+          <p:nvPr/>
+        </p:nvCxnSpPr>
+        <p:spPr>
+          <a:xfrm>
+            <a:off x="5051440" y="2469467"/>
+            <a:ext cx="0" cy="2896674"/>
+          </a:xfrm>
+          <a:prstGeom prst="line">
+            <a:avLst/>
+          </a:prstGeom>
+          <a:ln>
+            <a:solidFill>
+              <a:schemeClr val="tx1"/>
+            </a:solidFill>
+          </a:ln>
+        </p:spPr>
+        <p:style>
+          <a:lnRef idx="1">
+            <a:schemeClr val="accent1"/>
+          </a:lnRef>
+          <a:fillRef idx="0">
+            <a:schemeClr val="accent1"/>
+          </a:fillRef>
+          <a:effectRef idx="0">
+            <a:schemeClr val="accent1"/>
+          </a:effectRef>
+          <a:fontRef idx="minor">
+            <a:schemeClr val="tx1"/>
+          </a:fontRef>
+        </p:style>
+      </p:cxnSp>
+      <p:cxnSp>
+        <p:nvCxnSpPr>
+          <p:cNvPr id="30" name="直線コネクタ 29"/>
+          <p:cNvCxnSpPr/>
+          <p:nvPr/>
+        </p:nvCxnSpPr>
+        <p:spPr>
+          <a:xfrm>
+            <a:off x="5493892" y="2469467"/>
+            <a:ext cx="0" cy="2896674"/>
+          </a:xfrm>
+          <a:prstGeom prst="line">
+            <a:avLst/>
+          </a:prstGeom>
+          <a:ln>
+            <a:solidFill>
+              <a:schemeClr val="tx1"/>
+            </a:solidFill>
+          </a:ln>
+        </p:spPr>
+        <p:style>
+          <a:lnRef idx="1">
+            <a:schemeClr val="accent1"/>
+          </a:lnRef>
+          <a:fillRef idx="0">
+            <a:schemeClr val="accent1"/>
+          </a:fillRef>
+          <a:effectRef idx="0">
+            <a:schemeClr val="accent1"/>
+          </a:effectRef>
+          <a:fontRef idx="minor">
+            <a:schemeClr val="tx1"/>
+          </a:fontRef>
+        </p:style>
+      </p:cxnSp>
+      <p:cxnSp>
+        <p:nvCxnSpPr>
+          <p:cNvPr id="31" name="直線コネクタ 30"/>
+          <p:cNvCxnSpPr/>
+          <p:nvPr/>
+        </p:nvCxnSpPr>
+        <p:spPr>
+          <a:xfrm>
+            <a:off x="5964436" y="2469467"/>
+            <a:ext cx="0" cy="2896674"/>
+          </a:xfrm>
+          <a:prstGeom prst="line">
+            <a:avLst/>
+          </a:prstGeom>
+          <a:ln>
+            <a:solidFill>
+              <a:schemeClr val="tx1"/>
+            </a:solidFill>
+          </a:ln>
+        </p:spPr>
+        <p:style>
+          <a:lnRef idx="1">
+            <a:schemeClr val="accent1"/>
+          </a:lnRef>
+          <a:fillRef idx="0">
+            <a:schemeClr val="accent1"/>
+          </a:fillRef>
+          <a:effectRef idx="0">
+            <a:schemeClr val="accent1"/>
+          </a:effectRef>
+          <a:fontRef idx="minor">
+            <a:schemeClr val="tx1"/>
+          </a:fontRef>
+        </p:style>
+      </p:cxnSp>
+      <p:cxnSp>
+        <p:nvCxnSpPr>
+          <p:cNvPr id="32" name="直線コネクタ 31"/>
+          <p:cNvCxnSpPr/>
+          <p:nvPr/>
+        </p:nvCxnSpPr>
+        <p:spPr>
+          <a:xfrm>
+            <a:off x="6408292" y="2469467"/>
+            <a:ext cx="0" cy="2896674"/>
+          </a:xfrm>
+          <a:prstGeom prst="line">
+            <a:avLst/>
+          </a:prstGeom>
+          <a:ln>
+            <a:solidFill>
+              <a:schemeClr val="tx1"/>
+            </a:solidFill>
+          </a:ln>
+        </p:spPr>
+        <p:style>
+          <a:lnRef idx="1">
+            <a:schemeClr val="accent1"/>
+          </a:lnRef>
+          <a:fillRef idx="0">
+            <a:schemeClr val="accent1"/>
+          </a:fillRef>
+          <a:effectRef idx="0">
+            <a:schemeClr val="accent1"/>
+          </a:effectRef>
+          <a:fontRef idx="minor">
+            <a:schemeClr val="tx1"/>
+          </a:fontRef>
+        </p:style>
+      </p:cxnSp>
+      <p:cxnSp>
+        <p:nvCxnSpPr>
+          <p:cNvPr id="33" name="直線コネクタ 32"/>
+          <p:cNvCxnSpPr/>
+          <p:nvPr/>
+        </p:nvCxnSpPr>
+        <p:spPr>
+          <a:xfrm>
+            <a:off x="6821247" y="2469467"/>
+            <a:ext cx="0" cy="2896674"/>
+          </a:xfrm>
+          <a:prstGeom prst="line">
+            <a:avLst/>
+          </a:prstGeom>
+          <a:ln>
+            <a:solidFill>
+              <a:schemeClr val="tx1"/>
+            </a:solidFill>
+          </a:ln>
+        </p:spPr>
+        <p:style>
+          <a:lnRef idx="1">
+            <a:schemeClr val="accent1"/>
+          </a:lnRef>
+          <a:fillRef idx="0">
+            <a:schemeClr val="accent1"/>
+          </a:fillRef>
+          <a:effectRef idx="0">
+            <a:schemeClr val="accent1"/>
+          </a:effectRef>
+          <a:fontRef idx="minor">
+            <a:schemeClr val="tx1"/>
+          </a:fontRef>
+        </p:style>
+      </p:cxnSp>
+      <p:cxnSp>
+        <p:nvCxnSpPr>
+          <p:cNvPr id="34" name="直線コネクタ 33"/>
+          <p:cNvCxnSpPr/>
+          <p:nvPr/>
+        </p:nvCxnSpPr>
+        <p:spPr>
+          <a:xfrm>
+            <a:off x="7204704" y="2469467"/>
+            <a:ext cx="0" cy="2896674"/>
+          </a:xfrm>
+          <a:prstGeom prst="line">
+            <a:avLst/>
+          </a:prstGeom>
+          <a:ln>
+            <a:solidFill>
+              <a:schemeClr val="tx1"/>
+            </a:solidFill>
+          </a:ln>
+        </p:spPr>
+        <p:style>
+          <a:lnRef idx="1">
+            <a:schemeClr val="accent1"/>
+          </a:lnRef>
+          <a:fillRef idx="0">
+            <a:schemeClr val="accent1"/>
+          </a:fillRef>
+          <a:effectRef idx="0">
+            <a:schemeClr val="accent1"/>
+          </a:effectRef>
+          <a:fontRef idx="minor">
+            <a:schemeClr val="tx1"/>
+          </a:fontRef>
+        </p:style>
+      </p:cxnSp>
+      <p:cxnSp>
+        <p:nvCxnSpPr>
+          <p:cNvPr id="35" name="直線コネクタ 34"/>
+          <p:cNvCxnSpPr/>
+          <p:nvPr/>
+        </p:nvCxnSpPr>
+        <p:spPr>
+          <a:xfrm flipH="1">
+            <a:off x="4129314" y="4913555"/>
+            <a:ext cx="3492792" cy="1"/>
+          </a:xfrm>
+          <a:prstGeom prst="line">
+            <a:avLst/>
+          </a:prstGeom>
+          <a:ln>
+            <a:solidFill>
+              <a:schemeClr val="tx1"/>
+            </a:solidFill>
+          </a:ln>
+        </p:spPr>
+        <p:style>
+          <a:lnRef idx="1">
+            <a:schemeClr val="accent1"/>
+          </a:lnRef>
+          <a:fillRef idx="0">
+            <a:schemeClr val="accent1"/>
+          </a:fillRef>
+          <a:effectRef idx="0">
+            <a:schemeClr val="accent1"/>
+          </a:effectRef>
+          <a:fontRef idx="minor">
+            <a:schemeClr val="tx1"/>
+          </a:fontRef>
+        </p:style>
+      </p:cxnSp>
+      <p:cxnSp>
+        <p:nvCxnSpPr>
+          <p:cNvPr id="41" name="直線コネクタ 40"/>
+          <p:cNvCxnSpPr/>
+          <p:nvPr/>
+        </p:nvCxnSpPr>
+        <p:spPr>
+          <a:xfrm flipH="1">
+            <a:off x="4129314" y="4469302"/>
+            <a:ext cx="3492792" cy="1"/>
+          </a:xfrm>
+          <a:prstGeom prst="line">
+            <a:avLst/>
+          </a:prstGeom>
+          <a:ln>
+            <a:solidFill>
+              <a:schemeClr val="tx1"/>
+            </a:solidFill>
+          </a:ln>
+        </p:spPr>
+        <p:style>
+          <a:lnRef idx="1">
+            <a:schemeClr val="accent1"/>
+          </a:lnRef>
+          <a:fillRef idx="0">
+            <a:schemeClr val="accent1"/>
+          </a:fillRef>
+          <a:effectRef idx="0">
+            <a:schemeClr val="accent1"/>
+          </a:effectRef>
+          <a:fontRef idx="minor">
+            <a:schemeClr val="tx1"/>
+          </a:fontRef>
+        </p:style>
+      </p:cxnSp>
+      <p:cxnSp>
+        <p:nvCxnSpPr>
+          <p:cNvPr id="42" name="直線コネクタ 41"/>
+          <p:cNvCxnSpPr/>
+          <p:nvPr/>
+        </p:nvCxnSpPr>
+        <p:spPr>
+          <a:xfrm flipH="1">
+            <a:off x="4129314" y="4025049"/>
+            <a:ext cx="3492792" cy="1"/>
+          </a:xfrm>
+          <a:prstGeom prst="line">
+            <a:avLst/>
+          </a:prstGeom>
+          <a:ln>
+            <a:solidFill>
+              <a:schemeClr val="tx1"/>
+            </a:solidFill>
+          </a:ln>
+        </p:spPr>
+        <p:style>
+          <a:lnRef idx="1">
+            <a:schemeClr val="accent1"/>
+          </a:lnRef>
+          <a:fillRef idx="0">
+            <a:schemeClr val="accent1"/>
+          </a:fillRef>
+          <a:effectRef idx="0">
+            <a:schemeClr val="accent1"/>
+          </a:effectRef>
+          <a:fontRef idx="minor">
+            <a:schemeClr val="tx1"/>
+          </a:fontRef>
+        </p:style>
+      </p:cxnSp>
+      <p:cxnSp>
+        <p:nvCxnSpPr>
+          <p:cNvPr id="43" name="直線コネクタ 42"/>
+          <p:cNvCxnSpPr/>
+          <p:nvPr/>
+        </p:nvCxnSpPr>
+        <p:spPr>
+          <a:xfrm flipH="1">
+            <a:off x="4160918" y="3646714"/>
+            <a:ext cx="3492792" cy="1"/>
+          </a:xfrm>
+          <a:prstGeom prst="line">
+            <a:avLst/>
+          </a:prstGeom>
+          <a:ln>
+            <a:solidFill>
+              <a:schemeClr val="tx1"/>
+            </a:solidFill>
+          </a:ln>
+        </p:spPr>
+        <p:style>
+          <a:lnRef idx="1">
+            <a:schemeClr val="accent1"/>
+          </a:lnRef>
+          <a:fillRef idx="0">
+            <a:schemeClr val="accent1"/>
+          </a:fillRef>
+          <a:effectRef idx="0">
+            <a:schemeClr val="accent1"/>
+          </a:effectRef>
+          <a:fontRef idx="minor">
+            <a:schemeClr val="tx1"/>
+          </a:fontRef>
+        </p:style>
+      </p:cxnSp>
+      <p:cxnSp>
+        <p:nvCxnSpPr>
+          <p:cNvPr id="44" name="直線コネクタ 43"/>
+          <p:cNvCxnSpPr/>
+          <p:nvPr/>
+        </p:nvCxnSpPr>
+        <p:spPr>
+          <a:xfrm flipH="1">
+            <a:off x="4129314" y="3274448"/>
+            <a:ext cx="3492792" cy="1"/>
+          </a:xfrm>
+          <a:prstGeom prst="line">
+            <a:avLst/>
+          </a:prstGeom>
+          <a:ln>
+            <a:solidFill>
+              <a:schemeClr val="tx1"/>
+            </a:solidFill>
+          </a:ln>
+        </p:spPr>
+        <p:style>
+          <a:lnRef idx="1">
+            <a:schemeClr val="accent1"/>
+          </a:lnRef>
+          <a:fillRef idx="0">
+            <a:schemeClr val="accent1"/>
+          </a:fillRef>
+          <a:effectRef idx="0">
+            <a:schemeClr val="accent1"/>
+          </a:effectRef>
+          <a:fontRef idx="minor">
+            <a:schemeClr val="tx1"/>
+          </a:fontRef>
+        </p:style>
+      </p:cxnSp>
+      <p:cxnSp>
+        <p:nvCxnSpPr>
+          <p:cNvPr id="45" name="直線コネクタ 44"/>
+          <p:cNvCxnSpPr/>
+          <p:nvPr/>
+        </p:nvCxnSpPr>
+        <p:spPr>
+          <a:xfrm flipH="1">
+            <a:off x="4129314" y="2863154"/>
+            <a:ext cx="3492792" cy="1"/>
+          </a:xfrm>
+          <a:prstGeom prst="line">
+            <a:avLst/>
+          </a:prstGeom>
+          <a:ln>
+            <a:solidFill>
+              <a:schemeClr val="tx1"/>
+            </a:solidFill>
+          </a:ln>
+        </p:spPr>
+        <p:style>
+          <a:lnRef idx="1">
+            <a:schemeClr val="accent1"/>
+          </a:lnRef>
+          <a:fillRef idx="0">
+            <a:schemeClr val="accent1"/>
+          </a:fillRef>
+          <a:effectRef idx="0">
+            <a:schemeClr val="accent1"/>
+          </a:effectRef>
+          <a:fontRef idx="minor">
+            <a:schemeClr val="tx1"/>
+          </a:fontRef>
+        </p:style>
+      </p:cxnSp>
+      <p:sp>
+        <p:nvSpPr>
+          <p:cNvPr id="46" name="円/楕円 45"/>
+          <p:cNvSpPr/>
+          <p:nvPr/>
+        </p:nvSpPr>
+        <p:spPr>
+          <a:xfrm>
+            <a:off x="5805012" y="3879876"/>
+            <a:ext cx="294968" cy="292425"/>
+          </a:xfrm>
+          <a:prstGeom prst="ellipse">
+            <a:avLst/>
+          </a:prstGeom>
+          <a:solidFill>
+            <a:schemeClr val="tx1"/>
+          </a:solidFill>
+          <a:ln>
+            <a:solidFill>
+              <a:schemeClr val="tx1"/>
+            </a:solidFill>
+          </a:ln>
+        </p:spPr>
+        <p:style>
+          <a:lnRef idx="2">
+            <a:schemeClr val="accent1">
+              <a:shade val="50000"/>
+            </a:schemeClr>
+          </a:lnRef>
+          <a:fillRef idx="1">
+            <a:schemeClr val="accent1"/>
+          </a:fillRef>
+          <a:effectRef idx="0">
+            <a:schemeClr val="accent1"/>
+          </a:effectRef>
+          <a:fontRef idx="minor">
+            <a:schemeClr val="lt1"/>
+          </a:fontRef>
+        </p:style>
+        <p:txBody>
+          <a:bodyPr rtlCol="0" anchor="ctr"/>
+          <a:lstStyle/>
+          <a:p>
+            <a:pPr algn="ctr"/>
+            <a:endParaRPr kumimoji="1" lang="ja-JP" altLang="en-US"/>
+          </a:p>
+        </p:txBody>
+      </p:sp>
+      <p:sp>
+        <p:nvSpPr>
+          <p:cNvPr id="47" name="円/楕円 46"/>
+          <p:cNvSpPr/>
+          <p:nvPr/>
+        </p:nvSpPr>
+        <p:spPr>
+          <a:xfrm>
+            <a:off x="6269822" y="3500501"/>
+            <a:ext cx="294968" cy="292425"/>
+          </a:xfrm>
+          <a:prstGeom prst="ellipse">
+            <a:avLst/>
+          </a:prstGeom>
+          <a:solidFill>
+            <a:schemeClr val="bg1"/>
+          </a:solidFill>
+          <a:ln>
+            <a:solidFill>
+              <a:schemeClr val="tx1"/>
+            </a:solidFill>
+          </a:ln>
+        </p:spPr>
+        <p:style>
+          <a:lnRef idx="2">
+            <a:schemeClr val="accent1">
+              <a:shade val="50000"/>
+            </a:schemeClr>
+          </a:lnRef>
+          <a:fillRef idx="1">
+            <a:schemeClr val="accent1"/>
+          </a:fillRef>
+          <a:effectRef idx="0">
+            <a:schemeClr val="accent1"/>
+          </a:effectRef>
+          <a:fontRef idx="minor">
+            <a:schemeClr val="lt1"/>
+          </a:fontRef>
+        </p:style>
+        <p:txBody>
+          <a:bodyPr rtlCol="0" anchor="ctr"/>
+          <a:lstStyle/>
+          <a:p>
+            <a:pPr algn="ctr"/>
+            <a:endParaRPr kumimoji="1" lang="ja-JP" altLang="en-US"/>
+          </a:p>
+        </p:txBody>
+      </p:sp>
+      <p:sp>
+        <p:nvSpPr>
+          <p:cNvPr id="48" name="円/楕円 47"/>
+          <p:cNvSpPr/>
+          <p:nvPr/>
+        </p:nvSpPr>
+        <p:spPr>
+          <a:xfrm>
+            <a:off x="6278369" y="3885857"/>
+            <a:ext cx="294968" cy="292425"/>
+          </a:xfrm>
+          <a:prstGeom prst="ellipse">
+            <a:avLst/>
+          </a:prstGeom>
+          <a:solidFill>
+            <a:schemeClr val="tx1"/>
+          </a:solidFill>
+          <a:ln>
+            <a:solidFill>
+              <a:schemeClr val="tx1"/>
+            </a:solidFill>
+          </a:ln>
+        </p:spPr>
+        <p:style>
+          <a:lnRef idx="2">
+            <a:schemeClr val="accent1">
+              <a:shade val="50000"/>
+            </a:schemeClr>
+          </a:lnRef>
+          <a:fillRef idx="1">
+            <a:schemeClr val="accent1"/>
+          </a:fillRef>
+          <a:effectRef idx="0">
+            <a:schemeClr val="accent1"/>
+          </a:effectRef>
+          <a:fontRef idx="minor">
+            <a:schemeClr val="lt1"/>
+          </a:fontRef>
+        </p:style>
+        <p:txBody>
+          <a:bodyPr rtlCol="0" anchor="ctr"/>
+          <a:lstStyle/>
+          <a:p>
+            <a:pPr algn="ctr"/>
+            <a:endParaRPr kumimoji="1" lang="ja-JP" altLang="en-US"/>
+          </a:p>
+        </p:txBody>
+      </p:sp>
+      <p:sp>
+        <p:nvSpPr>
+          <p:cNvPr id="49" name="円/楕円 48"/>
+          <p:cNvSpPr/>
+          <p:nvPr/>
+        </p:nvSpPr>
+        <p:spPr>
+          <a:xfrm>
+            <a:off x="6701039" y="3853870"/>
+            <a:ext cx="294968" cy="292425"/>
+          </a:xfrm>
+          <a:prstGeom prst="ellipse">
+            <a:avLst/>
+          </a:prstGeom>
+          <a:solidFill>
+            <a:schemeClr val="bg1"/>
+          </a:solidFill>
+          <a:ln>
+            <a:solidFill>
+              <a:schemeClr val="tx1"/>
+            </a:solidFill>
+          </a:ln>
+        </p:spPr>
+        <p:style>
+          <a:lnRef idx="2">
+            <a:schemeClr val="accent1">
+              <a:shade val="50000"/>
+            </a:schemeClr>
+          </a:lnRef>
+          <a:fillRef idx="1">
+            <a:schemeClr val="accent1"/>
+          </a:fillRef>
+          <a:effectRef idx="0">
+            <a:schemeClr val="accent1"/>
+          </a:effectRef>
+          <a:fontRef idx="minor">
+            <a:schemeClr val="lt1"/>
+          </a:fontRef>
+        </p:style>
+        <p:txBody>
+          <a:bodyPr rtlCol="0" anchor="ctr"/>
+          <a:lstStyle/>
+          <a:p>
+            <a:pPr algn="ctr"/>
+            <a:endParaRPr kumimoji="1" lang="ja-JP" altLang="en-US"/>
+          </a:p>
+        </p:txBody>
+      </p:sp>
+      <p:sp>
+        <p:nvSpPr>
+          <p:cNvPr id="50" name="円/楕円 49"/>
+          <p:cNvSpPr/>
+          <p:nvPr/>
+        </p:nvSpPr>
+        <p:spPr>
+          <a:xfrm>
+            <a:off x="5826083" y="4360218"/>
+            <a:ext cx="294968" cy="292425"/>
+          </a:xfrm>
+          <a:prstGeom prst="ellipse">
+            <a:avLst/>
+          </a:prstGeom>
+          <a:solidFill>
+            <a:schemeClr val="tx1"/>
+          </a:solidFill>
+          <a:ln>
+            <a:solidFill>
+              <a:schemeClr val="tx1"/>
+            </a:solidFill>
+          </a:ln>
+        </p:spPr>
+        <p:style>
+          <a:lnRef idx="2">
+            <a:schemeClr val="accent1">
+              <a:shade val="50000"/>
+            </a:schemeClr>
+          </a:lnRef>
+          <a:fillRef idx="1">
+            <a:schemeClr val="accent1"/>
+          </a:fillRef>
+          <a:effectRef idx="0">
+            <a:schemeClr val="accent1"/>
+          </a:effectRef>
+          <a:fontRef idx="minor">
+            <a:schemeClr val="lt1"/>
+          </a:fontRef>
+        </p:style>
+        <p:txBody>
+          <a:bodyPr rtlCol="0" anchor="ctr"/>
+          <a:lstStyle/>
+          <a:p>
+            <a:pPr algn="ctr"/>
+            <a:endParaRPr kumimoji="1" lang="ja-JP" altLang="en-US"/>
+          </a:p>
+        </p:txBody>
+      </p:sp>
+      <p:sp>
+        <p:nvSpPr>
+          <p:cNvPr id="51" name="円/楕円 50"/>
+          <p:cNvSpPr/>
+          <p:nvPr/>
+        </p:nvSpPr>
+        <p:spPr>
+          <a:xfrm>
+            <a:off x="5802552" y="3476842"/>
+            <a:ext cx="294968" cy="292425"/>
+          </a:xfrm>
+          <a:prstGeom prst="ellipse">
+            <a:avLst/>
+          </a:prstGeom>
+          <a:solidFill>
+            <a:schemeClr val="bg1"/>
+          </a:solidFill>
+          <a:ln>
+            <a:solidFill>
+              <a:schemeClr val="tx1"/>
+            </a:solidFill>
+          </a:ln>
+        </p:spPr>
+        <p:style>
+          <a:lnRef idx="2">
+            <a:schemeClr val="accent1">
+              <a:shade val="50000"/>
+            </a:schemeClr>
+          </a:lnRef>
+          <a:fillRef idx="1">
+            <a:schemeClr val="accent1"/>
+          </a:fillRef>
+          <a:effectRef idx="0">
+            <a:schemeClr val="accent1"/>
+          </a:effectRef>
+          <a:fontRef idx="minor">
+            <a:schemeClr val="lt1"/>
+          </a:fontRef>
+        </p:style>
+        <p:txBody>
+          <a:bodyPr rtlCol="0" anchor="ctr"/>
+          <a:lstStyle/>
+          <a:p>
+            <a:pPr algn="ctr"/>
+            <a:endParaRPr kumimoji="1" lang="ja-JP" altLang="en-US"/>
+          </a:p>
+        </p:txBody>
+      </p:sp>
+      <p:sp>
+        <p:nvSpPr>
+          <p:cNvPr id="52" name="正方形/長方形 51"/>
+          <p:cNvSpPr/>
+          <p:nvPr/>
+        </p:nvSpPr>
+        <p:spPr>
+          <a:xfrm>
+            <a:off x="7899279" y="1232875"/>
+            <a:ext cx="2483349" cy="5361528"/>
+          </a:xfrm>
+          <a:prstGeom prst="rect">
+            <a:avLst/>
+          </a:prstGeom>
+          <a:noFill/>
+          <a:ln>
+            <a:solidFill>
+              <a:schemeClr val="tx1"/>
+            </a:solidFill>
+          </a:ln>
+        </p:spPr>
+        <p:style>
+          <a:lnRef idx="2">
+            <a:schemeClr val="accent1">
+              <a:shade val="50000"/>
+            </a:schemeClr>
+          </a:lnRef>
+          <a:fillRef idx="1">
+            <a:schemeClr val="accent1"/>
+          </a:fillRef>
+          <a:effectRef idx="0">
+            <a:schemeClr val="accent1"/>
+          </a:effectRef>
+          <a:fontRef idx="minor">
+            <a:schemeClr val="lt1"/>
+          </a:fontRef>
+        </p:style>
+        <p:txBody>
+          <a:bodyPr rtlCol="0" anchor="ctr"/>
+          <a:lstStyle/>
+          <a:p>
+            <a:pPr algn="ctr"/>
+            <a:endParaRPr kumimoji="1" lang="ja-JP" altLang="en-US"/>
+          </a:p>
+        </p:txBody>
+      </p:sp>
+      <p:sp>
+        <p:nvSpPr>
+          <p:cNvPr id="53" name="テキスト ボックス 52"/>
+          <p:cNvSpPr txBox="1"/>
+          <p:nvPr/>
+        </p:nvSpPr>
+        <p:spPr>
+          <a:xfrm>
+            <a:off x="8317502" y="3331261"/>
+            <a:ext cx="1742883" cy="461665"/>
+          </a:xfrm>
+          <a:prstGeom prst="rect">
+            <a:avLst/>
+          </a:prstGeom>
+          <a:noFill/>
+        </p:spPr>
+        <p:txBody>
+          <a:bodyPr wrap="square" rtlCol="0">
+            <a:spAutoFit/>
+          </a:bodyPr>
+          <a:lstStyle/>
+          <a:p>
+            <a:r>
+              <a:rPr kumimoji="1" lang="ja-JP" altLang="en-US" sz="2400" dirty="0" smtClean="0"/>
+              <a:t>チャット画面</a:t>
+            </a:r>
+            <a:endParaRPr kumimoji="1" lang="ja-JP" altLang="en-US" sz="2400" dirty="0"/>
+          </a:p>
+        </p:txBody>
+      </p:sp>
+      <p:sp>
+        <p:nvSpPr>
+          <p:cNvPr id="54" name="テキスト ボックス 53"/>
+          <p:cNvSpPr txBox="1"/>
+          <p:nvPr/>
+        </p:nvSpPr>
+        <p:spPr>
+          <a:xfrm>
+            <a:off x="2135593" y="3207539"/>
+            <a:ext cx="1796261" cy="646331"/>
+          </a:xfrm>
+          <a:prstGeom prst="rect">
+            <a:avLst/>
+          </a:prstGeom>
+          <a:noFill/>
+        </p:spPr>
+        <p:txBody>
+          <a:bodyPr wrap="square" rtlCol="0">
+            <a:spAutoFit/>
+          </a:bodyPr>
+          <a:lstStyle/>
+          <a:p>
+            <a:r>
+              <a:rPr kumimoji="1" lang="ja-JP" altLang="en-US" dirty="0" smtClean="0"/>
+              <a:t>あなたの番です</a:t>
+            </a:r>
+            <a:endParaRPr kumimoji="1" lang="en-US" altLang="ja-JP" dirty="0" smtClean="0"/>
+          </a:p>
+          <a:p>
+            <a:r>
+              <a:rPr lang="ja-JP" altLang="en-US" dirty="0" smtClean="0"/>
+              <a:t>残り時間：</a:t>
+            </a:r>
+            <a:r>
+              <a:rPr lang="en-US" altLang="ja-JP" dirty="0" smtClean="0"/>
+              <a:t>60</a:t>
+            </a:r>
+            <a:r>
+              <a:rPr lang="ja-JP" altLang="en-US" dirty="0" smtClean="0"/>
+              <a:t>秒</a:t>
+            </a:r>
+            <a:endParaRPr lang="en-US" altLang="ja-JP" dirty="0" smtClean="0"/>
+          </a:p>
+        </p:txBody>
+      </p:sp>
+      <p:sp>
+        <p:nvSpPr>
+          <p:cNvPr id="55" name="テキスト ボックス 54"/>
+          <p:cNvSpPr txBox="1"/>
+          <p:nvPr/>
+        </p:nvSpPr>
+        <p:spPr>
+          <a:xfrm>
+            <a:off x="2341603" y="3940350"/>
+            <a:ext cx="1130593" cy="369332"/>
+          </a:xfrm>
+          <a:prstGeom prst="rect">
+            <a:avLst/>
+          </a:prstGeom>
+          <a:noFill/>
+          <a:ln>
+            <a:solidFill>
+              <a:schemeClr val="tx1"/>
+            </a:solidFill>
+          </a:ln>
+        </p:spPr>
+        <p:txBody>
+          <a:bodyPr wrap="square" rtlCol="0">
+            <a:spAutoFit/>
+          </a:bodyPr>
+          <a:lstStyle/>
+          <a:p>
+            <a:r>
+              <a:rPr kumimoji="1" lang="ja-JP" altLang="en-US" dirty="0" smtClean="0"/>
+              <a:t>降参する</a:t>
+            </a:r>
+            <a:endParaRPr kumimoji="1" lang="ja-JP" altLang="en-US" dirty="0"/>
+          </a:p>
+        </p:txBody>
+      </p:sp>
+      <p:sp>
+        <p:nvSpPr>
+          <p:cNvPr id="56" name="正方形/長方形 55"/>
+          <p:cNvSpPr/>
+          <p:nvPr/>
+        </p:nvSpPr>
+        <p:spPr>
+          <a:xfrm>
+            <a:off x="2078003" y="3094665"/>
+            <a:ext cx="1772381" cy="1329042"/>
           </a:xfrm>
           <a:prstGeom prst="rect">
             <a:avLst/>

--- a/design/ゲーム画面設計.pptx
+++ b/design/ゲーム画面設計.pptx
@@ -197,7 +197,7 @@
           <a:p>
             <a:fld id="{C1D057B1-392F-4EA3-A98E-DCD6DB5AF2D7}" type="datetimeFigureOut">
               <a:rPr kumimoji="1" lang="ja-JP" altLang="en-US" smtClean="0"/>
-              <a:t>2014/1/4</a:t>
+              <a:t>2014/1/9</a:t>
             </a:fld>
             <a:endParaRPr kumimoji="1" lang="ja-JP" altLang="en-US"/>
           </a:p>
@@ -550,15 +550,15 @@
               <a:t>は</a:t>
             </a:r>
             <a:r>
-              <a:rPr kumimoji="1" lang="en-US" altLang="ja-JP" dirty="0" smtClean="0"/>
-              <a:t>15×15</a:t>
+              <a:rPr kumimoji="1" lang="en-US" altLang="ja-JP" smtClean="0"/>
+              <a:t>8×8</a:t>
             </a:r>
             <a:r>
               <a:rPr kumimoji="1" lang="ja-JP" altLang="en-US" dirty="0" err="1" smtClean="0"/>
               <a:t>のに</a:t>
             </a:r>
             <a:r>
-              <a:rPr kumimoji="1" lang="ja-JP" altLang="en-US" smtClean="0"/>
+              <a:rPr kumimoji="1" lang="ja-JP" altLang="en-US" dirty="0" smtClean="0"/>
               <a:t>する予定。</a:t>
             </a:r>
             <a:endParaRPr kumimoji="1" lang="ja-JP" altLang="en-US" dirty="0"/>
@@ -732,7 +732,7 @@
           <a:p>
             <a:fld id="{DB526660-F677-44CC-876D-331CADDE51A8}" type="datetimeFigureOut">
               <a:rPr kumimoji="1" lang="ja-JP" altLang="en-US" smtClean="0"/>
-              <a:t>2014/1/4</a:t>
+              <a:t>2014/1/9</a:t>
             </a:fld>
             <a:endParaRPr kumimoji="1" lang="ja-JP" altLang="en-US"/>
           </a:p>
@@ -934,7 +934,7 @@
           <a:p>
             <a:fld id="{DB526660-F677-44CC-876D-331CADDE51A8}" type="datetimeFigureOut">
               <a:rPr kumimoji="1" lang="ja-JP" altLang="en-US" smtClean="0"/>
-              <a:t>2014/1/4</a:t>
+              <a:t>2014/1/9</a:t>
             </a:fld>
             <a:endParaRPr kumimoji="1" lang="ja-JP" altLang="en-US"/>
           </a:p>
@@ -1146,7 +1146,7 @@
           <a:p>
             <a:fld id="{DB526660-F677-44CC-876D-331CADDE51A8}" type="datetimeFigureOut">
               <a:rPr kumimoji="1" lang="ja-JP" altLang="en-US" smtClean="0"/>
-              <a:t>2014/1/4</a:t>
+              <a:t>2014/1/9</a:t>
             </a:fld>
             <a:endParaRPr kumimoji="1" lang="ja-JP" altLang="en-US"/>
           </a:p>
@@ -1348,7 +1348,7 @@
           <a:p>
             <a:fld id="{DB526660-F677-44CC-876D-331CADDE51A8}" type="datetimeFigureOut">
               <a:rPr kumimoji="1" lang="ja-JP" altLang="en-US" smtClean="0"/>
-              <a:t>2014/1/4</a:t>
+              <a:t>2014/1/9</a:t>
             </a:fld>
             <a:endParaRPr kumimoji="1" lang="ja-JP" altLang="en-US"/>
           </a:p>
@@ -1594,7 +1594,7 @@
           <a:p>
             <a:fld id="{DB526660-F677-44CC-876D-331CADDE51A8}" type="datetimeFigureOut">
               <a:rPr kumimoji="1" lang="ja-JP" altLang="en-US" smtClean="0"/>
-              <a:t>2014/1/4</a:t>
+              <a:t>2014/1/9</a:t>
             </a:fld>
             <a:endParaRPr kumimoji="1" lang="ja-JP" altLang="en-US"/>
           </a:p>
@@ -1890,7 +1890,7 @@
           <a:p>
             <a:fld id="{DB526660-F677-44CC-876D-331CADDE51A8}" type="datetimeFigureOut">
               <a:rPr kumimoji="1" lang="ja-JP" altLang="en-US" smtClean="0"/>
-              <a:t>2014/1/4</a:t>
+              <a:t>2014/1/9</a:t>
             </a:fld>
             <a:endParaRPr kumimoji="1" lang="ja-JP" altLang="en-US"/>
           </a:p>
@@ -2321,7 +2321,7 @@
           <a:p>
             <a:fld id="{DB526660-F677-44CC-876D-331CADDE51A8}" type="datetimeFigureOut">
               <a:rPr kumimoji="1" lang="ja-JP" altLang="en-US" smtClean="0"/>
-              <a:t>2014/1/4</a:t>
+              <a:t>2014/1/9</a:t>
             </a:fld>
             <a:endParaRPr kumimoji="1" lang="ja-JP" altLang="en-US"/>
           </a:p>
@@ -2439,7 +2439,7 @@
           <a:p>
             <a:fld id="{DB526660-F677-44CC-876D-331CADDE51A8}" type="datetimeFigureOut">
               <a:rPr kumimoji="1" lang="ja-JP" altLang="en-US" smtClean="0"/>
-              <a:t>2014/1/4</a:t>
+              <a:t>2014/1/9</a:t>
             </a:fld>
             <a:endParaRPr kumimoji="1" lang="ja-JP" altLang="en-US"/>
           </a:p>
@@ -2534,7 +2534,7 @@
           <a:p>
             <a:fld id="{DB526660-F677-44CC-876D-331CADDE51A8}" type="datetimeFigureOut">
               <a:rPr kumimoji="1" lang="ja-JP" altLang="en-US" smtClean="0"/>
-              <a:t>2014/1/4</a:t>
+              <a:t>2014/1/9</a:t>
             </a:fld>
             <a:endParaRPr kumimoji="1" lang="ja-JP" altLang="en-US"/>
           </a:p>
@@ -2843,7 +2843,7 @@
           <a:p>
             <a:fld id="{DB526660-F677-44CC-876D-331CADDE51A8}" type="datetimeFigureOut">
               <a:rPr kumimoji="1" lang="ja-JP" altLang="en-US" smtClean="0"/>
-              <a:t>2014/1/4</a:t>
+              <a:t>2014/1/9</a:t>
             </a:fld>
             <a:endParaRPr kumimoji="1" lang="ja-JP" altLang="en-US"/>
           </a:p>
@@ -3096,7 +3096,7 @@
           <a:p>
             <a:fld id="{DB526660-F677-44CC-876D-331CADDE51A8}" type="datetimeFigureOut">
               <a:rPr kumimoji="1" lang="ja-JP" altLang="en-US" smtClean="0"/>
-              <a:t>2014/1/4</a:t>
+              <a:t>2014/1/9</a:t>
             </a:fld>
             <a:endParaRPr kumimoji="1" lang="ja-JP" altLang="en-US"/>
           </a:p>
@@ -3341,7 +3341,7 @@
           <a:p>
             <a:fld id="{DB526660-F677-44CC-876D-331CADDE51A8}" type="datetimeFigureOut">
               <a:rPr kumimoji="1" lang="ja-JP" altLang="en-US" smtClean="0"/>
-              <a:t>2014/1/4</a:t>
+              <a:t>2014/1/9</a:t>
             </a:fld>
             <a:endParaRPr kumimoji="1" lang="ja-JP" altLang="en-US"/>
           </a:p>
@@ -3863,8 +3863,8 @@
           <a:p>
             <a:pPr algn="ctr"/>
             <a:r>
-              <a:rPr kumimoji="1" lang="ja-JP" altLang="en-US" sz="2800" dirty="0" smtClean="0"/>
-              <a:t>五目並べ</a:t>
+              <a:rPr lang="ja-JP" altLang="en-US" sz="2800" dirty="0"/>
+              <a:t>オセロ</a:t>
             </a:r>
             <a:endParaRPr kumimoji="1" lang="ja-JP" altLang="en-US" sz="2800" dirty="0"/>
           </a:p>
@@ -4379,7 +4379,7 @@
         </p:nvSpPr>
         <p:spPr>
           <a:xfrm>
-            <a:off x="5805012" y="3879876"/>
+            <a:off x="5368360" y="3866328"/>
             <a:ext cx="294968" cy="292425"/>
           </a:xfrm>
           <a:prstGeom prst="ellipse">
@@ -4427,7 +4427,7 @@
         </p:nvSpPr>
         <p:spPr>
           <a:xfrm>
-            <a:off x="6269822" y="3500501"/>
+            <a:off x="5818944" y="3486994"/>
             <a:ext cx="294968" cy="292425"/>
           </a:xfrm>
           <a:prstGeom prst="ellipse">
@@ -4475,7 +4475,7 @@
         </p:nvSpPr>
         <p:spPr>
           <a:xfrm>
-            <a:off x="6278369" y="3885857"/>
+            <a:off x="5828303" y="3883559"/>
             <a:ext cx="294968" cy="292425"/>
           </a:xfrm>
           <a:prstGeom prst="ellipse">
@@ -4523,7 +4523,7 @@
         </p:nvSpPr>
         <p:spPr>
           <a:xfrm>
-            <a:off x="6701039" y="3853870"/>
+            <a:off x="6292878" y="3494640"/>
             <a:ext cx="294968" cy="292425"/>
           </a:xfrm>
           <a:prstGeom prst="ellipse">
@@ -4619,7 +4619,7 @@
         </p:nvSpPr>
         <p:spPr>
           <a:xfrm>
-            <a:off x="5802552" y="3476842"/>
+            <a:off x="5350503" y="3476842"/>
             <a:ext cx="294968" cy="292425"/>
           </a:xfrm>
           <a:prstGeom prst="ellipse">
